--- a/stats case study slides.pptx
+++ b/stats case study slides.pptx
@@ -7,13 +7,22 @@
   <p:sldIdLst>
     <p:sldId id="298" r:id="rId5"/>
     <p:sldId id="300" r:id="rId6"/>
-    <p:sldId id="307" r:id="rId7"/>
-    <p:sldId id="308" r:id="rId8"/>
+    <p:sldId id="308" r:id="rId7"/>
+    <p:sldId id="307" r:id="rId8"/>
     <p:sldId id="301" r:id="rId9"/>
-    <p:sldId id="309" r:id="rId10"/>
-    <p:sldId id="303" r:id="rId11"/>
-    <p:sldId id="304" r:id="rId12"/>
-    <p:sldId id="302" r:id="rId13"/>
+    <p:sldId id="310" r:id="rId10"/>
+    <p:sldId id="316" r:id="rId11"/>
+    <p:sldId id="315" r:id="rId12"/>
+    <p:sldId id="311" r:id="rId13"/>
+    <p:sldId id="312" r:id="rId14"/>
+    <p:sldId id="313" r:id="rId15"/>
+    <p:sldId id="314" r:id="rId16"/>
+    <p:sldId id="309" r:id="rId17"/>
+    <p:sldId id="303" r:id="rId18"/>
+    <p:sldId id="319" r:id="rId19"/>
+    <p:sldId id="318" r:id="rId20"/>
+    <p:sldId id="304" r:id="rId21"/>
+    <p:sldId id="302" r:id="rId22"/>
   </p:sldIdLst>
   <p:sldSz cx="12192000" cy="6858000"/>
   <p:notesSz cx="6858000" cy="9144000"/>
@@ -3747,6 +3756,13 @@
             <a:schemeClr val="lt1"/>
           </a:fontRef>
         </p:style>
+        <p:txBody>
+          <a:bodyPr/>
+          <a:lstStyle/>
+          <a:p>
+            <a:endParaRPr lang="en-US"/>
+          </a:p>
+        </p:txBody>
       </p:sp>
     </p:spTree>
     <p:extLst>
@@ -3757,6 +3773,3579 @@
   </p:cSld>
   <p:clrMapOvr>
     <a:overrideClrMapping bg1="dk1" tx1="lt1" bg2="dk2" tx2="lt2" accent1="accent1" accent2="accent2" accent3="accent3" accent4="accent4" accent5="accent5" accent6="accent6" hlink="hlink" folHlink="folHlink"/>
+  </p:clrMapOvr>
+</p:sld>
+</file>
+
+<file path=ppt/slides/slide10.xml><?xml version="1.0" encoding="utf-8"?>
+<p:sld xmlns:a="http://schemas.openxmlformats.org/drawingml/2006/main" xmlns:r="http://schemas.openxmlformats.org/officeDocument/2006/relationships" xmlns:p="http://schemas.openxmlformats.org/presentationml/2006/main">
+  <p:cSld>
+    <p:bg>
+      <p:bgPr>
+        <a:solidFill>
+          <a:schemeClr val="bg1"/>
+        </a:solidFill>
+        <a:effectLst/>
+      </p:bgPr>
+    </p:bg>
+    <p:spTree>
+      <p:nvGrpSpPr>
+        <p:cNvPr id="1" name=""/>
+        <p:cNvGrpSpPr/>
+        <p:nvPr/>
+      </p:nvGrpSpPr>
+      <p:grpSpPr>
+        <a:xfrm>
+          <a:off x="0" y="0"/>
+          <a:ext cx="0" cy="0"/>
+          <a:chOff x="0" y="0"/>
+          <a:chExt cx="0" cy="0"/>
+        </a:xfrm>
+      </p:grpSpPr>
+      <p:pic>
+        <p:nvPicPr>
+          <p:cNvPr id="9" name="Content Placeholder 8">
+            <a:extLst>
+              <a:ext uri="{FF2B5EF4-FFF2-40B4-BE49-F238E27FC236}">
+                <a16:creationId xmlns:a16="http://schemas.microsoft.com/office/drawing/2014/main" id="{69FDDE4D-2C79-38F8-077F-4660A7584DE1}"/>
+              </a:ext>
+            </a:extLst>
+          </p:cNvPr>
+          <p:cNvPicPr>
+            <a:picLocks noGrp="1" noChangeAspect="1"/>
+          </p:cNvPicPr>
+          <p:nvPr>
+            <p:ph idx="1"/>
+          </p:nvPr>
+        </p:nvPicPr>
+        <p:blipFill>
+          <a:blip r:embed="rId3"/>
+          <a:srcRect/>
+          <a:stretch/>
+        </p:blipFill>
+        <p:spPr>
+          <a:xfrm>
+            <a:off x="1" y="0"/>
+            <a:ext cx="12192000" cy="6048375"/>
+          </a:xfrm>
+        </p:spPr>
+      </p:pic>
+    </p:spTree>
+    <p:extLst>
+      <p:ext uri="{BB962C8B-B14F-4D97-AF65-F5344CB8AC3E}">
+        <p14:creationId xmlns:p14="http://schemas.microsoft.com/office/powerpoint/2010/main" val="1414387380"/>
+      </p:ext>
+    </p:extLst>
+  </p:cSld>
+  <p:clrMapOvr>
+    <a:masterClrMapping/>
+  </p:clrMapOvr>
+</p:sld>
+</file>
+
+<file path=ppt/slides/slide11.xml><?xml version="1.0" encoding="utf-8"?>
+<p:sld xmlns:a="http://schemas.openxmlformats.org/drawingml/2006/main" xmlns:r="http://schemas.openxmlformats.org/officeDocument/2006/relationships" xmlns:p="http://schemas.openxmlformats.org/presentationml/2006/main">
+  <p:cSld>
+    <p:bg>
+      <p:bgPr>
+        <a:solidFill>
+          <a:schemeClr val="bg1"/>
+        </a:solidFill>
+        <a:effectLst/>
+      </p:bgPr>
+    </p:bg>
+    <p:spTree>
+      <p:nvGrpSpPr>
+        <p:cNvPr id="1" name=""/>
+        <p:cNvGrpSpPr/>
+        <p:nvPr/>
+      </p:nvGrpSpPr>
+      <p:grpSpPr>
+        <a:xfrm>
+          <a:off x="0" y="0"/>
+          <a:ext cx="0" cy="0"/>
+          <a:chOff x="0" y="0"/>
+          <a:chExt cx="0" cy="0"/>
+        </a:xfrm>
+      </p:grpSpPr>
+      <p:pic>
+        <p:nvPicPr>
+          <p:cNvPr id="9" name="Content Placeholder 8">
+            <a:extLst>
+              <a:ext uri="{FF2B5EF4-FFF2-40B4-BE49-F238E27FC236}">
+                <a16:creationId xmlns:a16="http://schemas.microsoft.com/office/drawing/2014/main" id="{69FDDE4D-2C79-38F8-077F-4660A7584DE1}"/>
+              </a:ext>
+            </a:extLst>
+          </p:cNvPr>
+          <p:cNvPicPr>
+            <a:picLocks noGrp="1" noChangeAspect="1"/>
+          </p:cNvPicPr>
+          <p:nvPr>
+            <p:ph idx="1"/>
+          </p:nvPr>
+        </p:nvPicPr>
+        <p:blipFill>
+          <a:blip r:embed="rId3"/>
+          <a:srcRect/>
+          <a:stretch/>
+        </p:blipFill>
+        <p:spPr>
+          <a:xfrm>
+            <a:off x="1" y="0"/>
+            <a:ext cx="12192000" cy="6048375"/>
+          </a:xfrm>
+        </p:spPr>
+      </p:pic>
+    </p:spTree>
+    <p:extLst>
+      <p:ext uri="{BB962C8B-B14F-4D97-AF65-F5344CB8AC3E}">
+        <p14:creationId xmlns:p14="http://schemas.microsoft.com/office/powerpoint/2010/main" val="1602622175"/>
+      </p:ext>
+    </p:extLst>
+  </p:cSld>
+  <p:clrMapOvr>
+    <a:masterClrMapping/>
+  </p:clrMapOvr>
+</p:sld>
+</file>
+
+<file path=ppt/slides/slide12.xml><?xml version="1.0" encoding="utf-8"?>
+<p:sld xmlns:a="http://schemas.openxmlformats.org/drawingml/2006/main" xmlns:r="http://schemas.openxmlformats.org/officeDocument/2006/relationships" xmlns:p="http://schemas.openxmlformats.org/presentationml/2006/main">
+  <p:cSld>
+    <p:bg>
+      <p:bgPr>
+        <a:solidFill>
+          <a:schemeClr val="bg1"/>
+        </a:solidFill>
+        <a:effectLst/>
+      </p:bgPr>
+    </p:bg>
+    <p:spTree>
+      <p:nvGrpSpPr>
+        <p:cNvPr id="1" name=""/>
+        <p:cNvGrpSpPr/>
+        <p:nvPr/>
+      </p:nvGrpSpPr>
+      <p:grpSpPr>
+        <a:xfrm>
+          <a:off x="0" y="0"/>
+          <a:ext cx="0" cy="0"/>
+          <a:chOff x="0" y="0"/>
+          <a:chExt cx="0" cy="0"/>
+        </a:xfrm>
+      </p:grpSpPr>
+      <p:pic>
+        <p:nvPicPr>
+          <p:cNvPr id="9" name="Content Placeholder 8">
+            <a:extLst>
+              <a:ext uri="{FF2B5EF4-FFF2-40B4-BE49-F238E27FC236}">
+                <a16:creationId xmlns:a16="http://schemas.microsoft.com/office/drawing/2014/main" id="{69FDDE4D-2C79-38F8-077F-4660A7584DE1}"/>
+              </a:ext>
+            </a:extLst>
+          </p:cNvPr>
+          <p:cNvPicPr>
+            <a:picLocks noGrp="1" noChangeAspect="1"/>
+          </p:cNvPicPr>
+          <p:nvPr>
+            <p:ph idx="1"/>
+          </p:nvPr>
+        </p:nvPicPr>
+        <p:blipFill>
+          <a:blip r:embed="rId3"/>
+          <a:srcRect/>
+          <a:stretch/>
+        </p:blipFill>
+        <p:spPr>
+          <a:xfrm>
+            <a:off x="1" y="0"/>
+            <a:ext cx="12192000" cy="6048375"/>
+          </a:xfrm>
+        </p:spPr>
+      </p:pic>
+    </p:spTree>
+    <p:extLst>
+      <p:ext uri="{BB962C8B-B14F-4D97-AF65-F5344CB8AC3E}">
+        <p14:creationId xmlns:p14="http://schemas.microsoft.com/office/powerpoint/2010/main" val="3680081180"/>
+      </p:ext>
+    </p:extLst>
+  </p:cSld>
+  <p:clrMapOvr>
+    <a:masterClrMapping/>
+  </p:clrMapOvr>
+</p:sld>
+</file>
+
+<file path=ppt/slides/slide13.xml><?xml version="1.0" encoding="utf-8"?>
+<p:sld xmlns:a="http://schemas.openxmlformats.org/drawingml/2006/main" xmlns:r="http://schemas.openxmlformats.org/officeDocument/2006/relationships" xmlns:p="http://schemas.openxmlformats.org/presentationml/2006/main">
+  <p:cSld>
+    <p:bg>
+      <p:bgPr>
+        <a:solidFill>
+          <a:schemeClr val="bg1"/>
+        </a:solidFill>
+        <a:effectLst/>
+      </p:bgPr>
+    </p:bg>
+    <p:spTree>
+      <p:nvGrpSpPr>
+        <p:cNvPr id="1" name=""/>
+        <p:cNvGrpSpPr/>
+        <p:nvPr/>
+      </p:nvGrpSpPr>
+      <p:grpSpPr>
+        <a:xfrm>
+          <a:off x="0" y="0"/>
+          <a:ext cx="0" cy="0"/>
+          <a:chOff x="0" y="0"/>
+          <a:chExt cx="0" cy="0"/>
+        </a:xfrm>
+      </p:grpSpPr>
+      <p:sp>
+        <p:nvSpPr>
+          <p:cNvPr id="2" name="Title 1">
+            <a:extLst>
+              <a:ext uri="{FF2B5EF4-FFF2-40B4-BE49-F238E27FC236}">
+                <a16:creationId xmlns:a16="http://schemas.microsoft.com/office/drawing/2014/main" id="{75AC86D3-8FD1-4F47-A319-7D0542E48B2F}"/>
+              </a:ext>
+            </a:extLst>
+          </p:cNvPr>
+          <p:cNvSpPr>
+            <a:spLocks noGrp="1"/>
+          </p:cNvSpPr>
+          <p:nvPr>
+            <p:ph type="title"/>
+          </p:nvPr>
+        </p:nvSpPr>
+        <p:spPr>
+          <a:xfrm>
+            <a:off x="1097280" y="286603"/>
+            <a:ext cx="10058400" cy="1450757"/>
+          </a:xfrm>
+        </p:spPr>
+        <p:txBody>
+          <a:bodyPr vert="horz" lIns="91440" tIns="45720" rIns="91440" bIns="45720" rtlCol="0">
+            <a:normAutofit/>
+          </a:bodyPr>
+          <a:lstStyle/>
+          <a:p>
+            <a:r>
+              <a:rPr lang="en-US" dirty="0"/>
+              <a:t>Data Distribution </a:t>
+            </a:r>
+          </a:p>
+        </p:txBody>
+      </p:sp>
+      <p:graphicFrame>
+        <p:nvGraphicFramePr>
+          <p:cNvPr id="4" name="Table 4">
+            <a:extLst>
+              <a:ext uri="{FF2B5EF4-FFF2-40B4-BE49-F238E27FC236}">
+                <a16:creationId xmlns:a16="http://schemas.microsoft.com/office/drawing/2014/main" id="{C266CDD0-3E96-40BD-8324-62D1DD86152D}"/>
+              </a:ext>
+            </a:extLst>
+          </p:cNvPr>
+          <p:cNvGraphicFramePr>
+            <a:graphicFrameLocks noGrp="1"/>
+          </p:cNvGraphicFramePr>
+          <p:nvPr>
+            <p:ph idx="1"/>
+          </p:nvPr>
+        </p:nvGraphicFramePr>
+        <p:xfrm>
+          <a:off x="1096963" y="2216879"/>
+          <a:ext cx="10058400" cy="3604216"/>
+        </p:xfrm>
+        <a:graphic>
+          <a:graphicData uri="http://schemas.openxmlformats.org/drawingml/2006/table">
+            <a:tbl>
+              <a:tblPr firstRow="1" bandRow="1">
+                <a:noFill/>
+                <a:tableStyleId>{3B4B98B0-60AC-42C2-AFA5-B58CD77FA1E5}</a:tableStyleId>
+              </a:tblPr>
+              <a:tblGrid>
+                <a:gridCol w="2514600">
+                  <a:extLst>
+                    <a:ext uri="{9D8B030D-6E8A-4147-A177-3AD203B41FA5}">
+                      <a16:colId xmlns:a16="http://schemas.microsoft.com/office/drawing/2014/main" val="2981917977"/>
+                    </a:ext>
+                  </a:extLst>
+                </a:gridCol>
+                <a:gridCol w="2514600">
+                  <a:extLst>
+                    <a:ext uri="{9D8B030D-6E8A-4147-A177-3AD203B41FA5}">
+                      <a16:colId xmlns:a16="http://schemas.microsoft.com/office/drawing/2014/main" val="945233394"/>
+                    </a:ext>
+                  </a:extLst>
+                </a:gridCol>
+                <a:gridCol w="2514600">
+                  <a:extLst>
+                    <a:ext uri="{9D8B030D-6E8A-4147-A177-3AD203B41FA5}">
+                      <a16:colId xmlns:a16="http://schemas.microsoft.com/office/drawing/2014/main" val="2572263168"/>
+                    </a:ext>
+                  </a:extLst>
+                </a:gridCol>
+                <a:gridCol w="2514600">
+                  <a:extLst>
+                    <a:ext uri="{9D8B030D-6E8A-4147-A177-3AD203B41FA5}">
+                      <a16:colId xmlns:a16="http://schemas.microsoft.com/office/drawing/2014/main" val="1765783061"/>
+                    </a:ext>
+                  </a:extLst>
+                </a:gridCol>
+              </a:tblGrid>
+              <a:tr h="613018">
+                <a:tc>
+                  <a:txBody>
+                    <a:bodyPr/>
+                    <a:lstStyle/>
+                    <a:p>
+                      <a:r>
+                        <a:rPr lang="en-US" sz="2400" b="0" cap="all" spc="150" dirty="0">
+                          <a:solidFill>
+                            <a:schemeClr val="lt1"/>
+                          </a:solidFill>
+                        </a:rPr>
+                        <a:t>Q1</a:t>
+                      </a:r>
+                    </a:p>
+                  </a:txBody>
+                  <a:tcPr marL="151061" marR="151061" marT="151061" marB="151061">
+                    <a:lnL w="12700" cmpd="sng">
+                      <a:noFill/>
+                    </a:lnL>
+                    <a:lnR w="12700" cmpd="sng">
+                      <a:noFill/>
+                    </a:lnR>
+                    <a:lnT w="12700" cmpd="sng">
+                      <a:noFill/>
+                    </a:lnT>
+                    <a:lnB w="38100" cmpd="sng">
+                      <a:noFill/>
+                    </a:lnB>
+                    <a:solidFill>
+                      <a:schemeClr val="accent1"/>
+                    </a:solidFill>
+                  </a:tcPr>
+                </a:tc>
+                <a:tc>
+                  <a:txBody>
+                    <a:bodyPr/>
+                    <a:lstStyle/>
+                    <a:p>
+                      <a:r>
+                        <a:rPr lang="en-US" sz="2400" b="0" cap="all" spc="150" dirty="0">
+                          <a:solidFill>
+                            <a:schemeClr val="lt1"/>
+                          </a:solidFill>
+                        </a:rPr>
+                        <a:t>Q2</a:t>
+                      </a:r>
+                    </a:p>
+                  </a:txBody>
+                  <a:tcPr marL="151061" marR="151061" marT="151061" marB="151061">
+                    <a:lnL w="12700" cmpd="sng">
+                      <a:noFill/>
+                    </a:lnL>
+                    <a:lnR w="12700" cmpd="sng">
+                      <a:noFill/>
+                    </a:lnR>
+                    <a:lnT w="12700" cmpd="sng">
+                      <a:noFill/>
+                    </a:lnT>
+                    <a:lnB w="38100" cmpd="sng">
+                      <a:noFill/>
+                    </a:lnB>
+                    <a:solidFill>
+                      <a:schemeClr val="accent1"/>
+                    </a:solidFill>
+                  </a:tcPr>
+                </a:tc>
+                <a:tc>
+                  <a:txBody>
+                    <a:bodyPr/>
+                    <a:lstStyle/>
+                    <a:p>
+                      <a:r>
+                        <a:rPr lang="en-US" sz="2400" b="0" cap="all" spc="150" dirty="0">
+                          <a:solidFill>
+                            <a:schemeClr val="lt1"/>
+                          </a:solidFill>
+                        </a:rPr>
+                        <a:t>Q3</a:t>
+                      </a:r>
+                    </a:p>
+                  </a:txBody>
+                  <a:tcPr marL="151061" marR="151061" marT="151061" marB="151061">
+                    <a:lnL w="12700" cmpd="sng">
+                      <a:noFill/>
+                    </a:lnL>
+                    <a:lnR w="12700" cmpd="sng">
+                      <a:noFill/>
+                    </a:lnR>
+                    <a:lnT w="12700" cmpd="sng">
+                      <a:noFill/>
+                    </a:lnT>
+                    <a:lnB w="38100" cmpd="sng">
+                      <a:noFill/>
+                    </a:lnB>
+                    <a:solidFill>
+                      <a:schemeClr val="accent1"/>
+                    </a:solidFill>
+                  </a:tcPr>
+                </a:tc>
+                <a:tc>
+                  <a:txBody>
+                    <a:bodyPr/>
+                    <a:lstStyle/>
+                    <a:p>
+                      <a:r>
+                        <a:rPr lang="en-US" sz="2400" b="0" cap="all" spc="150" dirty="0">
+                          <a:solidFill>
+                            <a:schemeClr val="lt1"/>
+                          </a:solidFill>
+                        </a:rPr>
+                        <a:t>Q4</a:t>
+                      </a:r>
+                    </a:p>
+                  </a:txBody>
+                  <a:tcPr marL="151061" marR="151061" marT="151061" marB="151061">
+                    <a:lnL w="12700" cmpd="sng">
+                      <a:noFill/>
+                    </a:lnL>
+                    <a:lnR w="12700" cmpd="sng">
+                      <a:noFill/>
+                    </a:lnR>
+                    <a:lnT w="12700" cmpd="sng">
+                      <a:noFill/>
+                    </a:lnT>
+                    <a:lnB w="38100" cmpd="sng">
+                      <a:noFill/>
+                    </a:lnB>
+                    <a:solidFill>
+                      <a:schemeClr val="accent1"/>
+                    </a:solidFill>
+                  </a:tcPr>
+                </a:tc>
+                <a:extLst>
+                  <a:ext uri="{0D108BD9-81ED-4DB2-BD59-A6C34878D82A}">
+                    <a16:rowId xmlns:a16="http://schemas.microsoft.com/office/drawing/2014/main" val="2580512675"/>
+                  </a:ext>
+                </a:extLst>
+              </a:tr>
+              <a:tr h="978778">
+                <a:tc>
+                  <a:txBody>
+                    <a:bodyPr/>
+                    <a:lstStyle/>
+                    <a:p>
+                      <a:r>
+                        <a:rPr lang="en-US" sz="1400" cap="none" spc="0" dirty="0">
+                          <a:solidFill>
+                            <a:schemeClr val="tx1"/>
+                          </a:solidFill>
+                        </a:rPr>
+                        <a:t>Lorem ipsum et tula lorem ipsum et lorem ipsum </a:t>
+                      </a:r>
+                    </a:p>
+                  </a:txBody>
+                  <a:tcPr marL="151061" marR="151061" marT="151061" marB="151061">
+                    <a:lnL w="12700" cmpd="sng">
+                      <a:noFill/>
+                      <a:prstDash val="solid"/>
+                    </a:lnL>
+                    <a:lnR w="12700" cmpd="sng">
+                      <a:noFill/>
+                      <a:prstDash val="solid"/>
+                    </a:lnR>
+                    <a:lnT w="38100" cmpd="sng">
+                      <a:noFill/>
+                    </a:lnT>
+                    <a:lnB w="12700" cmpd="sng">
+                      <a:noFill/>
+                      <a:prstDash val="solid"/>
+                    </a:lnB>
+                    <a:noFill/>
+                  </a:tcPr>
+                </a:tc>
+                <a:tc>
+                  <a:txBody>
+                    <a:bodyPr/>
+                    <a:lstStyle/>
+                    <a:p>
+                      <a:pPr marL="0" marR="0" lvl="0" indent="0" algn="l" defTabSz="914400" rtl="0" eaLnBrk="1" fontAlgn="auto" latinLnBrk="0" hangingPunct="1">
+                        <a:lnSpc>
+                          <a:spcPct val="100000"/>
+                        </a:lnSpc>
+                        <a:spcBef>
+                          <a:spcPts val="0"/>
+                        </a:spcBef>
+                        <a:spcAft>
+                          <a:spcPts val="0"/>
+                        </a:spcAft>
+                        <a:buClrTx/>
+                        <a:buSzTx/>
+                        <a:buFontTx/>
+                        <a:buNone/>
+                        <a:tabLst/>
+                        <a:defRPr/>
+                      </a:pPr>
+                      <a:r>
+                        <a:rPr lang="en-US" sz="1400" cap="none" spc="0" dirty="0">
+                          <a:solidFill>
+                            <a:schemeClr val="tx1"/>
+                          </a:solidFill>
+                        </a:rPr>
+                        <a:t>Lorem ipsum et tula lorem ipsum et lorem ipsum </a:t>
+                      </a:r>
+                    </a:p>
+                    <a:p>
+                      <a:endParaRPr lang="en-US" sz="1400" cap="none" spc="0" dirty="0">
+                        <a:solidFill>
+                          <a:schemeClr val="tx1"/>
+                        </a:solidFill>
+                      </a:endParaRPr>
+                    </a:p>
+                  </a:txBody>
+                  <a:tcPr marL="151061" marR="151061" marT="151061" marB="151061">
+                    <a:lnL w="12700" cmpd="sng">
+                      <a:noFill/>
+                      <a:prstDash val="solid"/>
+                    </a:lnL>
+                    <a:lnR w="12700" cmpd="sng">
+                      <a:noFill/>
+                      <a:prstDash val="solid"/>
+                    </a:lnR>
+                    <a:lnT w="38100" cmpd="sng">
+                      <a:noFill/>
+                    </a:lnT>
+                    <a:lnB w="12700" cmpd="sng">
+                      <a:noFill/>
+                      <a:prstDash val="solid"/>
+                    </a:lnB>
+                    <a:noFill/>
+                  </a:tcPr>
+                </a:tc>
+                <a:tc>
+                  <a:txBody>
+                    <a:bodyPr/>
+                    <a:lstStyle/>
+                    <a:p>
+                      <a:pPr marL="0" marR="0" lvl="0" indent="0" algn="l" defTabSz="914400" rtl="0" eaLnBrk="1" fontAlgn="auto" latinLnBrk="0" hangingPunct="1">
+                        <a:lnSpc>
+                          <a:spcPct val="100000"/>
+                        </a:lnSpc>
+                        <a:spcBef>
+                          <a:spcPts val="0"/>
+                        </a:spcBef>
+                        <a:spcAft>
+                          <a:spcPts val="0"/>
+                        </a:spcAft>
+                        <a:buClrTx/>
+                        <a:buSzTx/>
+                        <a:buFontTx/>
+                        <a:buNone/>
+                        <a:tabLst/>
+                        <a:defRPr/>
+                      </a:pPr>
+                      <a:r>
+                        <a:rPr lang="en-US" sz="1400" cap="none" spc="0" dirty="0">
+                          <a:solidFill>
+                            <a:schemeClr val="tx1"/>
+                          </a:solidFill>
+                        </a:rPr>
+                        <a:t>Lorem ipsum et tula lorem ipsum et lorem ipsum </a:t>
+                      </a:r>
+                    </a:p>
+                    <a:p>
+                      <a:endParaRPr lang="en-US" sz="1400" cap="none" spc="0" dirty="0">
+                        <a:solidFill>
+                          <a:schemeClr val="tx1"/>
+                        </a:solidFill>
+                      </a:endParaRPr>
+                    </a:p>
+                  </a:txBody>
+                  <a:tcPr marL="151061" marR="151061" marT="151061" marB="151061">
+                    <a:lnL w="12700" cmpd="sng">
+                      <a:noFill/>
+                      <a:prstDash val="solid"/>
+                    </a:lnL>
+                    <a:lnR w="12700" cmpd="sng">
+                      <a:noFill/>
+                      <a:prstDash val="solid"/>
+                    </a:lnR>
+                    <a:lnT w="38100" cmpd="sng">
+                      <a:noFill/>
+                    </a:lnT>
+                    <a:lnB w="12700" cmpd="sng">
+                      <a:noFill/>
+                      <a:prstDash val="solid"/>
+                    </a:lnB>
+                    <a:noFill/>
+                  </a:tcPr>
+                </a:tc>
+                <a:tc>
+                  <a:txBody>
+                    <a:bodyPr/>
+                    <a:lstStyle/>
+                    <a:p>
+                      <a:pPr marL="0" marR="0" lvl="0" indent="0" algn="l" defTabSz="914400" rtl="0" eaLnBrk="1" fontAlgn="auto" latinLnBrk="0" hangingPunct="1">
+                        <a:lnSpc>
+                          <a:spcPct val="100000"/>
+                        </a:lnSpc>
+                        <a:spcBef>
+                          <a:spcPts val="0"/>
+                        </a:spcBef>
+                        <a:spcAft>
+                          <a:spcPts val="0"/>
+                        </a:spcAft>
+                        <a:buClrTx/>
+                        <a:buSzTx/>
+                        <a:buFontTx/>
+                        <a:buNone/>
+                        <a:tabLst/>
+                        <a:defRPr/>
+                      </a:pPr>
+                      <a:r>
+                        <a:rPr lang="en-US" sz="1400" cap="none" spc="0" dirty="0">
+                          <a:solidFill>
+                            <a:schemeClr val="tx1"/>
+                          </a:solidFill>
+                        </a:rPr>
+                        <a:t>Lorem ipsum et tula lorem ipsum et lorem ipsum </a:t>
+                      </a:r>
+                    </a:p>
+                    <a:p>
+                      <a:endParaRPr lang="en-US" sz="1400" cap="none" spc="0" dirty="0">
+                        <a:solidFill>
+                          <a:schemeClr val="tx1"/>
+                        </a:solidFill>
+                      </a:endParaRPr>
+                    </a:p>
+                  </a:txBody>
+                  <a:tcPr marL="151061" marR="151061" marT="151061" marB="151061">
+                    <a:lnL w="12700" cmpd="sng">
+                      <a:noFill/>
+                      <a:prstDash val="solid"/>
+                    </a:lnL>
+                    <a:lnR w="12700" cmpd="sng">
+                      <a:noFill/>
+                      <a:prstDash val="solid"/>
+                    </a:lnR>
+                    <a:lnT w="38100" cmpd="sng">
+                      <a:noFill/>
+                    </a:lnT>
+                    <a:lnB w="12700" cmpd="sng">
+                      <a:noFill/>
+                      <a:prstDash val="solid"/>
+                    </a:lnB>
+                    <a:noFill/>
+                  </a:tcPr>
+                </a:tc>
+                <a:extLst>
+                  <a:ext uri="{0D108BD9-81ED-4DB2-BD59-A6C34878D82A}">
+                    <a16:rowId xmlns:a16="http://schemas.microsoft.com/office/drawing/2014/main" val="2085369860"/>
+                  </a:ext>
+                </a:extLst>
+              </a:tr>
+              <a:tr h="978778">
+                <a:tc>
+                  <a:txBody>
+                    <a:bodyPr/>
+                    <a:lstStyle/>
+                    <a:p>
+                      <a:pPr marL="0" marR="0" lvl="0" indent="0" algn="l" defTabSz="914400" rtl="0" eaLnBrk="1" fontAlgn="auto" latinLnBrk="0" hangingPunct="1">
+                        <a:lnSpc>
+                          <a:spcPct val="100000"/>
+                        </a:lnSpc>
+                        <a:spcBef>
+                          <a:spcPts val="0"/>
+                        </a:spcBef>
+                        <a:spcAft>
+                          <a:spcPts val="0"/>
+                        </a:spcAft>
+                        <a:buClrTx/>
+                        <a:buSzTx/>
+                        <a:buFontTx/>
+                        <a:buNone/>
+                        <a:tabLst/>
+                        <a:defRPr/>
+                      </a:pPr>
+                      <a:r>
+                        <a:rPr lang="en-US" sz="1400" cap="none" spc="0" dirty="0">
+                          <a:solidFill>
+                            <a:schemeClr val="tx1"/>
+                          </a:solidFill>
+                        </a:rPr>
+                        <a:t>Lorem ipsum et tula lorem ipsum et lorem ipsum </a:t>
+                      </a:r>
+                    </a:p>
+                    <a:p>
+                      <a:endParaRPr lang="en-US" sz="1400" cap="none" spc="0" dirty="0">
+                        <a:solidFill>
+                          <a:schemeClr val="tx1"/>
+                        </a:solidFill>
+                      </a:endParaRPr>
+                    </a:p>
+                  </a:txBody>
+                  <a:tcPr marL="151061" marR="151061" marT="151061" marB="151061">
+                    <a:lnL w="12700" cmpd="sng">
+                      <a:noFill/>
+                      <a:prstDash val="solid"/>
+                    </a:lnL>
+                    <a:lnR w="12700" cmpd="sng">
+                      <a:noFill/>
+                      <a:prstDash val="solid"/>
+                    </a:lnR>
+                    <a:lnT w="12700" cmpd="sng">
+                      <a:noFill/>
+                      <a:prstDash val="solid"/>
+                    </a:lnT>
+                    <a:lnB w="12700" cmpd="sng">
+                      <a:noFill/>
+                      <a:prstDash val="solid"/>
+                    </a:lnB>
+                    <a:solidFill>
+                      <a:srgbClr val="000000">
+                        <a:alpha val="7843"/>
+                      </a:srgbClr>
+                    </a:solidFill>
+                  </a:tcPr>
+                </a:tc>
+                <a:tc>
+                  <a:txBody>
+                    <a:bodyPr/>
+                    <a:lstStyle/>
+                    <a:p>
+                      <a:pPr marL="0" marR="0" lvl="0" indent="0" algn="l" defTabSz="914400" rtl="0" eaLnBrk="1" fontAlgn="auto" latinLnBrk="0" hangingPunct="1">
+                        <a:lnSpc>
+                          <a:spcPct val="100000"/>
+                        </a:lnSpc>
+                        <a:spcBef>
+                          <a:spcPts val="0"/>
+                        </a:spcBef>
+                        <a:spcAft>
+                          <a:spcPts val="0"/>
+                        </a:spcAft>
+                        <a:buClrTx/>
+                        <a:buSzTx/>
+                        <a:buFontTx/>
+                        <a:buNone/>
+                        <a:tabLst/>
+                        <a:defRPr/>
+                      </a:pPr>
+                      <a:r>
+                        <a:rPr lang="en-US" sz="1400" cap="none" spc="0" dirty="0">
+                          <a:solidFill>
+                            <a:schemeClr val="tx1"/>
+                          </a:solidFill>
+                        </a:rPr>
+                        <a:t>Lorem ipsum et tula lorem ipsum et lorem ipsum </a:t>
+                      </a:r>
+                    </a:p>
+                    <a:p>
+                      <a:endParaRPr lang="en-US" sz="1400" cap="none" spc="0" dirty="0">
+                        <a:solidFill>
+                          <a:schemeClr val="tx1"/>
+                        </a:solidFill>
+                      </a:endParaRPr>
+                    </a:p>
+                  </a:txBody>
+                  <a:tcPr marL="151061" marR="151061" marT="151061" marB="151061">
+                    <a:lnL w="12700" cmpd="sng">
+                      <a:noFill/>
+                      <a:prstDash val="solid"/>
+                    </a:lnL>
+                    <a:lnR w="12700" cmpd="sng">
+                      <a:noFill/>
+                      <a:prstDash val="solid"/>
+                    </a:lnR>
+                    <a:lnT w="12700" cmpd="sng">
+                      <a:noFill/>
+                      <a:prstDash val="solid"/>
+                    </a:lnT>
+                    <a:lnB w="12700" cmpd="sng">
+                      <a:noFill/>
+                      <a:prstDash val="solid"/>
+                    </a:lnB>
+                    <a:solidFill>
+                      <a:srgbClr val="000000">
+                        <a:alpha val="7843"/>
+                      </a:srgbClr>
+                    </a:solidFill>
+                  </a:tcPr>
+                </a:tc>
+                <a:tc>
+                  <a:txBody>
+                    <a:bodyPr/>
+                    <a:lstStyle/>
+                    <a:p>
+                      <a:pPr marL="0" marR="0" lvl="0" indent="0" algn="l" defTabSz="914400" rtl="0" eaLnBrk="1" fontAlgn="auto" latinLnBrk="0" hangingPunct="1">
+                        <a:lnSpc>
+                          <a:spcPct val="100000"/>
+                        </a:lnSpc>
+                        <a:spcBef>
+                          <a:spcPts val="0"/>
+                        </a:spcBef>
+                        <a:spcAft>
+                          <a:spcPts val="0"/>
+                        </a:spcAft>
+                        <a:buClrTx/>
+                        <a:buSzTx/>
+                        <a:buFontTx/>
+                        <a:buNone/>
+                        <a:tabLst/>
+                        <a:defRPr/>
+                      </a:pPr>
+                      <a:r>
+                        <a:rPr lang="en-US" sz="1400" cap="none" spc="0" dirty="0">
+                          <a:solidFill>
+                            <a:schemeClr val="tx1"/>
+                          </a:solidFill>
+                        </a:rPr>
+                        <a:t>Lorem ipsum et tula lorem ipsum et lorem ipsum </a:t>
+                      </a:r>
+                    </a:p>
+                    <a:p>
+                      <a:endParaRPr lang="en-US" sz="1400" cap="none" spc="0" dirty="0">
+                        <a:solidFill>
+                          <a:schemeClr val="tx1"/>
+                        </a:solidFill>
+                      </a:endParaRPr>
+                    </a:p>
+                  </a:txBody>
+                  <a:tcPr marL="151061" marR="151061" marT="151061" marB="151061">
+                    <a:lnL w="12700" cmpd="sng">
+                      <a:noFill/>
+                      <a:prstDash val="solid"/>
+                    </a:lnL>
+                    <a:lnR w="12700" cmpd="sng">
+                      <a:noFill/>
+                      <a:prstDash val="solid"/>
+                    </a:lnR>
+                    <a:lnT w="12700" cmpd="sng">
+                      <a:noFill/>
+                      <a:prstDash val="solid"/>
+                    </a:lnT>
+                    <a:lnB w="12700" cmpd="sng">
+                      <a:noFill/>
+                      <a:prstDash val="solid"/>
+                    </a:lnB>
+                    <a:solidFill>
+                      <a:srgbClr val="000000">
+                        <a:alpha val="7843"/>
+                      </a:srgbClr>
+                    </a:solidFill>
+                  </a:tcPr>
+                </a:tc>
+                <a:tc>
+                  <a:txBody>
+                    <a:bodyPr/>
+                    <a:lstStyle/>
+                    <a:p>
+                      <a:pPr marL="0" marR="0" lvl="0" indent="0" algn="l" defTabSz="914400" rtl="0" eaLnBrk="1" fontAlgn="auto" latinLnBrk="0" hangingPunct="1">
+                        <a:lnSpc>
+                          <a:spcPct val="100000"/>
+                        </a:lnSpc>
+                        <a:spcBef>
+                          <a:spcPts val="0"/>
+                        </a:spcBef>
+                        <a:spcAft>
+                          <a:spcPts val="0"/>
+                        </a:spcAft>
+                        <a:buClrTx/>
+                        <a:buSzTx/>
+                        <a:buFontTx/>
+                        <a:buNone/>
+                        <a:tabLst/>
+                        <a:defRPr/>
+                      </a:pPr>
+                      <a:r>
+                        <a:rPr lang="en-US" sz="1400" cap="none" spc="0" dirty="0">
+                          <a:solidFill>
+                            <a:schemeClr val="tx1"/>
+                          </a:solidFill>
+                        </a:rPr>
+                        <a:t>Lorem ipsum et tula lorem ipsum et lorem ipsum </a:t>
+                      </a:r>
+                    </a:p>
+                    <a:p>
+                      <a:endParaRPr lang="en-US" sz="1400" cap="none" spc="0" dirty="0">
+                        <a:solidFill>
+                          <a:schemeClr val="tx1"/>
+                        </a:solidFill>
+                      </a:endParaRPr>
+                    </a:p>
+                  </a:txBody>
+                  <a:tcPr marL="151061" marR="151061" marT="151061" marB="151061">
+                    <a:lnL w="12700" cmpd="sng">
+                      <a:noFill/>
+                      <a:prstDash val="solid"/>
+                    </a:lnL>
+                    <a:lnR w="12700" cmpd="sng">
+                      <a:noFill/>
+                      <a:prstDash val="solid"/>
+                    </a:lnR>
+                    <a:lnT w="12700" cmpd="sng">
+                      <a:noFill/>
+                      <a:prstDash val="solid"/>
+                    </a:lnT>
+                    <a:lnB w="12700" cmpd="sng">
+                      <a:noFill/>
+                      <a:prstDash val="solid"/>
+                    </a:lnB>
+                    <a:solidFill>
+                      <a:srgbClr val="000000">
+                        <a:alpha val="7843"/>
+                      </a:srgbClr>
+                    </a:solidFill>
+                  </a:tcPr>
+                </a:tc>
+                <a:extLst>
+                  <a:ext uri="{0D108BD9-81ED-4DB2-BD59-A6C34878D82A}">
+                    <a16:rowId xmlns:a16="http://schemas.microsoft.com/office/drawing/2014/main" val="4252228359"/>
+                  </a:ext>
+                </a:extLst>
+              </a:tr>
+              <a:tr h="978778">
+                <a:tc>
+                  <a:txBody>
+                    <a:bodyPr/>
+                    <a:lstStyle/>
+                    <a:p>
+                      <a:pPr marL="0" marR="0" lvl="0" indent="0" algn="l" defTabSz="914400" rtl="0" eaLnBrk="1" fontAlgn="auto" latinLnBrk="0" hangingPunct="1">
+                        <a:lnSpc>
+                          <a:spcPct val="100000"/>
+                        </a:lnSpc>
+                        <a:spcBef>
+                          <a:spcPts val="0"/>
+                        </a:spcBef>
+                        <a:spcAft>
+                          <a:spcPts val="0"/>
+                        </a:spcAft>
+                        <a:buClrTx/>
+                        <a:buSzTx/>
+                        <a:buFontTx/>
+                        <a:buNone/>
+                        <a:tabLst/>
+                        <a:defRPr/>
+                      </a:pPr>
+                      <a:r>
+                        <a:rPr lang="en-US" sz="1400" cap="none" spc="0" dirty="0">
+                          <a:solidFill>
+                            <a:schemeClr val="tx1"/>
+                          </a:solidFill>
+                        </a:rPr>
+                        <a:t>Lorem ipsum et tula lorem ipsum et lorem ipsum </a:t>
+                      </a:r>
+                    </a:p>
+                    <a:p>
+                      <a:endParaRPr lang="en-US" sz="1400" cap="none" spc="0" dirty="0">
+                        <a:solidFill>
+                          <a:schemeClr val="tx1"/>
+                        </a:solidFill>
+                      </a:endParaRPr>
+                    </a:p>
+                  </a:txBody>
+                  <a:tcPr marL="151061" marR="151061" marT="151061" marB="151061">
+                    <a:lnL w="12700" cmpd="sng">
+                      <a:noFill/>
+                      <a:prstDash val="solid"/>
+                    </a:lnL>
+                    <a:lnR w="12700" cmpd="sng">
+                      <a:noFill/>
+                      <a:prstDash val="solid"/>
+                    </a:lnR>
+                    <a:lnT w="12700" cmpd="sng">
+                      <a:noFill/>
+                      <a:prstDash val="solid"/>
+                    </a:lnT>
+                    <a:lnB w="12700" cmpd="sng">
+                      <a:noFill/>
+                      <a:prstDash val="solid"/>
+                    </a:lnB>
+                    <a:noFill/>
+                  </a:tcPr>
+                </a:tc>
+                <a:tc>
+                  <a:txBody>
+                    <a:bodyPr/>
+                    <a:lstStyle/>
+                    <a:p>
+                      <a:pPr marL="0" marR="0" lvl="0" indent="0" algn="l" defTabSz="914400" rtl="0" eaLnBrk="1" fontAlgn="auto" latinLnBrk="0" hangingPunct="1">
+                        <a:lnSpc>
+                          <a:spcPct val="100000"/>
+                        </a:lnSpc>
+                        <a:spcBef>
+                          <a:spcPts val="0"/>
+                        </a:spcBef>
+                        <a:spcAft>
+                          <a:spcPts val="0"/>
+                        </a:spcAft>
+                        <a:buClrTx/>
+                        <a:buSzTx/>
+                        <a:buFontTx/>
+                        <a:buNone/>
+                        <a:tabLst/>
+                        <a:defRPr/>
+                      </a:pPr>
+                      <a:r>
+                        <a:rPr lang="en-US" sz="1400" cap="none" spc="0" dirty="0">
+                          <a:solidFill>
+                            <a:schemeClr val="tx1"/>
+                          </a:solidFill>
+                        </a:rPr>
+                        <a:t>Lorem ipsum et tula lorem ipsum et lorem ipsum </a:t>
+                      </a:r>
+                    </a:p>
+                    <a:p>
+                      <a:endParaRPr lang="en-US" sz="1400" cap="none" spc="0" dirty="0">
+                        <a:solidFill>
+                          <a:schemeClr val="tx1"/>
+                        </a:solidFill>
+                      </a:endParaRPr>
+                    </a:p>
+                  </a:txBody>
+                  <a:tcPr marL="151061" marR="151061" marT="151061" marB="151061">
+                    <a:lnL w="12700" cmpd="sng">
+                      <a:noFill/>
+                      <a:prstDash val="solid"/>
+                    </a:lnL>
+                    <a:lnR w="12700" cmpd="sng">
+                      <a:noFill/>
+                      <a:prstDash val="solid"/>
+                    </a:lnR>
+                    <a:lnT w="12700" cmpd="sng">
+                      <a:noFill/>
+                      <a:prstDash val="solid"/>
+                    </a:lnT>
+                    <a:lnB w="12700" cmpd="sng">
+                      <a:noFill/>
+                      <a:prstDash val="solid"/>
+                    </a:lnB>
+                    <a:noFill/>
+                  </a:tcPr>
+                </a:tc>
+                <a:tc>
+                  <a:txBody>
+                    <a:bodyPr/>
+                    <a:lstStyle/>
+                    <a:p>
+                      <a:pPr marL="0" marR="0" lvl="0" indent="0" algn="l" defTabSz="914400" rtl="0" eaLnBrk="1" fontAlgn="auto" latinLnBrk="0" hangingPunct="1">
+                        <a:lnSpc>
+                          <a:spcPct val="100000"/>
+                        </a:lnSpc>
+                        <a:spcBef>
+                          <a:spcPts val="0"/>
+                        </a:spcBef>
+                        <a:spcAft>
+                          <a:spcPts val="0"/>
+                        </a:spcAft>
+                        <a:buClrTx/>
+                        <a:buSzTx/>
+                        <a:buFontTx/>
+                        <a:buNone/>
+                        <a:tabLst/>
+                        <a:defRPr/>
+                      </a:pPr>
+                      <a:r>
+                        <a:rPr lang="en-US" sz="1400" cap="none" spc="0" dirty="0">
+                          <a:solidFill>
+                            <a:schemeClr val="tx1"/>
+                          </a:solidFill>
+                        </a:rPr>
+                        <a:t>Lorem ipsum et tula lorem ipsum et lorem ipsum </a:t>
+                      </a:r>
+                    </a:p>
+                    <a:p>
+                      <a:endParaRPr lang="en-US" sz="1400" cap="none" spc="0" dirty="0">
+                        <a:solidFill>
+                          <a:schemeClr val="tx1"/>
+                        </a:solidFill>
+                      </a:endParaRPr>
+                    </a:p>
+                  </a:txBody>
+                  <a:tcPr marL="151061" marR="151061" marT="151061" marB="151061">
+                    <a:lnL w="12700" cmpd="sng">
+                      <a:noFill/>
+                      <a:prstDash val="solid"/>
+                    </a:lnL>
+                    <a:lnR w="12700" cmpd="sng">
+                      <a:noFill/>
+                      <a:prstDash val="solid"/>
+                    </a:lnR>
+                    <a:lnT w="12700" cmpd="sng">
+                      <a:noFill/>
+                      <a:prstDash val="solid"/>
+                    </a:lnT>
+                    <a:lnB w="12700" cmpd="sng">
+                      <a:noFill/>
+                      <a:prstDash val="solid"/>
+                    </a:lnB>
+                    <a:noFill/>
+                  </a:tcPr>
+                </a:tc>
+                <a:tc>
+                  <a:txBody>
+                    <a:bodyPr/>
+                    <a:lstStyle/>
+                    <a:p>
+                      <a:pPr marL="0" marR="0" lvl="0" indent="0" algn="l" defTabSz="914400" rtl="0" eaLnBrk="1" fontAlgn="auto" latinLnBrk="0" hangingPunct="1">
+                        <a:lnSpc>
+                          <a:spcPct val="100000"/>
+                        </a:lnSpc>
+                        <a:spcBef>
+                          <a:spcPts val="0"/>
+                        </a:spcBef>
+                        <a:spcAft>
+                          <a:spcPts val="0"/>
+                        </a:spcAft>
+                        <a:buClrTx/>
+                        <a:buSzTx/>
+                        <a:buFontTx/>
+                        <a:buNone/>
+                        <a:tabLst/>
+                        <a:defRPr/>
+                      </a:pPr>
+                      <a:r>
+                        <a:rPr lang="en-US" sz="1400" cap="none" spc="0" dirty="0">
+                          <a:solidFill>
+                            <a:schemeClr val="tx1"/>
+                          </a:solidFill>
+                        </a:rPr>
+                        <a:t>Lorem ipsum et tula lorem ipsum et lorem ipsum </a:t>
+                      </a:r>
+                    </a:p>
+                    <a:p>
+                      <a:endParaRPr lang="en-US" sz="1400" cap="none" spc="0" dirty="0">
+                        <a:solidFill>
+                          <a:schemeClr val="tx1"/>
+                        </a:solidFill>
+                      </a:endParaRPr>
+                    </a:p>
+                  </a:txBody>
+                  <a:tcPr marL="151061" marR="151061" marT="151061" marB="151061">
+                    <a:lnL w="12700" cmpd="sng">
+                      <a:noFill/>
+                      <a:prstDash val="solid"/>
+                    </a:lnL>
+                    <a:lnR w="12700" cmpd="sng">
+                      <a:noFill/>
+                      <a:prstDash val="solid"/>
+                    </a:lnR>
+                    <a:lnT w="12700" cmpd="sng">
+                      <a:noFill/>
+                      <a:prstDash val="solid"/>
+                    </a:lnT>
+                    <a:lnB w="12700" cmpd="sng">
+                      <a:noFill/>
+                      <a:prstDash val="solid"/>
+                    </a:lnB>
+                    <a:noFill/>
+                  </a:tcPr>
+                </a:tc>
+                <a:extLst>
+                  <a:ext uri="{0D108BD9-81ED-4DB2-BD59-A6C34878D82A}">
+                    <a16:rowId xmlns:a16="http://schemas.microsoft.com/office/drawing/2014/main" val="2578144993"/>
+                  </a:ext>
+                </a:extLst>
+              </a:tr>
+            </a:tbl>
+          </a:graphicData>
+        </a:graphic>
+      </p:graphicFrame>
+    </p:spTree>
+    <p:extLst>
+      <p:ext uri="{BB962C8B-B14F-4D97-AF65-F5344CB8AC3E}">
+        <p14:creationId xmlns:p14="http://schemas.microsoft.com/office/powerpoint/2010/main" val="1530986471"/>
+      </p:ext>
+    </p:extLst>
+  </p:cSld>
+  <p:clrMapOvr>
+    <a:masterClrMapping/>
+  </p:clrMapOvr>
+</p:sld>
+</file>
+
+<file path=ppt/slides/slide14.xml><?xml version="1.0" encoding="utf-8"?>
+<p:sld xmlns:a="http://schemas.openxmlformats.org/drawingml/2006/main" xmlns:r="http://schemas.openxmlformats.org/officeDocument/2006/relationships" xmlns:p="http://schemas.openxmlformats.org/presentationml/2006/main">
+  <p:cSld>
+    <p:bg>
+      <p:bgPr>
+        <a:solidFill>
+          <a:schemeClr val="bg1"/>
+        </a:solidFill>
+        <a:effectLst/>
+      </p:bgPr>
+    </p:bg>
+    <p:spTree>
+      <p:nvGrpSpPr>
+        <p:cNvPr id="1" name=""/>
+        <p:cNvGrpSpPr/>
+        <p:nvPr/>
+      </p:nvGrpSpPr>
+      <p:grpSpPr>
+        <a:xfrm>
+          <a:off x="0" y="0"/>
+          <a:ext cx="0" cy="0"/>
+          <a:chOff x="0" y="0"/>
+          <a:chExt cx="0" cy="0"/>
+        </a:xfrm>
+      </p:grpSpPr>
+      <p:sp>
+        <p:nvSpPr>
+          <p:cNvPr id="2" name="Title 1">
+            <a:extLst>
+              <a:ext uri="{FF2B5EF4-FFF2-40B4-BE49-F238E27FC236}">
+                <a16:creationId xmlns:a16="http://schemas.microsoft.com/office/drawing/2014/main" id="{75AC86D3-8FD1-4F47-A319-7D0542E48B2F}"/>
+              </a:ext>
+            </a:extLst>
+          </p:cNvPr>
+          <p:cNvSpPr>
+            <a:spLocks noGrp="1"/>
+          </p:cNvSpPr>
+          <p:nvPr>
+            <p:ph type="title"/>
+          </p:nvPr>
+        </p:nvSpPr>
+        <p:spPr>
+          <a:xfrm>
+            <a:off x="1097280" y="286603"/>
+            <a:ext cx="10058400" cy="1450757"/>
+          </a:xfrm>
+        </p:spPr>
+        <p:txBody>
+          <a:bodyPr vert="horz" lIns="91440" tIns="45720" rIns="91440" bIns="45720" rtlCol="0">
+            <a:normAutofit/>
+          </a:bodyPr>
+          <a:lstStyle/>
+          <a:p>
+            <a:r>
+              <a:rPr lang="en-US" dirty="0"/>
+              <a:t>Type of Test Used </a:t>
+            </a:r>
+          </a:p>
+        </p:txBody>
+      </p:sp>
+      <p:graphicFrame>
+        <p:nvGraphicFramePr>
+          <p:cNvPr id="4" name="Table 4">
+            <a:extLst>
+              <a:ext uri="{FF2B5EF4-FFF2-40B4-BE49-F238E27FC236}">
+                <a16:creationId xmlns:a16="http://schemas.microsoft.com/office/drawing/2014/main" id="{C266CDD0-3E96-40BD-8324-62D1DD86152D}"/>
+              </a:ext>
+            </a:extLst>
+          </p:cNvPr>
+          <p:cNvGraphicFramePr>
+            <a:graphicFrameLocks noGrp="1"/>
+          </p:cNvGraphicFramePr>
+          <p:nvPr>
+            <p:ph idx="1"/>
+            <p:extLst>
+              <p:ext uri="{D42A27DB-BD31-4B8C-83A1-F6EECF244321}">
+                <p14:modId xmlns:p14="http://schemas.microsoft.com/office/powerpoint/2010/main" val="900888067"/>
+              </p:ext>
+            </p:extLst>
+          </p:nvPr>
+        </p:nvGraphicFramePr>
+        <p:xfrm>
+          <a:off x="1096962" y="2216879"/>
+          <a:ext cx="10389022" cy="2036804"/>
+        </p:xfrm>
+        <a:graphic>
+          <a:graphicData uri="http://schemas.openxmlformats.org/drawingml/2006/table">
+            <a:tbl>
+              <a:tblPr firstRow="1" bandRow="1">
+                <a:noFill/>
+                <a:tableStyleId>{3B4B98B0-60AC-42C2-AFA5-B58CD77FA1E5}</a:tableStyleId>
+              </a:tblPr>
+              <a:tblGrid>
+                <a:gridCol w="5194511">
+                  <a:extLst>
+                    <a:ext uri="{9D8B030D-6E8A-4147-A177-3AD203B41FA5}">
+                      <a16:colId xmlns:a16="http://schemas.microsoft.com/office/drawing/2014/main" val="2981917977"/>
+                    </a:ext>
+                  </a:extLst>
+                </a:gridCol>
+                <a:gridCol w="5194511">
+                  <a:extLst>
+                    <a:ext uri="{9D8B030D-6E8A-4147-A177-3AD203B41FA5}">
+                      <a16:colId xmlns:a16="http://schemas.microsoft.com/office/drawing/2014/main" val="945233394"/>
+                    </a:ext>
+                  </a:extLst>
+                </a:gridCol>
+              </a:tblGrid>
+              <a:tr h="613018">
+                <a:tc>
+                  <a:txBody>
+                    <a:bodyPr/>
+                    <a:lstStyle/>
+                    <a:p>
+                      <a:r>
+                        <a:rPr lang="en-US" sz="2400" b="0" cap="all" spc="150" dirty="0">
+                          <a:solidFill>
+                            <a:schemeClr val="lt1"/>
+                          </a:solidFill>
+                        </a:rPr>
+                        <a:t>T-Test</a:t>
+                      </a:r>
+                    </a:p>
+                  </a:txBody>
+                  <a:tcPr marL="151061" marR="151061" marT="151061" marB="151061">
+                    <a:lnL w="12700" cmpd="sng">
+                      <a:noFill/>
+                    </a:lnL>
+                    <a:lnR w="12700" cmpd="sng">
+                      <a:noFill/>
+                    </a:lnR>
+                    <a:lnT w="12700" cmpd="sng">
+                      <a:noFill/>
+                    </a:lnT>
+                    <a:lnB w="38100" cmpd="sng">
+                      <a:noFill/>
+                    </a:lnB>
+                    <a:solidFill>
+                      <a:schemeClr val="accent1"/>
+                    </a:solidFill>
+                  </a:tcPr>
+                </a:tc>
+                <a:tc>
+                  <a:txBody>
+                    <a:bodyPr/>
+                    <a:lstStyle/>
+                    <a:p>
+                      <a:r>
+                        <a:rPr lang="en-US" sz="2400" b="0" cap="all" spc="150" dirty="0">
+                          <a:solidFill>
+                            <a:schemeClr val="lt1"/>
+                          </a:solidFill>
+                        </a:rPr>
+                        <a:t>Mann-Whitney-U</a:t>
+                      </a:r>
+                    </a:p>
+                  </a:txBody>
+                  <a:tcPr marL="151061" marR="151061" marT="151061" marB="151061">
+                    <a:lnL w="12700" cmpd="sng">
+                      <a:noFill/>
+                    </a:lnL>
+                    <a:lnR w="12700" cmpd="sng">
+                      <a:noFill/>
+                    </a:lnR>
+                    <a:lnT w="12700" cmpd="sng">
+                      <a:noFill/>
+                    </a:lnT>
+                    <a:lnB w="38100" cmpd="sng">
+                      <a:noFill/>
+                    </a:lnB>
+                    <a:solidFill>
+                      <a:schemeClr val="accent1"/>
+                    </a:solidFill>
+                  </a:tcPr>
+                </a:tc>
+                <a:extLst>
+                  <a:ext uri="{0D108BD9-81ED-4DB2-BD59-A6C34878D82A}">
+                    <a16:rowId xmlns:a16="http://schemas.microsoft.com/office/drawing/2014/main" val="2580512675"/>
+                  </a:ext>
+                </a:extLst>
+              </a:tr>
+              <a:tr h="978778">
+                <a:tc>
+                  <a:txBody>
+                    <a:bodyPr/>
+                    <a:lstStyle/>
+                    <a:p>
+                      <a:r>
+                        <a:rPr lang="en-US" sz="1400" cap="none" spc="0" dirty="0">
+                          <a:solidFill>
+                            <a:schemeClr val="tx1"/>
+                          </a:solidFill>
+                        </a:rPr>
+                        <a:t>T-Test</a:t>
+                      </a:r>
+                    </a:p>
+                  </a:txBody>
+                  <a:tcPr marL="151061" marR="151061" marT="151061" marB="151061">
+                    <a:lnL w="12700" cmpd="sng">
+                      <a:noFill/>
+                      <a:prstDash val="solid"/>
+                    </a:lnL>
+                    <a:lnR w="12700" cmpd="sng">
+                      <a:noFill/>
+                      <a:prstDash val="solid"/>
+                    </a:lnR>
+                    <a:lnT w="38100" cmpd="sng">
+                      <a:noFill/>
+                    </a:lnT>
+                    <a:lnB w="12700" cmpd="sng">
+                      <a:noFill/>
+                      <a:prstDash val="solid"/>
+                    </a:lnB>
+                    <a:noFill/>
+                  </a:tcPr>
+                </a:tc>
+                <a:tc>
+                  <a:txBody>
+                    <a:bodyPr/>
+                    <a:lstStyle/>
+                    <a:p>
+                      <a:r>
+                        <a:rPr lang="en-US" sz="1400" cap="none" spc="0" dirty="0">
+                          <a:solidFill>
+                            <a:schemeClr val="tx1"/>
+                          </a:solidFill>
+                        </a:rPr>
+                        <a:t>Categorical differences are well captured using Mann-Whitney-U tests as it sorts value ordinally and then compares the rank sums. This would better capture relative differences between any two vehicles from the same nation while also capturing each nations overall change relative to each other.</a:t>
+                      </a:r>
+                    </a:p>
+                  </a:txBody>
+                  <a:tcPr marL="151061" marR="151061" marT="151061" marB="151061">
+                    <a:lnL w="12700" cmpd="sng">
+                      <a:noFill/>
+                      <a:prstDash val="solid"/>
+                    </a:lnL>
+                    <a:lnR w="12700" cmpd="sng">
+                      <a:noFill/>
+                      <a:prstDash val="solid"/>
+                    </a:lnR>
+                    <a:lnT w="38100" cmpd="sng">
+                      <a:noFill/>
+                    </a:lnT>
+                    <a:lnB w="12700" cmpd="sng">
+                      <a:noFill/>
+                      <a:prstDash val="solid"/>
+                    </a:lnB>
+                    <a:noFill/>
+                  </a:tcPr>
+                </a:tc>
+                <a:extLst>
+                  <a:ext uri="{0D108BD9-81ED-4DB2-BD59-A6C34878D82A}">
+                    <a16:rowId xmlns:a16="http://schemas.microsoft.com/office/drawing/2014/main" val="2085369860"/>
+                  </a:ext>
+                </a:extLst>
+              </a:tr>
+            </a:tbl>
+          </a:graphicData>
+        </a:graphic>
+      </p:graphicFrame>
+    </p:spTree>
+    <p:extLst>
+      <p:ext uri="{BB962C8B-B14F-4D97-AF65-F5344CB8AC3E}">
+        <p14:creationId xmlns:p14="http://schemas.microsoft.com/office/powerpoint/2010/main" val="1200193980"/>
+      </p:ext>
+    </p:extLst>
+  </p:cSld>
+  <p:clrMapOvr>
+    <a:masterClrMapping/>
+  </p:clrMapOvr>
+</p:sld>
+</file>
+
+<file path=ppt/slides/slide15.xml><?xml version="1.0" encoding="utf-8"?>
+<p:sld xmlns:a="http://schemas.openxmlformats.org/drawingml/2006/main" xmlns:r="http://schemas.openxmlformats.org/officeDocument/2006/relationships" xmlns:p="http://schemas.openxmlformats.org/presentationml/2006/main">
+  <p:cSld>
+    <p:bg>
+      <p:bgPr>
+        <a:solidFill>
+          <a:schemeClr val="bg1"/>
+        </a:solidFill>
+        <a:effectLst/>
+      </p:bgPr>
+    </p:bg>
+    <p:spTree>
+      <p:nvGrpSpPr>
+        <p:cNvPr id="1" name=""/>
+        <p:cNvGrpSpPr/>
+        <p:nvPr/>
+      </p:nvGrpSpPr>
+      <p:grpSpPr>
+        <a:xfrm>
+          <a:off x="0" y="0"/>
+          <a:ext cx="0" cy="0"/>
+          <a:chOff x="0" y="0"/>
+          <a:chExt cx="0" cy="0"/>
+        </a:xfrm>
+      </p:grpSpPr>
+      <p:pic>
+        <p:nvPicPr>
+          <p:cNvPr id="9" name="Content Placeholder 8">
+            <a:extLst>
+              <a:ext uri="{FF2B5EF4-FFF2-40B4-BE49-F238E27FC236}">
+                <a16:creationId xmlns:a16="http://schemas.microsoft.com/office/drawing/2014/main" id="{69FDDE4D-2C79-38F8-077F-4660A7584DE1}"/>
+              </a:ext>
+            </a:extLst>
+          </p:cNvPr>
+          <p:cNvPicPr>
+            <a:picLocks noGrp="1" noChangeAspect="1"/>
+          </p:cNvPicPr>
+          <p:nvPr>
+            <p:ph idx="1"/>
+          </p:nvPr>
+        </p:nvPicPr>
+        <p:blipFill>
+          <a:blip r:embed="rId3"/>
+          <a:srcRect/>
+          <a:stretch/>
+        </p:blipFill>
+        <p:spPr>
+          <a:xfrm>
+            <a:off x="1" y="0"/>
+            <a:ext cx="12192000" cy="6048375"/>
+          </a:xfrm>
+        </p:spPr>
+      </p:pic>
+    </p:spTree>
+    <p:extLst>
+      <p:ext uri="{BB962C8B-B14F-4D97-AF65-F5344CB8AC3E}">
+        <p14:creationId xmlns:p14="http://schemas.microsoft.com/office/powerpoint/2010/main" val="853462875"/>
+      </p:ext>
+    </p:extLst>
+  </p:cSld>
+  <p:clrMapOvr>
+    <a:masterClrMapping/>
+  </p:clrMapOvr>
+</p:sld>
+</file>
+
+<file path=ppt/slides/slide16.xml><?xml version="1.0" encoding="utf-8"?>
+<p:sld xmlns:a="http://schemas.openxmlformats.org/drawingml/2006/main" xmlns:r="http://schemas.openxmlformats.org/officeDocument/2006/relationships" xmlns:p="http://schemas.openxmlformats.org/presentationml/2006/main">
+  <p:cSld>
+    <p:bg>
+      <p:bgPr>
+        <a:solidFill>
+          <a:schemeClr val="bg1"/>
+        </a:solidFill>
+        <a:effectLst/>
+      </p:bgPr>
+    </p:bg>
+    <p:spTree>
+      <p:nvGrpSpPr>
+        <p:cNvPr id="1" name=""/>
+        <p:cNvGrpSpPr/>
+        <p:nvPr/>
+      </p:nvGrpSpPr>
+      <p:grpSpPr>
+        <a:xfrm>
+          <a:off x="0" y="0"/>
+          <a:ext cx="0" cy="0"/>
+          <a:chOff x="0" y="0"/>
+          <a:chExt cx="0" cy="0"/>
+        </a:xfrm>
+      </p:grpSpPr>
+      <p:pic>
+        <p:nvPicPr>
+          <p:cNvPr id="9" name="Content Placeholder 8">
+            <a:extLst>
+              <a:ext uri="{FF2B5EF4-FFF2-40B4-BE49-F238E27FC236}">
+                <a16:creationId xmlns:a16="http://schemas.microsoft.com/office/drawing/2014/main" id="{69FDDE4D-2C79-38F8-077F-4660A7584DE1}"/>
+              </a:ext>
+            </a:extLst>
+          </p:cNvPr>
+          <p:cNvPicPr>
+            <a:picLocks noGrp="1" noChangeAspect="1"/>
+          </p:cNvPicPr>
+          <p:nvPr>
+            <p:ph idx="1"/>
+          </p:nvPr>
+        </p:nvPicPr>
+        <p:blipFill>
+          <a:blip r:embed="rId3"/>
+          <a:srcRect/>
+          <a:stretch/>
+        </p:blipFill>
+        <p:spPr>
+          <a:xfrm>
+            <a:off x="1" y="0"/>
+            <a:ext cx="12192000" cy="6048375"/>
+          </a:xfrm>
+        </p:spPr>
+      </p:pic>
+    </p:spTree>
+    <p:extLst>
+      <p:ext uri="{BB962C8B-B14F-4D97-AF65-F5344CB8AC3E}">
+        <p14:creationId xmlns:p14="http://schemas.microsoft.com/office/powerpoint/2010/main" val="266832530"/>
+      </p:ext>
+    </p:extLst>
+  </p:cSld>
+  <p:clrMapOvr>
+    <a:masterClrMapping/>
+  </p:clrMapOvr>
+</p:sld>
+</file>
+
+<file path=ppt/slides/slide17.xml><?xml version="1.0" encoding="utf-8"?>
+<p:sld xmlns:a="http://schemas.openxmlformats.org/drawingml/2006/main" xmlns:r="http://schemas.openxmlformats.org/officeDocument/2006/relationships" xmlns:p="http://schemas.openxmlformats.org/presentationml/2006/main">
+  <p:cSld>
+    <p:bg>
+      <p:bgPr>
+        <a:solidFill>
+          <a:schemeClr val="bg1"/>
+        </a:solidFill>
+        <a:effectLst/>
+      </p:bgPr>
+    </p:bg>
+    <p:spTree>
+      <p:nvGrpSpPr>
+        <p:cNvPr id="1" name=""/>
+        <p:cNvGrpSpPr/>
+        <p:nvPr/>
+      </p:nvGrpSpPr>
+      <p:grpSpPr>
+        <a:xfrm>
+          <a:off x="0" y="0"/>
+          <a:ext cx="0" cy="0"/>
+          <a:chOff x="0" y="0"/>
+          <a:chExt cx="0" cy="0"/>
+        </a:xfrm>
+      </p:grpSpPr>
+      <p:sp>
+        <p:nvSpPr>
+          <p:cNvPr id="2" name="Title 1">
+            <a:extLst>
+              <a:ext uri="{FF2B5EF4-FFF2-40B4-BE49-F238E27FC236}">
+                <a16:creationId xmlns:a16="http://schemas.microsoft.com/office/drawing/2014/main" id="{75AC86D3-8FD1-4F47-A319-7D0542E48B2F}"/>
+              </a:ext>
+            </a:extLst>
+          </p:cNvPr>
+          <p:cNvSpPr>
+            <a:spLocks noGrp="1"/>
+          </p:cNvSpPr>
+          <p:nvPr>
+            <p:ph type="title"/>
+          </p:nvPr>
+        </p:nvSpPr>
+        <p:spPr>
+          <a:xfrm>
+            <a:off x="1097280" y="286603"/>
+            <a:ext cx="10058400" cy="1450757"/>
+          </a:xfrm>
+        </p:spPr>
+        <p:txBody>
+          <a:bodyPr vert="horz" lIns="91440" tIns="45720" rIns="91440" bIns="45720" rtlCol="0">
+            <a:normAutofit/>
+          </a:bodyPr>
+          <a:lstStyle/>
+          <a:p>
+            <a:r>
+              <a:rPr lang="en-US" dirty="0"/>
+              <a:t>Test validity (CI, P-Value) </a:t>
+            </a:r>
+          </a:p>
+        </p:txBody>
+      </p:sp>
+      <p:graphicFrame>
+        <p:nvGraphicFramePr>
+          <p:cNvPr id="4" name="Table 4">
+            <a:extLst>
+              <a:ext uri="{FF2B5EF4-FFF2-40B4-BE49-F238E27FC236}">
+                <a16:creationId xmlns:a16="http://schemas.microsoft.com/office/drawing/2014/main" id="{C266CDD0-3E96-40BD-8324-62D1DD86152D}"/>
+              </a:ext>
+            </a:extLst>
+          </p:cNvPr>
+          <p:cNvGraphicFramePr>
+            <a:graphicFrameLocks noGrp="1"/>
+          </p:cNvGraphicFramePr>
+          <p:nvPr>
+            <p:ph idx="1"/>
+          </p:nvPr>
+        </p:nvGraphicFramePr>
+        <p:xfrm>
+          <a:off x="1096963" y="2216879"/>
+          <a:ext cx="10058400" cy="3604216"/>
+        </p:xfrm>
+        <a:graphic>
+          <a:graphicData uri="http://schemas.openxmlformats.org/drawingml/2006/table">
+            <a:tbl>
+              <a:tblPr firstRow="1" bandRow="1">
+                <a:noFill/>
+                <a:tableStyleId>{3B4B98B0-60AC-42C2-AFA5-B58CD77FA1E5}</a:tableStyleId>
+              </a:tblPr>
+              <a:tblGrid>
+                <a:gridCol w="2514600">
+                  <a:extLst>
+                    <a:ext uri="{9D8B030D-6E8A-4147-A177-3AD203B41FA5}">
+                      <a16:colId xmlns:a16="http://schemas.microsoft.com/office/drawing/2014/main" val="2981917977"/>
+                    </a:ext>
+                  </a:extLst>
+                </a:gridCol>
+                <a:gridCol w="2514600">
+                  <a:extLst>
+                    <a:ext uri="{9D8B030D-6E8A-4147-A177-3AD203B41FA5}">
+                      <a16:colId xmlns:a16="http://schemas.microsoft.com/office/drawing/2014/main" val="945233394"/>
+                    </a:ext>
+                  </a:extLst>
+                </a:gridCol>
+                <a:gridCol w="2514600">
+                  <a:extLst>
+                    <a:ext uri="{9D8B030D-6E8A-4147-A177-3AD203B41FA5}">
+                      <a16:colId xmlns:a16="http://schemas.microsoft.com/office/drawing/2014/main" val="2572263168"/>
+                    </a:ext>
+                  </a:extLst>
+                </a:gridCol>
+                <a:gridCol w="2514600">
+                  <a:extLst>
+                    <a:ext uri="{9D8B030D-6E8A-4147-A177-3AD203B41FA5}">
+                      <a16:colId xmlns:a16="http://schemas.microsoft.com/office/drawing/2014/main" val="1765783061"/>
+                    </a:ext>
+                  </a:extLst>
+                </a:gridCol>
+              </a:tblGrid>
+              <a:tr h="613018">
+                <a:tc>
+                  <a:txBody>
+                    <a:bodyPr/>
+                    <a:lstStyle/>
+                    <a:p>
+                      <a:r>
+                        <a:rPr lang="en-US" sz="2400" b="0" cap="all" spc="150" dirty="0">
+                          <a:solidFill>
+                            <a:schemeClr val="lt1"/>
+                          </a:solidFill>
+                        </a:rPr>
+                        <a:t>Q1</a:t>
+                      </a:r>
+                    </a:p>
+                  </a:txBody>
+                  <a:tcPr marL="151061" marR="151061" marT="151061" marB="151061">
+                    <a:lnL w="12700" cmpd="sng">
+                      <a:noFill/>
+                    </a:lnL>
+                    <a:lnR w="12700" cmpd="sng">
+                      <a:noFill/>
+                    </a:lnR>
+                    <a:lnT w="12700" cmpd="sng">
+                      <a:noFill/>
+                    </a:lnT>
+                    <a:lnB w="38100" cmpd="sng">
+                      <a:noFill/>
+                    </a:lnB>
+                    <a:solidFill>
+                      <a:schemeClr val="accent1"/>
+                    </a:solidFill>
+                  </a:tcPr>
+                </a:tc>
+                <a:tc>
+                  <a:txBody>
+                    <a:bodyPr/>
+                    <a:lstStyle/>
+                    <a:p>
+                      <a:r>
+                        <a:rPr lang="en-US" sz="2400" b="0" cap="all" spc="150" dirty="0">
+                          <a:solidFill>
+                            <a:schemeClr val="lt1"/>
+                          </a:solidFill>
+                        </a:rPr>
+                        <a:t>Q2</a:t>
+                      </a:r>
+                    </a:p>
+                  </a:txBody>
+                  <a:tcPr marL="151061" marR="151061" marT="151061" marB="151061">
+                    <a:lnL w="12700" cmpd="sng">
+                      <a:noFill/>
+                    </a:lnL>
+                    <a:lnR w="12700" cmpd="sng">
+                      <a:noFill/>
+                    </a:lnR>
+                    <a:lnT w="12700" cmpd="sng">
+                      <a:noFill/>
+                    </a:lnT>
+                    <a:lnB w="38100" cmpd="sng">
+                      <a:noFill/>
+                    </a:lnB>
+                    <a:solidFill>
+                      <a:schemeClr val="accent1"/>
+                    </a:solidFill>
+                  </a:tcPr>
+                </a:tc>
+                <a:tc>
+                  <a:txBody>
+                    <a:bodyPr/>
+                    <a:lstStyle/>
+                    <a:p>
+                      <a:r>
+                        <a:rPr lang="en-US" sz="2400" b="0" cap="all" spc="150" dirty="0">
+                          <a:solidFill>
+                            <a:schemeClr val="lt1"/>
+                          </a:solidFill>
+                        </a:rPr>
+                        <a:t>Q3</a:t>
+                      </a:r>
+                    </a:p>
+                  </a:txBody>
+                  <a:tcPr marL="151061" marR="151061" marT="151061" marB="151061">
+                    <a:lnL w="12700" cmpd="sng">
+                      <a:noFill/>
+                    </a:lnL>
+                    <a:lnR w="12700" cmpd="sng">
+                      <a:noFill/>
+                    </a:lnR>
+                    <a:lnT w="12700" cmpd="sng">
+                      <a:noFill/>
+                    </a:lnT>
+                    <a:lnB w="38100" cmpd="sng">
+                      <a:noFill/>
+                    </a:lnB>
+                    <a:solidFill>
+                      <a:schemeClr val="accent1"/>
+                    </a:solidFill>
+                  </a:tcPr>
+                </a:tc>
+                <a:tc>
+                  <a:txBody>
+                    <a:bodyPr/>
+                    <a:lstStyle/>
+                    <a:p>
+                      <a:r>
+                        <a:rPr lang="en-US" sz="2400" b="0" cap="all" spc="150" dirty="0">
+                          <a:solidFill>
+                            <a:schemeClr val="lt1"/>
+                          </a:solidFill>
+                        </a:rPr>
+                        <a:t>Q4</a:t>
+                      </a:r>
+                    </a:p>
+                  </a:txBody>
+                  <a:tcPr marL="151061" marR="151061" marT="151061" marB="151061">
+                    <a:lnL w="12700" cmpd="sng">
+                      <a:noFill/>
+                    </a:lnL>
+                    <a:lnR w="12700" cmpd="sng">
+                      <a:noFill/>
+                    </a:lnR>
+                    <a:lnT w="12700" cmpd="sng">
+                      <a:noFill/>
+                    </a:lnT>
+                    <a:lnB w="38100" cmpd="sng">
+                      <a:noFill/>
+                    </a:lnB>
+                    <a:solidFill>
+                      <a:schemeClr val="accent1"/>
+                    </a:solidFill>
+                  </a:tcPr>
+                </a:tc>
+                <a:extLst>
+                  <a:ext uri="{0D108BD9-81ED-4DB2-BD59-A6C34878D82A}">
+                    <a16:rowId xmlns:a16="http://schemas.microsoft.com/office/drawing/2014/main" val="2580512675"/>
+                  </a:ext>
+                </a:extLst>
+              </a:tr>
+              <a:tr h="978778">
+                <a:tc>
+                  <a:txBody>
+                    <a:bodyPr/>
+                    <a:lstStyle/>
+                    <a:p>
+                      <a:r>
+                        <a:rPr lang="en-US" sz="1400" cap="none" spc="0" dirty="0">
+                          <a:solidFill>
+                            <a:schemeClr val="tx1"/>
+                          </a:solidFill>
+                        </a:rPr>
+                        <a:t>Lorem ipsum et tula lorem ipsum et lorem ipsum </a:t>
+                      </a:r>
+                    </a:p>
+                  </a:txBody>
+                  <a:tcPr marL="151061" marR="151061" marT="151061" marB="151061">
+                    <a:lnL w="12700" cmpd="sng">
+                      <a:noFill/>
+                      <a:prstDash val="solid"/>
+                    </a:lnL>
+                    <a:lnR w="12700" cmpd="sng">
+                      <a:noFill/>
+                      <a:prstDash val="solid"/>
+                    </a:lnR>
+                    <a:lnT w="38100" cmpd="sng">
+                      <a:noFill/>
+                    </a:lnT>
+                    <a:lnB w="12700" cmpd="sng">
+                      <a:noFill/>
+                      <a:prstDash val="solid"/>
+                    </a:lnB>
+                    <a:noFill/>
+                  </a:tcPr>
+                </a:tc>
+                <a:tc>
+                  <a:txBody>
+                    <a:bodyPr/>
+                    <a:lstStyle/>
+                    <a:p>
+                      <a:pPr marL="0" marR="0" lvl="0" indent="0" algn="l" defTabSz="914400" rtl="0" eaLnBrk="1" fontAlgn="auto" latinLnBrk="0" hangingPunct="1">
+                        <a:lnSpc>
+                          <a:spcPct val="100000"/>
+                        </a:lnSpc>
+                        <a:spcBef>
+                          <a:spcPts val="0"/>
+                        </a:spcBef>
+                        <a:spcAft>
+                          <a:spcPts val="0"/>
+                        </a:spcAft>
+                        <a:buClrTx/>
+                        <a:buSzTx/>
+                        <a:buFontTx/>
+                        <a:buNone/>
+                        <a:tabLst/>
+                        <a:defRPr/>
+                      </a:pPr>
+                      <a:r>
+                        <a:rPr lang="en-US" sz="1400" cap="none" spc="0" dirty="0">
+                          <a:solidFill>
+                            <a:schemeClr val="tx1"/>
+                          </a:solidFill>
+                        </a:rPr>
+                        <a:t>Lorem ipsum et tula lorem ipsum et lorem ipsum </a:t>
+                      </a:r>
+                    </a:p>
+                    <a:p>
+                      <a:endParaRPr lang="en-US" sz="1400" cap="none" spc="0" dirty="0">
+                        <a:solidFill>
+                          <a:schemeClr val="tx1"/>
+                        </a:solidFill>
+                      </a:endParaRPr>
+                    </a:p>
+                  </a:txBody>
+                  <a:tcPr marL="151061" marR="151061" marT="151061" marB="151061">
+                    <a:lnL w="12700" cmpd="sng">
+                      <a:noFill/>
+                      <a:prstDash val="solid"/>
+                    </a:lnL>
+                    <a:lnR w="12700" cmpd="sng">
+                      <a:noFill/>
+                      <a:prstDash val="solid"/>
+                    </a:lnR>
+                    <a:lnT w="38100" cmpd="sng">
+                      <a:noFill/>
+                    </a:lnT>
+                    <a:lnB w="12700" cmpd="sng">
+                      <a:noFill/>
+                      <a:prstDash val="solid"/>
+                    </a:lnB>
+                    <a:noFill/>
+                  </a:tcPr>
+                </a:tc>
+                <a:tc>
+                  <a:txBody>
+                    <a:bodyPr/>
+                    <a:lstStyle/>
+                    <a:p>
+                      <a:pPr marL="0" marR="0" lvl="0" indent="0" algn="l" defTabSz="914400" rtl="0" eaLnBrk="1" fontAlgn="auto" latinLnBrk="0" hangingPunct="1">
+                        <a:lnSpc>
+                          <a:spcPct val="100000"/>
+                        </a:lnSpc>
+                        <a:spcBef>
+                          <a:spcPts val="0"/>
+                        </a:spcBef>
+                        <a:spcAft>
+                          <a:spcPts val="0"/>
+                        </a:spcAft>
+                        <a:buClrTx/>
+                        <a:buSzTx/>
+                        <a:buFontTx/>
+                        <a:buNone/>
+                        <a:tabLst/>
+                        <a:defRPr/>
+                      </a:pPr>
+                      <a:r>
+                        <a:rPr lang="en-US" sz="1400" cap="none" spc="0" dirty="0">
+                          <a:solidFill>
+                            <a:schemeClr val="tx1"/>
+                          </a:solidFill>
+                        </a:rPr>
+                        <a:t>Lorem ipsum et tula lorem ipsum et lorem ipsum </a:t>
+                      </a:r>
+                    </a:p>
+                    <a:p>
+                      <a:endParaRPr lang="en-US" sz="1400" cap="none" spc="0" dirty="0">
+                        <a:solidFill>
+                          <a:schemeClr val="tx1"/>
+                        </a:solidFill>
+                      </a:endParaRPr>
+                    </a:p>
+                  </a:txBody>
+                  <a:tcPr marL="151061" marR="151061" marT="151061" marB="151061">
+                    <a:lnL w="12700" cmpd="sng">
+                      <a:noFill/>
+                      <a:prstDash val="solid"/>
+                    </a:lnL>
+                    <a:lnR w="12700" cmpd="sng">
+                      <a:noFill/>
+                      <a:prstDash val="solid"/>
+                    </a:lnR>
+                    <a:lnT w="38100" cmpd="sng">
+                      <a:noFill/>
+                    </a:lnT>
+                    <a:lnB w="12700" cmpd="sng">
+                      <a:noFill/>
+                      <a:prstDash val="solid"/>
+                    </a:lnB>
+                    <a:noFill/>
+                  </a:tcPr>
+                </a:tc>
+                <a:tc>
+                  <a:txBody>
+                    <a:bodyPr/>
+                    <a:lstStyle/>
+                    <a:p>
+                      <a:pPr marL="0" marR="0" lvl="0" indent="0" algn="l" defTabSz="914400" rtl="0" eaLnBrk="1" fontAlgn="auto" latinLnBrk="0" hangingPunct="1">
+                        <a:lnSpc>
+                          <a:spcPct val="100000"/>
+                        </a:lnSpc>
+                        <a:spcBef>
+                          <a:spcPts val="0"/>
+                        </a:spcBef>
+                        <a:spcAft>
+                          <a:spcPts val="0"/>
+                        </a:spcAft>
+                        <a:buClrTx/>
+                        <a:buSzTx/>
+                        <a:buFontTx/>
+                        <a:buNone/>
+                        <a:tabLst/>
+                        <a:defRPr/>
+                      </a:pPr>
+                      <a:r>
+                        <a:rPr lang="en-US" sz="1400" cap="none" spc="0" dirty="0">
+                          <a:solidFill>
+                            <a:schemeClr val="tx1"/>
+                          </a:solidFill>
+                        </a:rPr>
+                        <a:t>Lorem ipsum et tula lorem ipsum et lorem ipsum </a:t>
+                      </a:r>
+                    </a:p>
+                    <a:p>
+                      <a:endParaRPr lang="en-US" sz="1400" cap="none" spc="0" dirty="0">
+                        <a:solidFill>
+                          <a:schemeClr val="tx1"/>
+                        </a:solidFill>
+                      </a:endParaRPr>
+                    </a:p>
+                  </a:txBody>
+                  <a:tcPr marL="151061" marR="151061" marT="151061" marB="151061">
+                    <a:lnL w="12700" cmpd="sng">
+                      <a:noFill/>
+                      <a:prstDash val="solid"/>
+                    </a:lnL>
+                    <a:lnR w="12700" cmpd="sng">
+                      <a:noFill/>
+                      <a:prstDash val="solid"/>
+                    </a:lnR>
+                    <a:lnT w="38100" cmpd="sng">
+                      <a:noFill/>
+                    </a:lnT>
+                    <a:lnB w="12700" cmpd="sng">
+                      <a:noFill/>
+                      <a:prstDash val="solid"/>
+                    </a:lnB>
+                    <a:noFill/>
+                  </a:tcPr>
+                </a:tc>
+                <a:extLst>
+                  <a:ext uri="{0D108BD9-81ED-4DB2-BD59-A6C34878D82A}">
+                    <a16:rowId xmlns:a16="http://schemas.microsoft.com/office/drawing/2014/main" val="2085369860"/>
+                  </a:ext>
+                </a:extLst>
+              </a:tr>
+              <a:tr h="978778">
+                <a:tc>
+                  <a:txBody>
+                    <a:bodyPr/>
+                    <a:lstStyle/>
+                    <a:p>
+                      <a:pPr marL="0" marR="0" lvl="0" indent="0" algn="l" defTabSz="914400" rtl="0" eaLnBrk="1" fontAlgn="auto" latinLnBrk="0" hangingPunct="1">
+                        <a:lnSpc>
+                          <a:spcPct val="100000"/>
+                        </a:lnSpc>
+                        <a:spcBef>
+                          <a:spcPts val="0"/>
+                        </a:spcBef>
+                        <a:spcAft>
+                          <a:spcPts val="0"/>
+                        </a:spcAft>
+                        <a:buClrTx/>
+                        <a:buSzTx/>
+                        <a:buFontTx/>
+                        <a:buNone/>
+                        <a:tabLst/>
+                        <a:defRPr/>
+                      </a:pPr>
+                      <a:r>
+                        <a:rPr lang="en-US" sz="1400" cap="none" spc="0" dirty="0">
+                          <a:solidFill>
+                            <a:schemeClr val="tx1"/>
+                          </a:solidFill>
+                        </a:rPr>
+                        <a:t>Lorem ipsum et tula lorem ipsum et lorem ipsum </a:t>
+                      </a:r>
+                    </a:p>
+                    <a:p>
+                      <a:endParaRPr lang="en-US" sz="1400" cap="none" spc="0" dirty="0">
+                        <a:solidFill>
+                          <a:schemeClr val="tx1"/>
+                        </a:solidFill>
+                      </a:endParaRPr>
+                    </a:p>
+                  </a:txBody>
+                  <a:tcPr marL="151061" marR="151061" marT="151061" marB="151061">
+                    <a:lnL w="12700" cmpd="sng">
+                      <a:noFill/>
+                      <a:prstDash val="solid"/>
+                    </a:lnL>
+                    <a:lnR w="12700" cmpd="sng">
+                      <a:noFill/>
+                      <a:prstDash val="solid"/>
+                    </a:lnR>
+                    <a:lnT w="12700" cmpd="sng">
+                      <a:noFill/>
+                      <a:prstDash val="solid"/>
+                    </a:lnT>
+                    <a:lnB w="12700" cmpd="sng">
+                      <a:noFill/>
+                      <a:prstDash val="solid"/>
+                    </a:lnB>
+                    <a:solidFill>
+                      <a:srgbClr val="000000">
+                        <a:alpha val="7843"/>
+                      </a:srgbClr>
+                    </a:solidFill>
+                  </a:tcPr>
+                </a:tc>
+                <a:tc>
+                  <a:txBody>
+                    <a:bodyPr/>
+                    <a:lstStyle/>
+                    <a:p>
+                      <a:pPr marL="0" marR="0" lvl="0" indent="0" algn="l" defTabSz="914400" rtl="0" eaLnBrk="1" fontAlgn="auto" latinLnBrk="0" hangingPunct="1">
+                        <a:lnSpc>
+                          <a:spcPct val="100000"/>
+                        </a:lnSpc>
+                        <a:spcBef>
+                          <a:spcPts val="0"/>
+                        </a:spcBef>
+                        <a:spcAft>
+                          <a:spcPts val="0"/>
+                        </a:spcAft>
+                        <a:buClrTx/>
+                        <a:buSzTx/>
+                        <a:buFontTx/>
+                        <a:buNone/>
+                        <a:tabLst/>
+                        <a:defRPr/>
+                      </a:pPr>
+                      <a:r>
+                        <a:rPr lang="en-US" sz="1400" cap="none" spc="0" dirty="0">
+                          <a:solidFill>
+                            <a:schemeClr val="tx1"/>
+                          </a:solidFill>
+                        </a:rPr>
+                        <a:t>Lorem ipsum et tula lorem ipsum et lorem ipsum </a:t>
+                      </a:r>
+                    </a:p>
+                    <a:p>
+                      <a:endParaRPr lang="en-US" sz="1400" cap="none" spc="0" dirty="0">
+                        <a:solidFill>
+                          <a:schemeClr val="tx1"/>
+                        </a:solidFill>
+                      </a:endParaRPr>
+                    </a:p>
+                  </a:txBody>
+                  <a:tcPr marL="151061" marR="151061" marT="151061" marB="151061">
+                    <a:lnL w="12700" cmpd="sng">
+                      <a:noFill/>
+                      <a:prstDash val="solid"/>
+                    </a:lnL>
+                    <a:lnR w="12700" cmpd="sng">
+                      <a:noFill/>
+                      <a:prstDash val="solid"/>
+                    </a:lnR>
+                    <a:lnT w="12700" cmpd="sng">
+                      <a:noFill/>
+                      <a:prstDash val="solid"/>
+                    </a:lnT>
+                    <a:lnB w="12700" cmpd="sng">
+                      <a:noFill/>
+                      <a:prstDash val="solid"/>
+                    </a:lnB>
+                    <a:solidFill>
+                      <a:srgbClr val="000000">
+                        <a:alpha val="7843"/>
+                      </a:srgbClr>
+                    </a:solidFill>
+                  </a:tcPr>
+                </a:tc>
+                <a:tc>
+                  <a:txBody>
+                    <a:bodyPr/>
+                    <a:lstStyle/>
+                    <a:p>
+                      <a:pPr marL="0" marR="0" lvl="0" indent="0" algn="l" defTabSz="914400" rtl="0" eaLnBrk="1" fontAlgn="auto" latinLnBrk="0" hangingPunct="1">
+                        <a:lnSpc>
+                          <a:spcPct val="100000"/>
+                        </a:lnSpc>
+                        <a:spcBef>
+                          <a:spcPts val="0"/>
+                        </a:spcBef>
+                        <a:spcAft>
+                          <a:spcPts val="0"/>
+                        </a:spcAft>
+                        <a:buClrTx/>
+                        <a:buSzTx/>
+                        <a:buFontTx/>
+                        <a:buNone/>
+                        <a:tabLst/>
+                        <a:defRPr/>
+                      </a:pPr>
+                      <a:r>
+                        <a:rPr lang="en-US" sz="1400" cap="none" spc="0" dirty="0">
+                          <a:solidFill>
+                            <a:schemeClr val="tx1"/>
+                          </a:solidFill>
+                        </a:rPr>
+                        <a:t>Lorem ipsum et tula lorem ipsum et lorem ipsum </a:t>
+                      </a:r>
+                    </a:p>
+                    <a:p>
+                      <a:endParaRPr lang="en-US" sz="1400" cap="none" spc="0" dirty="0">
+                        <a:solidFill>
+                          <a:schemeClr val="tx1"/>
+                        </a:solidFill>
+                      </a:endParaRPr>
+                    </a:p>
+                  </a:txBody>
+                  <a:tcPr marL="151061" marR="151061" marT="151061" marB="151061">
+                    <a:lnL w="12700" cmpd="sng">
+                      <a:noFill/>
+                      <a:prstDash val="solid"/>
+                    </a:lnL>
+                    <a:lnR w="12700" cmpd="sng">
+                      <a:noFill/>
+                      <a:prstDash val="solid"/>
+                    </a:lnR>
+                    <a:lnT w="12700" cmpd="sng">
+                      <a:noFill/>
+                      <a:prstDash val="solid"/>
+                    </a:lnT>
+                    <a:lnB w="12700" cmpd="sng">
+                      <a:noFill/>
+                      <a:prstDash val="solid"/>
+                    </a:lnB>
+                    <a:solidFill>
+                      <a:srgbClr val="000000">
+                        <a:alpha val="7843"/>
+                      </a:srgbClr>
+                    </a:solidFill>
+                  </a:tcPr>
+                </a:tc>
+                <a:tc>
+                  <a:txBody>
+                    <a:bodyPr/>
+                    <a:lstStyle/>
+                    <a:p>
+                      <a:pPr marL="0" marR="0" lvl="0" indent="0" algn="l" defTabSz="914400" rtl="0" eaLnBrk="1" fontAlgn="auto" latinLnBrk="0" hangingPunct="1">
+                        <a:lnSpc>
+                          <a:spcPct val="100000"/>
+                        </a:lnSpc>
+                        <a:spcBef>
+                          <a:spcPts val="0"/>
+                        </a:spcBef>
+                        <a:spcAft>
+                          <a:spcPts val="0"/>
+                        </a:spcAft>
+                        <a:buClrTx/>
+                        <a:buSzTx/>
+                        <a:buFontTx/>
+                        <a:buNone/>
+                        <a:tabLst/>
+                        <a:defRPr/>
+                      </a:pPr>
+                      <a:r>
+                        <a:rPr lang="en-US" sz="1400" cap="none" spc="0" dirty="0">
+                          <a:solidFill>
+                            <a:schemeClr val="tx1"/>
+                          </a:solidFill>
+                        </a:rPr>
+                        <a:t>Lorem ipsum et tula lorem ipsum et lorem ipsum </a:t>
+                      </a:r>
+                    </a:p>
+                    <a:p>
+                      <a:endParaRPr lang="en-US" sz="1400" cap="none" spc="0" dirty="0">
+                        <a:solidFill>
+                          <a:schemeClr val="tx1"/>
+                        </a:solidFill>
+                      </a:endParaRPr>
+                    </a:p>
+                  </a:txBody>
+                  <a:tcPr marL="151061" marR="151061" marT="151061" marB="151061">
+                    <a:lnL w="12700" cmpd="sng">
+                      <a:noFill/>
+                      <a:prstDash val="solid"/>
+                    </a:lnL>
+                    <a:lnR w="12700" cmpd="sng">
+                      <a:noFill/>
+                      <a:prstDash val="solid"/>
+                    </a:lnR>
+                    <a:lnT w="12700" cmpd="sng">
+                      <a:noFill/>
+                      <a:prstDash val="solid"/>
+                    </a:lnT>
+                    <a:lnB w="12700" cmpd="sng">
+                      <a:noFill/>
+                      <a:prstDash val="solid"/>
+                    </a:lnB>
+                    <a:solidFill>
+                      <a:srgbClr val="000000">
+                        <a:alpha val="7843"/>
+                      </a:srgbClr>
+                    </a:solidFill>
+                  </a:tcPr>
+                </a:tc>
+                <a:extLst>
+                  <a:ext uri="{0D108BD9-81ED-4DB2-BD59-A6C34878D82A}">
+                    <a16:rowId xmlns:a16="http://schemas.microsoft.com/office/drawing/2014/main" val="4252228359"/>
+                  </a:ext>
+                </a:extLst>
+              </a:tr>
+              <a:tr h="978778">
+                <a:tc>
+                  <a:txBody>
+                    <a:bodyPr/>
+                    <a:lstStyle/>
+                    <a:p>
+                      <a:pPr marL="0" marR="0" lvl="0" indent="0" algn="l" defTabSz="914400" rtl="0" eaLnBrk="1" fontAlgn="auto" latinLnBrk="0" hangingPunct="1">
+                        <a:lnSpc>
+                          <a:spcPct val="100000"/>
+                        </a:lnSpc>
+                        <a:spcBef>
+                          <a:spcPts val="0"/>
+                        </a:spcBef>
+                        <a:spcAft>
+                          <a:spcPts val="0"/>
+                        </a:spcAft>
+                        <a:buClrTx/>
+                        <a:buSzTx/>
+                        <a:buFontTx/>
+                        <a:buNone/>
+                        <a:tabLst/>
+                        <a:defRPr/>
+                      </a:pPr>
+                      <a:r>
+                        <a:rPr lang="en-US" sz="1400" cap="none" spc="0" dirty="0">
+                          <a:solidFill>
+                            <a:schemeClr val="tx1"/>
+                          </a:solidFill>
+                        </a:rPr>
+                        <a:t>Lorem ipsum et tula lorem ipsum et lorem ipsum </a:t>
+                      </a:r>
+                    </a:p>
+                    <a:p>
+                      <a:endParaRPr lang="en-US" sz="1400" cap="none" spc="0" dirty="0">
+                        <a:solidFill>
+                          <a:schemeClr val="tx1"/>
+                        </a:solidFill>
+                      </a:endParaRPr>
+                    </a:p>
+                  </a:txBody>
+                  <a:tcPr marL="151061" marR="151061" marT="151061" marB="151061">
+                    <a:lnL w="12700" cmpd="sng">
+                      <a:noFill/>
+                      <a:prstDash val="solid"/>
+                    </a:lnL>
+                    <a:lnR w="12700" cmpd="sng">
+                      <a:noFill/>
+                      <a:prstDash val="solid"/>
+                    </a:lnR>
+                    <a:lnT w="12700" cmpd="sng">
+                      <a:noFill/>
+                      <a:prstDash val="solid"/>
+                    </a:lnT>
+                    <a:lnB w="12700" cmpd="sng">
+                      <a:noFill/>
+                      <a:prstDash val="solid"/>
+                    </a:lnB>
+                    <a:noFill/>
+                  </a:tcPr>
+                </a:tc>
+                <a:tc>
+                  <a:txBody>
+                    <a:bodyPr/>
+                    <a:lstStyle/>
+                    <a:p>
+                      <a:pPr marL="0" marR="0" lvl="0" indent="0" algn="l" defTabSz="914400" rtl="0" eaLnBrk="1" fontAlgn="auto" latinLnBrk="0" hangingPunct="1">
+                        <a:lnSpc>
+                          <a:spcPct val="100000"/>
+                        </a:lnSpc>
+                        <a:spcBef>
+                          <a:spcPts val="0"/>
+                        </a:spcBef>
+                        <a:spcAft>
+                          <a:spcPts val="0"/>
+                        </a:spcAft>
+                        <a:buClrTx/>
+                        <a:buSzTx/>
+                        <a:buFontTx/>
+                        <a:buNone/>
+                        <a:tabLst/>
+                        <a:defRPr/>
+                      </a:pPr>
+                      <a:r>
+                        <a:rPr lang="en-US" sz="1400" cap="none" spc="0" dirty="0">
+                          <a:solidFill>
+                            <a:schemeClr val="tx1"/>
+                          </a:solidFill>
+                        </a:rPr>
+                        <a:t>Lorem ipsum et tula lorem ipsum et lorem ipsum </a:t>
+                      </a:r>
+                    </a:p>
+                    <a:p>
+                      <a:endParaRPr lang="en-US" sz="1400" cap="none" spc="0" dirty="0">
+                        <a:solidFill>
+                          <a:schemeClr val="tx1"/>
+                        </a:solidFill>
+                      </a:endParaRPr>
+                    </a:p>
+                  </a:txBody>
+                  <a:tcPr marL="151061" marR="151061" marT="151061" marB="151061">
+                    <a:lnL w="12700" cmpd="sng">
+                      <a:noFill/>
+                      <a:prstDash val="solid"/>
+                    </a:lnL>
+                    <a:lnR w="12700" cmpd="sng">
+                      <a:noFill/>
+                      <a:prstDash val="solid"/>
+                    </a:lnR>
+                    <a:lnT w="12700" cmpd="sng">
+                      <a:noFill/>
+                      <a:prstDash val="solid"/>
+                    </a:lnT>
+                    <a:lnB w="12700" cmpd="sng">
+                      <a:noFill/>
+                      <a:prstDash val="solid"/>
+                    </a:lnB>
+                    <a:noFill/>
+                  </a:tcPr>
+                </a:tc>
+                <a:tc>
+                  <a:txBody>
+                    <a:bodyPr/>
+                    <a:lstStyle/>
+                    <a:p>
+                      <a:pPr marL="0" marR="0" lvl="0" indent="0" algn="l" defTabSz="914400" rtl="0" eaLnBrk="1" fontAlgn="auto" latinLnBrk="0" hangingPunct="1">
+                        <a:lnSpc>
+                          <a:spcPct val="100000"/>
+                        </a:lnSpc>
+                        <a:spcBef>
+                          <a:spcPts val="0"/>
+                        </a:spcBef>
+                        <a:spcAft>
+                          <a:spcPts val="0"/>
+                        </a:spcAft>
+                        <a:buClrTx/>
+                        <a:buSzTx/>
+                        <a:buFontTx/>
+                        <a:buNone/>
+                        <a:tabLst/>
+                        <a:defRPr/>
+                      </a:pPr>
+                      <a:r>
+                        <a:rPr lang="en-US" sz="1400" cap="none" spc="0" dirty="0">
+                          <a:solidFill>
+                            <a:schemeClr val="tx1"/>
+                          </a:solidFill>
+                        </a:rPr>
+                        <a:t>Lorem ipsum et tula lorem ipsum et lorem ipsum </a:t>
+                      </a:r>
+                    </a:p>
+                    <a:p>
+                      <a:endParaRPr lang="en-US" sz="1400" cap="none" spc="0" dirty="0">
+                        <a:solidFill>
+                          <a:schemeClr val="tx1"/>
+                        </a:solidFill>
+                      </a:endParaRPr>
+                    </a:p>
+                  </a:txBody>
+                  <a:tcPr marL="151061" marR="151061" marT="151061" marB="151061">
+                    <a:lnL w="12700" cmpd="sng">
+                      <a:noFill/>
+                      <a:prstDash val="solid"/>
+                    </a:lnL>
+                    <a:lnR w="12700" cmpd="sng">
+                      <a:noFill/>
+                      <a:prstDash val="solid"/>
+                    </a:lnR>
+                    <a:lnT w="12700" cmpd="sng">
+                      <a:noFill/>
+                      <a:prstDash val="solid"/>
+                    </a:lnT>
+                    <a:lnB w="12700" cmpd="sng">
+                      <a:noFill/>
+                      <a:prstDash val="solid"/>
+                    </a:lnB>
+                    <a:noFill/>
+                  </a:tcPr>
+                </a:tc>
+                <a:tc>
+                  <a:txBody>
+                    <a:bodyPr/>
+                    <a:lstStyle/>
+                    <a:p>
+                      <a:pPr marL="0" marR="0" lvl="0" indent="0" algn="l" defTabSz="914400" rtl="0" eaLnBrk="1" fontAlgn="auto" latinLnBrk="0" hangingPunct="1">
+                        <a:lnSpc>
+                          <a:spcPct val="100000"/>
+                        </a:lnSpc>
+                        <a:spcBef>
+                          <a:spcPts val="0"/>
+                        </a:spcBef>
+                        <a:spcAft>
+                          <a:spcPts val="0"/>
+                        </a:spcAft>
+                        <a:buClrTx/>
+                        <a:buSzTx/>
+                        <a:buFontTx/>
+                        <a:buNone/>
+                        <a:tabLst/>
+                        <a:defRPr/>
+                      </a:pPr>
+                      <a:r>
+                        <a:rPr lang="en-US" sz="1400" cap="none" spc="0" dirty="0">
+                          <a:solidFill>
+                            <a:schemeClr val="tx1"/>
+                          </a:solidFill>
+                        </a:rPr>
+                        <a:t>Lorem ipsum et tula lorem ipsum et lorem ipsum </a:t>
+                      </a:r>
+                    </a:p>
+                    <a:p>
+                      <a:endParaRPr lang="en-US" sz="1400" cap="none" spc="0" dirty="0">
+                        <a:solidFill>
+                          <a:schemeClr val="tx1"/>
+                        </a:solidFill>
+                      </a:endParaRPr>
+                    </a:p>
+                  </a:txBody>
+                  <a:tcPr marL="151061" marR="151061" marT="151061" marB="151061">
+                    <a:lnL w="12700" cmpd="sng">
+                      <a:noFill/>
+                      <a:prstDash val="solid"/>
+                    </a:lnL>
+                    <a:lnR w="12700" cmpd="sng">
+                      <a:noFill/>
+                      <a:prstDash val="solid"/>
+                    </a:lnR>
+                    <a:lnT w="12700" cmpd="sng">
+                      <a:noFill/>
+                      <a:prstDash val="solid"/>
+                    </a:lnT>
+                    <a:lnB w="12700" cmpd="sng">
+                      <a:noFill/>
+                      <a:prstDash val="solid"/>
+                    </a:lnB>
+                    <a:noFill/>
+                  </a:tcPr>
+                </a:tc>
+                <a:extLst>
+                  <a:ext uri="{0D108BD9-81ED-4DB2-BD59-A6C34878D82A}">
+                    <a16:rowId xmlns:a16="http://schemas.microsoft.com/office/drawing/2014/main" val="2578144993"/>
+                  </a:ext>
+                </a:extLst>
+              </a:tr>
+            </a:tbl>
+          </a:graphicData>
+        </a:graphic>
+      </p:graphicFrame>
+    </p:spTree>
+    <p:extLst>
+      <p:ext uri="{BB962C8B-B14F-4D97-AF65-F5344CB8AC3E}">
+        <p14:creationId xmlns:p14="http://schemas.microsoft.com/office/powerpoint/2010/main" val="210925591"/>
+      </p:ext>
+    </p:extLst>
+  </p:cSld>
+  <p:clrMapOvr>
+    <a:masterClrMapping/>
+  </p:clrMapOvr>
+</p:sld>
+</file>
+
+<file path=ppt/slides/slide18.xml><?xml version="1.0" encoding="utf-8"?>
+<p:sld xmlns:a="http://schemas.openxmlformats.org/drawingml/2006/main" xmlns:r="http://schemas.openxmlformats.org/officeDocument/2006/relationships" xmlns:p="http://schemas.openxmlformats.org/presentationml/2006/main">
+  <p:cSld>
+    <p:bg>
+      <p:bgPr>
+        <a:solidFill>
+          <a:schemeClr val="bg1"/>
+        </a:solidFill>
+        <a:effectLst/>
+      </p:bgPr>
+    </p:bg>
+    <p:spTree>
+      <p:nvGrpSpPr>
+        <p:cNvPr id="1" name=""/>
+        <p:cNvGrpSpPr/>
+        <p:nvPr/>
+      </p:nvGrpSpPr>
+      <p:grpSpPr>
+        <a:xfrm>
+          <a:off x="0" y="0"/>
+          <a:ext cx="0" cy="0"/>
+          <a:chOff x="0" y="0"/>
+          <a:chExt cx="0" cy="0"/>
+        </a:xfrm>
+      </p:grpSpPr>
+      <p:sp>
+        <p:nvSpPr>
+          <p:cNvPr id="2" name="Title 1">
+            <a:extLst>
+              <a:ext uri="{FF2B5EF4-FFF2-40B4-BE49-F238E27FC236}">
+                <a16:creationId xmlns:a16="http://schemas.microsoft.com/office/drawing/2014/main" id="{75AC86D3-8FD1-4F47-A319-7D0542E48B2F}"/>
+              </a:ext>
+            </a:extLst>
+          </p:cNvPr>
+          <p:cNvSpPr>
+            <a:spLocks noGrp="1"/>
+          </p:cNvSpPr>
+          <p:nvPr>
+            <p:ph type="title"/>
+          </p:nvPr>
+        </p:nvSpPr>
+        <p:spPr>
+          <a:xfrm>
+            <a:off x="1097280" y="286603"/>
+            <a:ext cx="10058400" cy="1450757"/>
+          </a:xfrm>
+        </p:spPr>
+        <p:txBody>
+          <a:bodyPr vert="horz" lIns="91440" tIns="45720" rIns="91440" bIns="45720" rtlCol="0">
+            <a:normAutofit/>
+          </a:bodyPr>
+          <a:lstStyle/>
+          <a:p>
+            <a:r>
+              <a:rPr lang="en-US" dirty="0"/>
+              <a:t>Title Lorem Ipsum </a:t>
+            </a:r>
+          </a:p>
+        </p:txBody>
+      </p:sp>
+      <p:graphicFrame>
+        <p:nvGraphicFramePr>
+          <p:cNvPr id="4" name="Table 4">
+            <a:extLst>
+              <a:ext uri="{FF2B5EF4-FFF2-40B4-BE49-F238E27FC236}">
+                <a16:creationId xmlns:a16="http://schemas.microsoft.com/office/drawing/2014/main" id="{C266CDD0-3E96-40BD-8324-62D1DD86152D}"/>
+              </a:ext>
+            </a:extLst>
+          </p:cNvPr>
+          <p:cNvGraphicFramePr>
+            <a:graphicFrameLocks noGrp="1"/>
+          </p:cNvGraphicFramePr>
+          <p:nvPr>
+            <p:ph idx="1"/>
+          </p:nvPr>
+        </p:nvGraphicFramePr>
+        <p:xfrm>
+          <a:off x="1096963" y="2216879"/>
+          <a:ext cx="10058400" cy="3604216"/>
+        </p:xfrm>
+        <a:graphic>
+          <a:graphicData uri="http://schemas.openxmlformats.org/drawingml/2006/table">
+            <a:tbl>
+              <a:tblPr firstRow="1" bandRow="1">
+                <a:noFill/>
+                <a:tableStyleId>{3B4B98B0-60AC-42C2-AFA5-B58CD77FA1E5}</a:tableStyleId>
+              </a:tblPr>
+              <a:tblGrid>
+                <a:gridCol w="2514600">
+                  <a:extLst>
+                    <a:ext uri="{9D8B030D-6E8A-4147-A177-3AD203B41FA5}">
+                      <a16:colId xmlns:a16="http://schemas.microsoft.com/office/drawing/2014/main" val="2981917977"/>
+                    </a:ext>
+                  </a:extLst>
+                </a:gridCol>
+                <a:gridCol w="2514600">
+                  <a:extLst>
+                    <a:ext uri="{9D8B030D-6E8A-4147-A177-3AD203B41FA5}">
+                      <a16:colId xmlns:a16="http://schemas.microsoft.com/office/drawing/2014/main" val="945233394"/>
+                    </a:ext>
+                  </a:extLst>
+                </a:gridCol>
+                <a:gridCol w="2514600">
+                  <a:extLst>
+                    <a:ext uri="{9D8B030D-6E8A-4147-A177-3AD203B41FA5}">
+                      <a16:colId xmlns:a16="http://schemas.microsoft.com/office/drawing/2014/main" val="2572263168"/>
+                    </a:ext>
+                  </a:extLst>
+                </a:gridCol>
+                <a:gridCol w="2514600">
+                  <a:extLst>
+                    <a:ext uri="{9D8B030D-6E8A-4147-A177-3AD203B41FA5}">
+                      <a16:colId xmlns:a16="http://schemas.microsoft.com/office/drawing/2014/main" val="1765783061"/>
+                    </a:ext>
+                  </a:extLst>
+                </a:gridCol>
+              </a:tblGrid>
+              <a:tr h="613018">
+                <a:tc>
+                  <a:txBody>
+                    <a:bodyPr/>
+                    <a:lstStyle/>
+                    <a:p>
+                      <a:r>
+                        <a:rPr lang="en-US" sz="2400" b="0" cap="all" spc="150" dirty="0">
+                          <a:solidFill>
+                            <a:schemeClr val="lt1"/>
+                          </a:solidFill>
+                        </a:rPr>
+                        <a:t>Q1</a:t>
+                      </a:r>
+                    </a:p>
+                  </a:txBody>
+                  <a:tcPr marL="151061" marR="151061" marT="151061" marB="151061">
+                    <a:lnL w="12700" cmpd="sng">
+                      <a:noFill/>
+                    </a:lnL>
+                    <a:lnR w="12700" cmpd="sng">
+                      <a:noFill/>
+                    </a:lnR>
+                    <a:lnT w="12700" cmpd="sng">
+                      <a:noFill/>
+                    </a:lnT>
+                    <a:lnB w="38100" cmpd="sng">
+                      <a:noFill/>
+                    </a:lnB>
+                    <a:solidFill>
+                      <a:schemeClr val="accent1"/>
+                    </a:solidFill>
+                  </a:tcPr>
+                </a:tc>
+                <a:tc>
+                  <a:txBody>
+                    <a:bodyPr/>
+                    <a:lstStyle/>
+                    <a:p>
+                      <a:r>
+                        <a:rPr lang="en-US" sz="2400" b="0" cap="all" spc="150" dirty="0">
+                          <a:solidFill>
+                            <a:schemeClr val="lt1"/>
+                          </a:solidFill>
+                        </a:rPr>
+                        <a:t>Q2</a:t>
+                      </a:r>
+                    </a:p>
+                  </a:txBody>
+                  <a:tcPr marL="151061" marR="151061" marT="151061" marB="151061">
+                    <a:lnL w="12700" cmpd="sng">
+                      <a:noFill/>
+                    </a:lnL>
+                    <a:lnR w="12700" cmpd="sng">
+                      <a:noFill/>
+                    </a:lnR>
+                    <a:lnT w="12700" cmpd="sng">
+                      <a:noFill/>
+                    </a:lnT>
+                    <a:lnB w="38100" cmpd="sng">
+                      <a:noFill/>
+                    </a:lnB>
+                    <a:solidFill>
+                      <a:schemeClr val="accent1"/>
+                    </a:solidFill>
+                  </a:tcPr>
+                </a:tc>
+                <a:tc>
+                  <a:txBody>
+                    <a:bodyPr/>
+                    <a:lstStyle/>
+                    <a:p>
+                      <a:r>
+                        <a:rPr lang="en-US" sz="2400" b="0" cap="all" spc="150" dirty="0">
+                          <a:solidFill>
+                            <a:schemeClr val="lt1"/>
+                          </a:solidFill>
+                        </a:rPr>
+                        <a:t>Q3</a:t>
+                      </a:r>
+                    </a:p>
+                  </a:txBody>
+                  <a:tcPr marL="151061" marR="151061" marT="151061" marB="151061">
+                    <a:lnL w="12700" cmpd="sng">
+                      <a:noFill/>
+                    </a:lnL>
+                    <a:lnR w="12700" cmpd="sng">
+                      <a:noFill/>
+                    </a:lnR>
+                    <a:lnT w="12700" cmpd="sng">
+                      <a:noFill/>
+                    </a:lnT>
+                    <a:lnB w="38100" cmpd="sng">
+                      <a:noFill/>
+                    </a:lnB>
+                    <a:solidFill>
+                      <a:schemeClr val="accent1"/>
+                    </a:solidFill>
+                  </a:tcPr>
+                </a:tc>
+                <a:tc>
+                  <a:txBody>
+                    <a:bodyPr/>
+                    <a:lstStyle/>
+                    <a:p>
+                      <a:r>
+                        <a:rPr lang="en-US" sz="2400" b="0" cap="all" spc="150" dirty="0">
+                          <a:solidFill>
+                            <a:schemeClr val="lt1"/>
+                          </a:solidFill>
+                        </a:rPr>
+                        <a:t>Q4</a:t>
+                      </a:r>
+                    </a:p>
+                  </a:txBody>
+                  <a:tcPr marL="151061" marR="151061" marT="151061" marB="151061">
+                    <a:lnL w="12700" cmpd="sng">
+                      <a:noFill/>
+                    </a:lnL>
+                    <a:lnR w="12700" cmpd="sng">
+                      <a:noFill/>
+                    </a:lnR>
+                    <a:lnT w="12700" cmpd="sng">
+                      <a:noFill/>
+                    </a:lnT>
+                    <a:lnB w="38100" cmpd="sng">
+                      <a:noFill/>
+                    </a:lnB>
+                    <a:solidFill>
+                      <a:schemeClr val="accent1"/>
+                    </a:solidFill>
+                  </a:tcPr>
+                </a:tc>
+                <a:extLst>
+                  <a:ext uri="{0D108BD9-81ED-4DB2-BD59-A6C34878D82A}">
+                    <a16:rowId xmlns:a16="http://schemas.microsoft.com/office/drawing/2014/main" val="2580512675"/>
+                  </a:ext>
+                </a:extLst>
+              </a:tr>
+              <a:tr h="978778">
+                <a:tc>
+                  <a:txBody>
+                    <a:bodyPr/>
+                    <a:lstStyle/>
+                    <a:p>
+                      <a:r>
+                        <a:rPr lang="en-US" sz="1400" cap="none" spc="0" dirty="0">
+                          <a:solidFill>
+                            <a:schemeClr val="tx1"/>
+                          </a:solidFill>
+                        </a:rPr>
+                        <a:t>Lorem ipsum et tula lorem ipsum et lorem ipsum </a:t>
+                      </a:r>
+                    </a:p>
+                  </a:txBody>
+                  <a:tcPr marL="151061" marR="151061" marT="151061" marB="151061">
+                    <a:lnL w="12700" cmpd="sng">
+                      <a:noFill/>
+                      <a:prstDash val="solid"/>
+                    </a:lnL>
+                    <a:lnR w="12700" cmpd="sng">
+                      <a:noFill/>
+                      <a:prstDash val="solid"/>
+                    </a:lnR>
+                    <a:lnT w="38100" cmpd="sng">
+                      <a:noFill/>
+                    </a:lnT>
+                    <a:lnB w="12700" cmpd="sng">
+                      <a:noFill/>
+                      <a:prstDash val="solid"/>
+                    </a:lnB>
+                    <a:noFill/>
+                  </a:tcPr>
+                </a:tc>
+                <a:tc>
+                  <a:txBody>
+                    <a:bodyPr/>
+                    <a:lstStyle/>
+                    <a:p>
+                      <a:pPr marL="0" marR="0" lvl="0" indent="0" algn="l" defTabSz="914400" rtl="0" eaLnBrk="1" fontAlgn="auto" latinLnBrk="0" hangingPunct="1">
+                        <a:lnSpc>
+                          <a:spcPct val="100000"/>
+                        </a:lnSpc>
+                        <a:spcBef>
+                          <a:spcPts val="0"/>
+                        </a:spcBef>
+                        <a:spcAft>
+                          <a:spcPts val="0"/>
+                        </a:spcAft>
+                        <a:buClrTx/>
+                        <a:buSzTx/>
+                        <a:buFontTx/>
+                        <a:buNone/>
+                        <a:tabLst/>
+                        <a:defRPr/>
+                      </a:pPr>
+                      <a:r>
+                        <a:rPr lang="en-US" sz="1400" cap="none" spc="0" dirty="0">
+                          <a:solidFill>
+                            <a:schemeClr val="tx1"/>
+                          </a:solidFill>
+                        </a:rPr>
+                        <a:t>Lorem ipsum et tula lorem ipsum et lorem ipsum </a:t>
+                      </a:r>
+                    </a:p>
+                    <a:p>
+                      <a:endParaRPr lang="en-US" sz="1400" cap="none" spc="0" dirty="0">
+                        <a:solidFill>
+                          <a:schemeClr val="tx1"/>
+                        </a:solidFill>
+                      </a:endParaRPr>
+                    </a:p>
+                  </a:txBody>
+                  <a:tcPr marL="151061" marR="151061" marT="151061" marB="151061">
+                    <a:lnL w="12700" cmpd="sng">
+                      <a:noFill/>
+                      <a:prstDash val="solid"/>
+                    </a:lnL>
+                    <a:lnR w="12700" cmpd="sng">
+                      <a:noFill/>
+                      <a:prstDash val="solid"/>
+                    </a:lnR>
+                    <a:lnT w="38100" cmpd="sng">
+                      <a:noFill/>
+                    </a:lnT>
+                    <a:lnB w="12700" cmpd="sng">
+                      <a:noFill/>
+                      <a:prstDash val="solid"/>
+                    </a:lnB>
+                    <a:noFill/>
+                  </a:tcPr>
+                </a:tc>
+                <a:tc>
+                  <a:txBody>
+                    <a:bodyPr/>
+                    <a:lstStyle/>
+                    <a:p>
+                      <a:pPr marL="0" marR="0" lvl="0" indent="0" algn="l" defTabSz="914400" rtl="0" eaLnBrk="1" fontAlgn="auto" latinLnBrk="0" hangingPunct="1">
+                        <a:lnSpc>
+                          <a:spcPct val="100000"/>
+                        </a:lnSpc>
+                        <a:spcBef>
+                          <a:spcPts val="0"/>
+                        </a:spcBef>
+                        <a:spcAft>
+                          <a:spcPts val="0"/>
+                        </a:spcAft>
+                        <a:buClrTx/>
+                        <a:buSzTx/>
+                        <a:buFontTx/>
+                        <a:buNone/>
+                        <a:tabLst/>
+                        <a:defRPr/>
+                      </a:pPr>
+                      <a:r>
+                        <a:rPr lang="en-US" sz="1400" cap="none" spc="0" dirty="0">
+                          <a:solidFill>
+                            <a:schemeClr val="tx1"/>
+                          </a:solidFill>
+                        </a:rPr>
+                        <a:t>Lorem ipsum et tula lorem ipsum et lorem ipsum </a:t>
+                      </a:r>
+                    </a:p>
+                    <a:p>
+                      <a:endParaRPr lang="en-US" sz="1400" cap="none" spc="0" dirty="0">
+                        <a:solidFill>
+                          <a:schemeClr val="tx1"/>
+                        </a:solidFill>
+                      </a:endParaRPr>
+                    </a:p>
+                  </a:txBody>
+                  <a:tcPr marL="151061" marR="151061" marT="151061" marB="151061">
+                    <a:lnL w="12700" cmpd="sng">
+                      <a:noFill/>
+                      <a:prstDash val="solid"/>
+                    </a:lnL>
+                    <a:lnR w="12700" cmpd="sng">
+                      <a:noFill/>
+                      <a:prstDash val="solid"/>
+                    </a:lnR>
+                    <a:lnT w="38100" cmpd="sng">
+                      <a:noFill/>
+                    </a:lnT>
+                    <a:lnB w="12700" cmpd="sng">
+                      <a:noFill/>
+                      <a:prstDash val="solid"/>
+                    </a:lnB>
+                    <a:noFill/>
+                  </a:tcPr>
+                </a:tc>
+                <a:tc>
+                  <a:txBody>
+                    <a:bodyPr/>
+                    <a:lstStyle/>
+                    <a:p>
+                      <a:pPr marL="0" marR="0" lvl="0" indent="0" algn="l" defTabSz="914400" rtl="0" eaLnBrk="1" fontAlgn="auto" latinLnBrk="0" hangingPunct="1">
+                        <a:lnSpc>
+                          <a:spcPct val="100000"/>
+                        </a:lnSpc>
+                        <a:spcBef>
+                          <a:spcPts val="0"/>
+                        </a:spcBef>
+                        <a:spcAft>
+                          <a:spcPts val="0"/>
+                        </a:spcAft>
+                        <a:buClrTx/>
+                        <a:buSzTx/>
+                        <a:buFontTx/>
+                        <a:buNone/>
+                        <a:tabLst/>
+                        <a:defRPr/>
+                      </a:pPr>
+                      <a:r>
+                        <a:rPr lang="en-US" sz="1400" cap="none" spc="0" dirty="0">
+                          <a:solidFill>
+                            <a:schemeClr val="tx1"/>
+                          </a:solidFill>
+                        </a:rPr>
+                        <a:t>Lorem ipsum et tula lorem ipsum et lorem ipsum </a:t>
+                      </a:r>
+                    </a:p>
+                    <a:p>
+                      <a:endParaRPr lang="en-US" sz="1400" cap="none" spc="0" dirty="0">
+                        <a:solidFill>
+                          <a:schemeClr val="tx1"/>
+                        </a:solidFill>
+                      </a:endParaRPr>
+                    </a:p>
+                  </a:txBody>
+                  <a:tcPr marL="151061" marR="151061" marT="151061" marB="151061">
+                    <a:lnL w="12700" cmpd="sng">
+                      <a:noFill/>
+                      <a:prstDash val="solid"/>
+                    </a:lnL>
+                    <a:lnR w="12700" cmpd="sng">
+                      <a:noFill/>
+                      <a:prstDash val="solid"/>
+                    </a:lnR>
+                    <a:lnT w="38100" cmpd="sng">
+                      <a:noFill/>
+                    </a:lnT>
+                    <a:lnB w="12700" cmpd="sng">
+                      <a:noFill/>
+                      <a:prstDash val="solid"/>
+                    </a:lnB>
+                    <a:noFill/>
+                  </a:tcPr>
+                </a:tc>
+                <a:extLst>
+                  <a:ext uri="{0D108BD9-81ED-4DB2-BD59-A6C34878D82A}">
+                    <a16:rowId xmlns:a16="http://schemas.microsoft.com/office/drawing/2014/main" val="2085369860"/>
+                  </a:ext>
+                </a:extLst>
+              </a:tr>
+              <a:tr h="978778">
+                <a:tc>
+                  <a:txBody>
+                    <a:bodyPr/>
+                    <a:lstStyle/>
+                    <a:p>
+                      <a:pPr marL="0" marR="0" lvl="0" indent="0" algn="l" defTabSz="914400" rtl="0" eaLnBrk="1" fontAlgn="auto" latinLnBrk="0" hangingPunct="1">
+                        <a:lnSpc>
+                          <a:spcPct val="100000"/>
+                        </a:lnSpc>
+                        <a:spcBef>
+                          <a:spcPts val="0"/>
+                        </a:spcBef>
+                        <a:spcAft>
+                          <a:spcPts val="0"/>
+                        </a:spcAft>
+                        <a:buClrTx/>
+                        <a:buSzTx/>
+                        <a:buFontTx/>
+                        <a:buNone/>
+                        <a:tabLst/>
+                        <a:defRPr/>
+                      </a:pPr>
+                      <a:r>
+                        <a:rPr lang="en-US" sz="1400" cap="none" spc="0" dirty="0">
+                          <a:solidFill>
+                            <a:schemeClr val="tx1"/>
+                          </a:solidFill>
+                        </a:rPr>
+                        <a:t>Lorem ipsum et tula lorem ipsum et lorem ipsum </a:t>
+                      </a:r>
+                    </a:p>
+                    <a:p>
+                      <a:endParaRPr lang="en-US" sz="1400" cap="none" spc="0" dirty="0">
+                        <a:solidFill>
+                          <a:schemeClr val="tx1"/>
+                        </a:solidFill>
+                      </a:endParaRPr>
+                    </a:p>
+                  </a:txBody>
+                  <a:tcPr marL="151061" marR="151061" marT="151061" marB="151061">
+                    <a:lnL w="12700" cmpd="sng">
+                      <a:noFill/>
+                      <a:prstDash val="solid"/>
+                    </a:lnL>
+                    <a:lnR w="12700" cmpd="sng">
+                      <a:noFill/>
+                      <a:prstDash val="solid"/>
+                    </a:lnR>
+                    <a:lnT w="12700" cmpd="sng">
+                      <a:noFill/>
+                      <a:prstDash val="solid"/>
+                    </a:lnT>
+                    <a:lnB w="12700" cmpd="sng">
+                      <a:noFill/>
+                      <a:prstDash val="solid"/>
+                    </a:lnB>
+                    <a:solidFill>
+                      <a:srgbClr val="000000">
+                        <a:alpha val="7843"/>
+                      </a:srgbClr>
+                    </a:solidFill>
+                  </a:tcPr>
+                </a:tc>
+                <a:tc>
+                  <a:txBody>
+                    <a:bodyPr/>
+                    <a:lstStyle/>
+                    <a:p>
+                      <a:pPr marL="0" marR="0" lvl="0" indent="0" algn="l" defTabSz="914400" rtl="0" eaLnBrk="1" fontAlgn="auto" latinLnBrk="0" hangingPunct="1">
+                        <a:lnSpc>
+                          <a:spcPct val="100000"/>
+                        </a:lnSpc>
+                        <a:spcBef>
+                          <a:spcPts val="0"/>
+                        </a:spcBef>
+                        <a:spcAft>
+                          <a:spcPts val="0"/>
+                        </a:spcAft>
+                        <a:buClrTx/>
+                        <a:buSzTx/>
+                        <a:buFontTx/>
+                        <a:buNone/>
+                        <a:tabLst/>
+                        <a:defRPr/>
+                      </a:pPr>
+                      <a:r>
+                        <a:rPr lang="en-US" sz="1400" cap="none" spc="0" dirty="0">
+                          <a:solidFill>
+                            <a:schemeClr val="tx1"/>
+                          </a:solidFill>
+                        </a:rPr>
+                        <a:t>Lorem ipsum et tula lorem ipsum et lorem ipsum </a:t>
+                      </a:r>
+                    </a:p>
+                    <a:p>
+                      <a:endParaRPr lang="en-US" sz="1400" cap="none" spc="0" dirty="0">
+                        <a:solidFill>
+                          <a:schemeClr val="tx1"/>
+                        </a:solidFill>
+                      </a:endParaRPr>
+                    </a:p>
+                  </a:txBody>
+                  <a:tcPr marL="151061" marR="151061" marT="151061" marB="151061">
+                    <a:lnL w="12700" cmpd="sng">
+                      <a:noFill/>
+                      <a:prstDash val="solid"/>
+                    </a:lnL>
+                    <a:lnR w="12700" cmpd="sng">
+                      <a:noFill/>
+                      <a:prstDash val="solid"/>
+                    </a:lnR>
+                    <a:lnT w="12700" cmpd="sng">
+                      <a:noFill/>
+                      <a:prstDash val="solid"/>
+                    </a:lnT>
+                    <a:lnB w="12700" cmpd="sng">
+                      <a:noFill/>
+                      <a:prstDash val="solid"/>
+                    </a:lnB>
+                    <a:solidFill>
+                      <a:srgbClr val="000000">
+                        <a:alpha val="7843"/>
+                      </a:srgbClr>
+                    </a:solidFill>
+                  </a:tcPr>
+                </a:tc>
+                <a:tc>
+                  <a:txBody>
+                    <a:bodyPr/>
+                    <a:lstStyle/>
+                    <a:p>
+                      <a:pPr marL="0" marR="0" lvl="0" indent="0" algn="l" defTabSz="914400" rtl="0" eaLnBrk="1" fontAlgn="auto" latinLnBrk="0" hangingPunct="1">
+                        <a:lnSpc>
+                          <a:spcPct val="100000"/>
+                        </a:lnSpc>
+                        <a:spcBef>
+                          <a:spcPts val="0"/>
+                        </a:spcBef>
+                        <a:spcAft>
+                          <a:spcPts val="0"/>
+                        </a:spcAft>
+                        <a:buClrTx/>
+                        <a:buSzTx/>
+                        <a:buFontTx/>
+                        <a:buNone/>
+                        <a:tabLst/>
+                        <a:defRPr/>
+                      </a:pPr>
+                      <a:r>
+                        <a:rPr lang="en-US" sz="1400" cap="none" spc="0" dirty="0">
+                          <a:solidFill>
+                            <a:schemeClr val="tx1"/>
+                          </a:solidFill>
+                        </a:rPr>
+                        <a:t>Lorem ipsum et tula lorem ipsum et lorem ipsum </a:t>
+                      </a:r>
+                    </a:p>
+                    <a:p>
+                      <a:endParaRPr lang="en-US" sz="1400" cap="none" spc="0" dirty="0">
+                        <a:solidFill>
+                          <a:schemeClr val="tx1"/>
+                        </a:solidFill>
+                      </a:endParaRPr>
+                    </a:p>
+                  </a:txBody>
+                  <a:tcPr marL="151061" marR="151061" marT="151061" marB="151061">
+                    <a:lnL w="12700" cmpd="sng">
+                      <a:noFill/>
+                      <a:prstDash val="solid"/>
+                    </a:lnL>
+                    <a:lnR w="12700" cmpd="sng">
+                      <a:noFill/>
+                      <a:prstDash val="solid"/>
+                    </a:lnR>
+                    <a:lnT w="12700" cmpd="sng">
+                      <a:noFill/>
+                      <a:prstDash val="solid"/>
+                    </a:lnT>
+                    <a:lnB w="12700" cmpd="sng">
+                      <a:noFill/>
+                      <a:prstDash val="solid"/>
+                    </a:lnB>
+                    <a:solidFill>
+                      <a:srgbClr val="000000">
+                        <a:alpha val="7843"/>
+                      </a:srgbClr>
+                    </a:solidFill>
+                  </a:tcPr>
+                </a:tc>
+                <a:tc>
+                  <a:txBody>
+                    <a:bodyPr/>
+                    <a:lstStyle/>
+                    <a:p>
+                      <a:pPr marL="0" marR="0" lvl="0" indent="0" algn="l" defTabSz="914400" rtl="0" eaLnBrk="1" fontAlgn="auto" latinLnBrk="0" hangingPunct="1">
+                        <a:lnSpc>
+                          <a:spcPct val="100000"/>
+                        </a:lnSpc>
+                        <a:spcBef>
+                          <a:spcPts val="0"/>
+                        </a:spcBef>
+                        <a:spcAft>
+                          <a:spcPts val="0"/>
+                        </a:spcAft>
+                        <a:buClrTx/>
+                        <a:buSzTx/>
+                        <a:buFontTx/>
+                        <a:buNone/>
+                        <a:tabLst/>
+                        <a:defRPr/>
+                      </a:pPr>
+                      <a:r>
+                        <a:rPr lang="en-US" sz="1400" cap="none" spc="0" dirty="0">
+                          <a:solidFill>
+                            <a:schemeClr val="tx1"/>
+                          </a:solidFill>
+                        </a:rPr>
+                        <a:t>Lorem ipsum et tula lorem ipsum et lorem ipsum </a:t>
+                      </a:r>
+                    </a:p>
+                    <a:p>
+                      <a:endParaRPr lang="en-US" sz="1400" cap="none" spc="0" dirty="0">
+                        <a:solidFill>
+                          <a:schemeClr val="tx1"/>
+                        </a:solidFill>
+                      </a:endParaRPr>
+                    </a:p>
+                  </a:txBody>
+                  <a:tcPr marL="151061" marR="151061" marT="151061" marB="151061">
+                    <a:lnL w="12700" cmpd="sng">
+                      <a:noFill/>
+                      <a:prstDash val="solid"/>
+                    </a:lnL>
+                    <a:lnR w="12700" cmpd="sng">
+                      <a:noFill/>
+                      <a:prstDash val="solid"/>
+                    </a:lnR>
+                    <a:lnT w="12700" cmpd="sng">
+                      <a:noFill/>
+                      <a:prstDash val="solid"/>
+                    </a:lnT>
+                    <a:lnB w="12700" cmpd="sng">
+                      <a:noFill/>
+                      <a:prstDash val="solid"/>
+                    </a:lnB>
+                    <a:solidFill>
+                      <a:srgbClr val="000000">
+                        <a:alpha val="7843"/>
+                      </a:srgbClr>
+                    </a:solidFill>
+                  </a:tcPr>
+                </a:tc>
+                <a:extLst>
+                  <a:ext uri="{0D108BD9-81ED-4DB2-BD59-A6C34878D82A}">
+                    <a16:rowId xmlns:a16="http://schemas.microsoft.com/office/drawing/2014/main" val="4252228359"/>
+                  </a:ext>
+                </a:extLst>
+              </a:tr>
+              <a:tr h="978778">
+                <a:tc>
+                  <a:txBody>
+                    <a:bodyPr/>
+                    <a:lstStyle/>
+                    <a:p>
+                      <a:pPr marL="0" marR="0" lvl="0" indent="0" algn="l" defTabSz="914400" rtl="0" eaLnBrk="1" fontAlgn="auto" latinLnBrk="0" hangingPunct="1">
+                        <a:lnSpc>
+                          <a:spcPct val="100000"/>
+                        </a:lnSpc>
+                        <a:spcBef>
+                          <a:spcPts val="0"/>
+                        </a:spcBef>
+                        <a:spcAft>
+                          <a:spcPts val="0"/>
+                        </a:spcAft>
+                        <a:buClrTx/>
+                        <a:buSzTx/>
+                        <a:buFontTx/>
+                        <a:buNone/>
+                        <a:tabLst/>
+                        <a:defRPr/>
+                      </a:pPr>
+                      <a:r>
+                        <a:rPr lang="en-US" sz="1400" cap="none" spc="0" dirty="0">
+                          <a:solidFill>
+                            <a:schemeClr val="tx1"/>
+                          </a:solidFill>
+                        </a:rPr>
+                        <a:t>Lorem ipsum et tula lorem ipsum et lorem ipsum </a:t>
+                      </a:r>
+                    </a:p>
+                    <a:p>
+                      <a:endParaRPr lang="en-US" sz="1400" cap="none" spc="0" dirty="0">
+                        <a:solidFill>
+                          <a:schemeClr val="tx1"/>
+                        </a:solidFill>
+                      </a:endParaRPr>
+                    </a:p>
+                  </a:txBody>
+                  <a:tcPr marL="151061" marR="151061" marT="151061" marB="151061">
+                    <a:lnL w="12700" cmpd="sng">
+                      <a:noFill/>
+                      <a:prstDash val="solid"/>
+                    </a:lnL>
+                    <a:lnR w="12700" cmpd="sng">
+                      <a:noFill/>
+                      <a:prstDash val="solid"/>
+                    </a:lnR>
+                    <a:lnT w="12700" cmpd="sng">
+                      <a:noFill/>
+                      <a:prstDash val="solid"/>
+                    </a:lnT>
+                    <a:lnB w="12700" cmpd="sng">
+                      <a:noFill/>
+                      <a:prstDash val="solid"/>
+                    </a:lnB>
+                    <a:noFill/>
+                  </a:tcPr>
+                </a:tc>
+                <a:tc>
+                  <a:txBody>
+                    <a:bodyPr/>
+                    <a:lstStyle/>
+                    <a:p>
+                      <a:pPr marL="0" marR="0" lvl="0" indent="0" algn="l" defTabSz="914400" rtl="0" eaLnBrk="1" fontAlgn="auto" latinLnBrk="0" hangingPunct="1">
+                        <a:lnSpc>
+                          <a:spcPct val="100000"/>
+                        </a:lnSpc>
+                        <a:spcBef>
+                          <a:spcPts val="0"/>
+                        </a:spcBef>
+                        <a:spcAft>
+                          <a:spcPts val="0"/>
+                        </a:spcAft>
+                        <a:buClrTx/>
+                        <a:buSzTx/>
+                        <a:buFontTx/>
+                        <a:buNone/>
+                        <a:tabLst/>
+                        <a:defRPr/>
+                      </a:pPr>
+                      <a:r>
+                        <a:rPr lang="en-US" sz="1400" cap="none" spc="0" dirty="0">
+                          <a:solidFill>
+                            <a:schemeClr val="tx1"/>
+                          </a:solidFill>
+                        </a:rPr>
+                        <a:t>Lorem ipsum et tula lorem ipsum et lorem ipsum </a:t>
+                      </a:r>
+                    </a:p>
+                    <a:p>
+                      <a:endParaRPr lang="en-US" sz="1400" cap="none" spc="0" dirty="0">
+                        <a:solidFill>
+                          <a:schemeClr val="tx1"/>
+                        </a:solidFill>
+                      </a:endParaRPr>
+                    </a:p>
+                  </a:txBody>
+                  <a:tcPr marL="151061" marR="151061" marT="151061" marB="151061">
+                    <a:lnL w="12700" cmpd="sng">
+                      <a:noFill/>
+                      <a:prstDash val="solid"/>
+                    </a:lnL>
+                    <a:lnR w="12700" cmpd="sng">
+                      <a:noFill/>
+                      <a:prstDash val="solid"/>
+                    </a:lnR>
+                    <a:lnT w="12700" cmpd="sng">
+                      <a:noFill/>
+                      <a:prstDash val="solid"/>
+                    </a:lnT>
+                    <a:lnB w="12700" cmpd="sng">
+                      <a:noFill/>
+                      <a:prstDash val="solid"/>
+                    </a:lnB>
+                    <a:noFill/>
+                  </a:tcPr>
+                </a:tc>
+                <a:tc>
+                  <a:txBody>
+                    <a:bodyPr/>
+                    <a:lstStyle/>
+                    <a:p>
+                      <a:pPr marL="0" marR="0" lvl="0" indent="0" algn="l" defTabSz="914400" rtl="0" eaLnBrk="1" fontAlgn="auto" latinLnBrk="0" hangingPunct="1">
+                        <a:lnSpc>
+                          <a:spcPct val="100000"/>
+                        </a:lnSpc>
+                        <a:spcBef>
+                          <a:spcPts val="0"/>
+                        </a:spcBef>
+                        <a:spcAft>
+                          <a:spcPts val="0"/>
+                        </a:spcAft>
+                        <a:buClrTx/>
+                        <a:buSzTx/>
+                        <a:buFontTx/>
+                        <a:buNone/>
+                        <a:tabLst/>
+                        <a:defRPr/>
+                      </a:pPr>
+                      <a:r>
+                        <a:rPr lang="en-US" sz="1400" cap="none" spc="0" dirty="0">
+                          <a:solidFill>
+                            <a:schemeClr val="tx1"/>
+                          </a:solidFill>
+                        </a:rPr>
+                        <a:t>Lorem ipsum et tula lorem ipsum et lorem ipsum </a:t>
+                      </a:r>
+                    </a:p>
+                    <a:p>
+                      <a:endParaRPr lang="en-US" sz="1400" cap="none" spc="0" dirty="0">
+                        <a:solidFill>
+                          <a:schemeClr val="tx1"/>
+                        </a:solidFill>
+                      </a:endParaRPr>
+                    </a:p>
+                  </a:txBody>
+                  <a:tcPr marL="151061" marR="151061" marT="151061" marB="151061">
+                    <a:lnL w="12700" cmpd="sng">
+                      <a:noFill/>
+                      <a:prstDash val="solid"/>
+                    </a:lnL>
+                    <a:lnR w="12700" cmpd="sng">
+                      <a:noFill/>
+                      <a:prstDash val="solid"/>
+                    </a:lnR>
+                    <a:lnT w="12700" cmpd="sng">
+                      <a:noFill/>
+                      <a:prstDash val="solid"/>
+                    </a:lnT>
+                    <a:lnB w="12700" cmpd="sng">
+                      <a:noFill/>
+                      <a:prstDash val="solid"/>
+                    </a:lnB>
+                    <a:noFill/>
+                  </a:tcPr>
+                </a:tc>
+                <a:tc>
+                  <a:txBody>
+                    <a:bodyPr/>
+                    <a:lstStyle/>
+                    <a:p>
+                      <a:pPr marL="0" marR="0" lvl="0" indent="0" algn="l" defTabSz="914400" rtl="0" eaLnBrk="1" fontAlgn="auto" latinLnBrk="0" hangingPunct="1">
+                        <a:lnSpc>
+                          <a:spcPct val="100000"/>
+                        </a:lnSpc>
+                        <a:spcBef>
+                          <a:spcPts val="0"/>
+                        </a:spcBef>
+                        <a:spcAft>
+                          <a:spcPts val="0"/>
+                        </a:spcAft>
+                        <a:buClrTx/>
+                        <a:buSzTx/>
+                        <a:buFontTx/>
+                        <a:buNone/>
+                        <a:tabLst/>
+                        <a:defRPr/>
+                      </a:pPr>
+                      <a:r>
+                        <a:rPr lang="en-US" sz="1400" cap="none" spc="0" dirty="0">
+                          <a:solidFill>
+                            <a:schemeClr val="tx1"/>
+                          </a:solidFill>
+                        </a:rPr>
+                        <a:t>Lorem ipsum et tula lorem ipsum et lorem ipsum </a:t>
+                      </a:r>
+                    </a:p>
+                    <a:p>
+                      <a:endParaRPr lang="en-US" sz="1400" cap="none" spc="0" dirty="0">
+                        <a:solidFill>
+                          <a:schemeClr val="tx1"/>
+                        </a:solidFill>
+                      </a:endParaRPr>
+                    </a:p>
+                  </a:txBody>
+                  <a:tcPr marL="151061" marR="151061" marT="151061" marB="151061">
+                    <a:lnL w="12700" cmpd="sng">
+                      <a:noFill/>
+                      <a:prstDash val="solid"/>
+                    </a:lnL>
+                    <a:lnR w="12700" cmpd="sng">
+                      <a:noFill/>
+                      <a:prstDash val="solid"/>
+                    </a:lnR>
+                    <a:lnT w="12700" cmpd="sng">
+                      <a:noFill/>
+                      <a:prstDash val="solid"/>
+                    </a:lnT>
+                    <a:lnB w="12700" cmpd="sng">
+                      <a:noFill/>
+                      <a:prstDash val="solid"/>
+                    </a:lnB>
+                    <a:noFill/>
+                  </a:tcPr>
+                </a:tc>
+                <a:extLst>
+                  <a:ext uri="{0D108BD9-81ED-4DB2-BD59-A6C34878D82A}">
+                    <a16:rowId xmlns:a16="http://schemas.microsoft.com/office/drawing/2014/main" val="2578144993"/>
+                  </a:ext>
+                </a:extLst>
+              </a:tr>
+            </a:tbl>
+          </a:graphicData>
+        </a:graphic>
+      </p:graphicFrame>
+    </p:spTree>
+    <p:extLst>
+      <p:ext uri="{BB962C8B-B14F-4D97-AF65-F5344CB8AC3E}">
+        <p14:creationId xmlns:p14="http://schemas.microsoft.com/office/powerpoint/2010/main" val="956794769"/>
+      </p:ext>
+    </p:extLst>
+  </p:cSld>
+  <p:clrMapOvr>
+    <a:masterClrMapping/>
   </p:clrMapOvr>
 </p:sld>
 </file>
@@ -4015,7 +7604,7 @@
           <a:p>
             <a:r>
               <a:rPr lang="en-US" dirty="0"/>
-              <a:t>Hypotheses </a:t>
+              <a:t>Dataset</a:t>
             </a:r>
           </a:p>
         </p:txBody>
@@ -4218,7 +7807,7 @@
     </p:spTree>
     <p:extLst>
       <p:ext uri="{BB962C8B-B14F-4D97-AF65-F5344CB8AC3E}">
-        <p14:creationId xmlns:p14="http://schemas.microsoft.com/office/powerpoint/2010/main" val="2671476118"/>
+        <p14:creationId xmlns:p14="http://schemas.microsoft.com/office/powerpoint/2010/main" val="402578749"/>
       </p:ext>
     </p:extLst>
   </p:cSld>
@@ -4283,7 +7872,7 @@
           <a:p>
             <a:r>
               <a:rPr lang="en-US" dirty="0"/>
-              <a:t>Dataset</a:t>
+              <a:t>Hypotheses </a:t>
             </a:r>
           </a:p>
         </p:txBody>
@@ -4486,7 +8075,7 @@
     </p:spTree>
     <p:extLst>
       <p:ext uri="{BB962C8B-B14F-4D97-AF65-F5344CB8AC3E}">
-        <p14:creationId xmlns:p14="http://schemas.microsoft.com/office/powerpoint/2010/main" val="402578749"/>
+        <p14:creationId xmlns:p14="http://schemas.microsoft.com/office/powerpoint/2010/main" val="2671476118"/>
       </p:ext>
     </p:extLst>
   </p:cSld>
@@ -5511,962 +9100,38 @@
           <a:chExt cx="0" cy="0"/>
         </a:xfrm>
       </p:grpSpPr>
-      <p:sp>
-        <p:nvSpPr>
-          <p:cNvPr id="2" name="Title 1">
+      <p:pic>
+        <p:nvPicPr>
+          <p:cNvPr id="9" name="Content Placeholder 8">
             <a:extLst>
               <a:ext uri="{FF2B5EF4-FFF2-40B4-BE49-F238E27FC236}">
-                <a16:creationId xmlns:a16="http://schemas.microsoft.com/office/drawing/2014/main" id="{75AC86D3-8FD1-4F47-A319-7D0542E48B2F}"/>
+                <a16:creationId xmlns:a16="http://schemas.microsoft.com/office/drawing/2014/main" id="{69FDDE4D-2C79-38F8-077F-4660A7584DE1}"/>
               </a:ext>
             </a:extLst>
           </p:cNvPr>
-          <p:cNvSpPr>
-            <a:spLocks noGrp="1"/>
-          </p:cNvSpPr>
-          <p:nvPr>
-            <p:ph type="title"/>
-          </p:nvPr>
-        </p:nvSpPr>
-        <p:spPr>
-          <a:xfrm>
-            <a:off x="1097280" y="286603"/>
-            <a:ext cx="10058400" cy="1450757"/>
-          </a:xfrm>
-        </p:spPr>
-        <p:txBody>
-          <a:bodyPr vert="horz" lIns="91440" tIns="45720" rIns="91440" bIns="45720" rtlCol="0">
-            <a:normAutofit/>
-          </a:bodyPr>
-          <a:lstStyle/>
-          <a:p>
-            <a:r>
-              <a:rPr lang="en-US" dirty="0"/>
-              <a:t>Data Distribution </a:t>
-            </a:r>
-          </a:p>
-        </p:txBody>
-      </p:sp>
-      <p:graphicFrame>
-        <p:nvGraphicFramePr>
-          <p:cNvPr id="4" name="Table 4">
-            <a:extLst>
-              <a:ext uri="{FF2B5EF4-FFF2-40B4-BE49-F238E27FC236}">
-                <a16:creationId xmlns:a16="http://schemas.microsoft.com/office/drawing/2014/main" id="{C266CDD0-3E96-40BD-8324-62D1DD86152D}"/>
-              </a:ext>
-            </a:extLst>
-          </p:cNvPr>
-          <p:cNvGraphicFramePr>
-            <a:graphicFrameLocks noGrp="1"/>
-          </p:cNvGraphicFramePr>
+          <p:cNvPicPr>
+            <a:picLocks noGrp="1" noChangeAspect="1"/>
+          </p:cNvPicPr>
           <p:nvPr>
             <p:ph idx="1"/>
           </p:nvPr>
-        </p:nvGraphicFramePr>
-        <p:xfrm>
-          <a:off x="1096963" y="2216879"/>
-          <a:ext cx="10058400" cy="3604216"/>
-        </p:xfrm>
-        <a:graphic>
-          <a:graphicData uri="http://schemas.openxmlformats.org/drawingml/2006/table">
-            <a:tbl>
-              <a:tblPr firstRow="1" bandRow="1">
-                <a:noFill/>
-                <a:tableStyleId>{3B4B98B0-60AC-42C2-AFA5-B58CD77FA1E5}</a:tableStyleId>
-              </a:tblPr>
-              <a:tblGrid>
-                <a:gridCol w="2514600">
-                  <a:extLst>
-                    <a:ext uri="{9D8B030D-6E8A-4147-A177-3AD203B41FA5}">
-                      <a16:colId xmlns:a16="http://schemas.microsoft.com/office/drawing/2014/main" val="2981917977"/>
-                    </a:ext>
-                  </a:extLst>
-                </a:gridCol>
-                <a:gridCol w="2514600">
-                  <a:extLst>
-                    <a:ext uri="{9D8B030D-6E8A-4147-A177-3AD203B41FA5}">
-                      <a16:colId xmlns:a16="http://schemas.microsoft.com/office/drawing/2014/main" val="945233394"/>
-                    </a:ext>
-                  </a:extLst>
-                </a:gridCol>
-                <a:gridCol w="2514600">
-                  <a:extLst>
-                    <a:ext uri="{9D8B030D-6E8A-4147-A177-3AD203B41FA5}">
-                      <a16:colId xmlns:a16="http://schemas.microsoft.com/office/drawing/2014/main" val="2572263168"/>
-                    </a:ext>
-                  </a:extLst>
-                </a:gridCol>
-                <a:gridCol w="2514600">
-                  <a:extLst>
-                    <a:ext uri="{9D8B030D-6E8A-4147-A177-3AD203B41FA5}">
-                      <a16:colId xmlns:a16="http://schemas.microsoft.com/office/drawing/2014/main" val="1765783061"/>
-                    </a:ext>
-                  </a:extLst>
-                </a:gridCol>
-              </a:tblGrid>
-              <a:tr h="613018">
-                <a:tc>
-                  <a:txBody>
-                    <a:bodyPr/>
-                    <a:lstStyle/>
-                    <a:p>
-                      <a:r>
-                        <a:rPr lang="en-US" sz="2400" b="0" cap="all" spc="150" dirty="0">
-                          <a:solidFill>
-                            <a:schemeClr val="lt1"/>
-                          </a:solidFill>
-                        </a:rPr>
-                        <a:t>Q1</a:t>
-                      </a:r>
-                    </a:p>
-                  </a:txBody>
-                  <a:tcPr marL="151061" marR="151061" marT="151061" marB="151061">
-                    <a:lnL w="12700" cmpd="sng">
-                      <a:noFill/>
-                    </a:lnL>
-                    <a:lnR w="12700" cmpd="sng">
-                      <a:noFill/>
-                    </a:lnR>
-                    <a:lnT w="12700" cmpd="sng">
-                      <a:noFill/>
-                    </a:lnT>
-                    <a:lnB w="38100" cmpd="sng">
-                      <a:noFill/>
-                    </a:lnB>
-                    <a:solidFill>
-                      <a:schemeClr val="accent1"/>
-                    </a:solidFill>
-                  </a:tcPr>
-                </a:tc>
-                <a:tc>
-                  <a:txBody>
-                    <a:bodyPr/>
-                    <a:lstStyle/>
-                    <a:p>
-                      <a:r>
-                        <a:rPr lang="en-US" sz="2400" b="0" cap="all" spc="150" dirty="0">
-                          <a:solidFill>
-                            <a:schemeClr val="lt1"/>
-                          </a:solidFill>
-                        </a:rPr>
-                        <a:t>Q2</a:t>
-                      </a:r>
-                    </a:p>
-                  </a:txBody>
-                  <a:tcPr marL="151061" marR="151061" marT="151061" marB="151061">
-                    <a:lnL w="12700" cmpd="sng">
-                      <a:noFill/>
-                    </a:lnL>
-                    <a:lnR w="12700" cmpd="sng">
-                      <a:noFill/>
-                    </a:lnR>
-                    <a:lnT w="12700" cmpd="sng">
-                      <a:noFill/>
-                    </a:lnT>
-                    <a:lnB w="38100" cmpd="sng">
-                      <a:noFill/>
-                    </a:lnB>
-                    <a:solidFill>
-                      <a:schemeClr val="accent1"/>
-                    </a:solidFill>
-                  </a:tcPr>
-                </a:tc>
-                <a:tc>
-                  <a:txBody>
-                    <a:bodyPr/>
-                    <a:lstStyle/>
-                    <a:p>
-                      <a:r>
-                        <a:rPr lang="en-US" sz="2400" b="0" cap="all" spc="150" dirty="0">
-                          <a:solidFill>
-                            <a:schemeClr val="lt1"/>
-                          </a:solidFill>
-                        </a:rPr>
-                        <a:t>Q3</a:t>
-                      </a:r>
-                    </a:p>
-                  </a:txBody>
-                  <a:tcPr marL="151061" marR="151061" marT="151061" marB="151061">
-                    <a:lnL w="12700" cmpd="sng">
-                      <a:noFill/>
-                    </a:lnL>
-                    <a:lnR w="12700" cmpd="sng">
-                      <a:noFill/>
-                    </a:lnR>
-                    <a:lnT w="12700" cmpd="sng">
-                      <a:noFill/>
-                    </a:lnT>
-                    <a:lnB w="38100" cmpd="sng">
-                      <a:noFill/>
-                    </a:lnB>
-                    <a:solidFill>
-                      <a:schemeClr val="accent1"/>
-                    </a:solidFill>
-                  </a:tcPr>
-                </a:tc>
-                <a:tc>
-                  <a:txBody>
-                    <a:bodyPr/>
-                    <a:lstStyle/>
-                    <a:p>
-                      <a:r>
-                        <a:rPr lang="en-US" sz="2400" b="0" cap="all" spc="150" dirty="0">
-                          <a:solidFill>
-                            <a:schemeClr val="lt1"/>
-                          </a:solidFill>
-                        </a:rPr>
-                        <a:t>Q4</a:t>
-                      </a:r>
-                    </a:p>
-                  </a:txBody>
-                  <a:tcPr marL="151061" marR="151061" marT="151061" marB="151061">
-                    <a:lnL w="12700" cmpd="sng">
-                      <a:noFill/>
-                    </a:lnL>
-                    <a:lnR w="12700" cmpd="sng">
-                      <a:noFill/>
-                    </a:lnR>
-                    <a:lnT w="12700" cmpd="sng">
-                      <a:noFill/>
-                    </a:lnT>
-                    <a:lnB w="38100" cmpd="sng">
-                      <a:noFill/>
-                    </a:lnB>
-                    <a:solidFill>
-                      <a:schemeClr val="accent1"/>
-                    </a:solidFill>
-                  </a:tcPr>
-                </a:tc>
-                <a:extLst>
-                  <a:ext uri="{0D108BD9-81ED-4DB2-BD59-A6C34878D82A}">
-                    <a16:rowId xmlns:a16="http://schemas.microsoft.com/office/drawing/2014/main" val="2580512675"/>
-                  </a:ext>
-                </a:extLst>
-              </a:tr>
-              <a:tr h="978778">
-                <a:tc>
-                  <a:txBody>
-                    <a:bodyPr/>
-                    <a:lstStyle/>
-                    <a:p>
-                      <a:r>
-                        <a:rPr lang="en-US" sz="1400" cap="none" spc="0" dirty="0">
-                          <a:solidFill>
-                            <a:schemeClr val="tx1"/>
-                          </a:solidFill>
-                        </a:rPr>
-                        <a:t>Lorem ipsum et tula lorem ipsum et lorem ipsum </a:t>
-                      </a:r>
-                    </a:p>
-                  </a:txBody>
-                  <a:tcPr marL="151061" marR="151061" marT="151061" marB="151061">
-                    <a:lnL w="12700" cmpd="sng">
-                      <a:noFill/>
-                      <a:prstDash val="solid"/>
-                    </a:lnL>
-                    <a:lnR w="12700" cmpd="sng">
-                      <a:noFill/>
-                      <a:prstDash val="solid"/>
-                    </a:lnR>
-                    <a:lnT w="38100" cmpd="sng">
-                      <a:noFill/>
-                    </a:lnT>
-                    <a:lnB w="12700" cmpd="sng">
-                      <a:noFill/>
-                      <a:prstDash val="solid"/>
-                    </a:lnB>
-                    <a:noFill/>
-                  </a:tcPr>
-                </a:tc>
-                <a:tc>
-                  <a:txBody>
-                    <a:bodyPr/>
-                    <a:lstStyle/>
-                    <a:p>
-                      <a:pPr marL="0" marR="0" lvl="0" indent="0" algn="l" defTabSz="914400" rtl="0" eaLnBrk="1" fontAlgn="auto" latinLnBrk="0" hangingPunct="1">
-                        <a:lnSpc>
-                          <a:spcPct val="100000"/>
-                        </a:lnSpc>
-                        <a:spcBef>
-                          <a:spcPts val="0"/>
-                        </a:spcBef>
-                        <a:spcAft>
-                          <a:spcPts val="0"/>
-                        </a:spcAft>
-                        <a:buClrTx/>
-                        <a:buSzTx/>
-                        <a:buFontTx/>
-                        <a:buNone/>
-                        <a:tabLst/>
-                        <a:defRPr/>
-                      </a:pPr>
-                      <a:r>
-                        <a:rPr lang="en-US" sz="1400" cap="none" spc="0" dirty="0">
-                          <a:solidFill>
-                            <a:schemeClr val="tx1"/>
-                          </a:solidFill>
-                        </a:rPr>
-                        <a:t>Lorem ipsum et tula lorem ipsum et lorem ipsum </a:t>
-                      </a:r>
-                    </a:p>
-                    <a:p>
-                      <a:endParaRPr lang="en-US" sz="1400" cap="none" spc="0" dirty="0">
-                        <a:solidFill>
-                          <a:schemeClr val="tx1"/>
-                        </a:solidFill>
-                      </a:endParaRPr>
-                    </a:p>
-                  </a:txBody>
-                  <a:tcPr marL="151061" marR="151061" marT="151061" marB="151061">
-                    <a:lnL w="12700" cmpd="sng">
-                      <a:noFill/>
-                      <a:prstDash val="solid"/>
-                    </a:lnL>
-                    <a:lnR w="12700" cmpd="sng">
-                      <a:noFill/>
-                      <a:prstDash val="solid"/>
-                    </a:lnR>
-                    <a:lnT w="38100" cmpd="sng">
-                      <a:noFill/>
-                    </a:lnT>
-                    <a:lnB w="12700" cmpd="sng">
-                      <a:noFill/>
-                      <a:prstDash val="solid"/>
-                    </a:lnB>
-                    <a:noFill/>
-                  </a:tcPr>
-                </a:tc>
-                <a:tc>
-                  <a:txBody>
-                    <a:bodyPr/>
-                    <a:lstStyle/>
-                    <a:p>
-                      <a:pPr marL="0" marR="0" lvl="0" indent="0" algn="l" defTabSz="914400" rtl="0" eaLnBrk="1" fontAlgn="auto" latinLnBrk="0" hangingPunct="1">
-                        <a:lnSpc>
-                          <a:spcPct val="100000"/>
-                        </a:lnSpc>
-                        <a:spcBef>
-                          <a:spcPts val="0"/>
-                        </a:spcBef>
-                        <a:spcAft>
-                          <a:spcPts val="0"/>
-                        </a:spcAft>
-                        <a:buClrTx/>
-                        <a:buSzTx/>
-                        <a:buFontTx/>
-                        <a:buNone/>
-                        <a:tabLst/>
-                        <a:defRPr/>
-                      </a:pPr>
-                      <a:r>
-                        <a:rPr lang="en-US" sz="1400" cap="none" spc="0" dirty="0">
-                          <a:solidFill>
-                            <a:schemeClr val="tx1"/>
-                          </a:solidFill>
-                        </a:rPr>
-                        <a:t>Lorem ipsum et tula lorem ipsum et lorem ipsum </a:t>
-                      </a:r>
-                    </a:p>
-                    <a:p>
-                      <a:endParaRPr lang="en-US" sz="1400" cap="none" spc="0" dirty="0">
-                        <a:solidFill>
-                          <a:schemeClr val="tx1"/>
-                        </a:solidFill>
-                      </a:endParaRPr>
-                    </a:p>
-                  </a:txBody>
-                  <a:tcPr marL="151061" marR="151061" marT="151061" marB="151061">
-                    <a:lnL w="12700" cmpd="sng">
-                      <a:noFill/>
-                      <a:prstDash val="solid"/>
-                    </a:lnL>
-                    <a:lnR w="12700" cmpd="sng">
-                      <a:noFill/>
-                      <a:prstDash val="solid"/>
-                    </a:lnR>
-                    <a:lnT w="38100" cmpd="sng">
-                      <a:noFill/>
-                    </a:lnT>
-                    <a:lnB w="12700" cmpd="sng">
-                      <a:noFill/>
-                      <a:prstDash val="solid"/>
-                    </a:lnB>
-                    <a:noFill/>
-                  </a:tcPr>
-                </a:tc>
-                <a:tc>
-                  <a:txBody>
-                    <a:bodyPr/>
-                    <a:lstStyle/>
-                    <a:p>
-                      <a:pPr marL="0" marR="0" lvl="0" indent="0" algn="l" defTabSz="914400" rtl="0" eaLnBrk="1" fontAlgn="auto" latinLnBrk="0" hangingPunct="1">
-                        <a:lnSpc>
-                          <a:spcPct val="100000"/>
-                        </a:lnSpc>
-                        <a:spcBef>
-                          <a:spcPts val="0"/>
-                        </a:spcBef>
-                        <a:spcAft>
-                          <a:spcPts val="0"/>
-                        </a:spcAft>
-                        <a:buClrTx/>
-                        <a:buSzTx/>
-                        <a:buFontTx/>
-                        <a:buNone/>
-                        <a:tabLst/>
-                        <a:defRPr/>
-                      </a:pPr>
-                      <a:r>
-                        <a:rPr lang="en-US" sz="1400" cap="none" spc="0" dirty="0">
-                          <a:solidFill>
-                            <a:schemeClr val="tx1"/>
-                          </a:solidFill>
-                        </a:rPr>
-                        <a:t>Lorem ipsum et tula lorem ipsum et lorem ipsum </a:t>
-                      </a:r>
-                    </a:p>
-                    <a:p>
-                      <a:endParaRPr lang="en-US" sz="1400" cap="none" spc="0" dirty="0">
-                        <a:solidFill>
-                          <a:schemeClr val="tx1"/>
-                        </a:solidFill>
-                      </a:endParaRPr>
-                    </a:p>
-                  </a:txBody>
-                  <a:tcPr marL="151061" marR="151061" marT="151061" marB="151061">
-                    <a:lnL w="12700" cmpd="sng">
-                      <a:noFill/>
-                      <a:prstDash val="solid"/>
-                    </a:lnL>
-                    <a:lnR w="12700" cmpd="sng">
-                      <a:noFill/>
-                      <a:prstDash val="solid"/>
-                    </a:lnR>
-                    <a:lnT w="38100" cmpd="sng">
-                      <a:noFill/>
-                    </a:lnT>
-                    <a:lnB w="12700" cmpd="sng">
-                      <a:noFill/>
-                      <a:prstDash val="solid"/>
-                    </a:lnB>
-                    <a:noFill/>
-                  </a:tcPr>
-                </a:tc>
-                <a:extLst>
-                  <a:ext uri="{0D108BD9-81ED-4DB2-BD59-A6C34878D82A}">
-                    <a16:rowId xmlns:a16="http://schemas.microsoft.com/office/drawing/2014/main" val="2085369860"/>
-                  </a:ext>
-                </a:extLst>
-              </a:tr>
-              <a:tr h="978778">
-                <a:tc>
-                  <a:txBody>
-                    <a:bodyPr/>
-                    <a:lstStyle/>
-                    <a:p>
-                      <a:pPr marL="0" marR="0" lvl="0" indent="0" algn="l" defTabSz="914400" rtl="0" eaLnBrk="1" fontAlgn="auto" latinLnBrk="0" hangingPunct="1">
-                        <a:lnSpc>
-                          <a:spcPct val="100000"/>
-                        </a:lnSpc>
-                        <a:spcBef>
-                          <a:spcPts val="0"/>
-                        </a:spcBef>
-                        <a:spcAft>
-                          <a:spcPts val="0"/>
-                        </a:spcAft>
-                        <a:buClrTx/>
-                        <a:buSzTx/>
-                        <a:buFontTx/>
-                        <a:buNone/>
-                        <a:tabLst/>
-                        <a:defRPr/>
-                      </a:pPr>
-                      <a:r>
-                        <a:rPr lang="en-US" sz="1400" cap="none" spc="0" dirty="0">
-                          <a:solidFill>
-                            <a:schemeClr val="tx1"/>
-                          </a:solidFill>
-                        </a:rPr>
-                        <a:t>Lorem ipsum et tula lorem ipsum et lorem ipsum </a:t>
-                      </a:r>
-                    </a:p>
-                    <a:p>
-                      <a:endParaRPr lang="en-US" sz="1400" cap="none" spc="0" dirty="0">
-                        <a:solidFill>
-                          <a:schemeClr val="tx1"/>
-                        </a:solidFill>
-                      </a:endParaRPr>
-                    </a:p>
-                  </a:txBody>
-                  <a:tcPr marL="151061" marR="151061" marT="151061" marB="151061">
-                    <a:lnL w="12700" cmpd="sng">
-                      <a:noFill/>
-                      <a:prstDash val="solid"/>
-                    </a:lnL>
-                    <a:lnR w="12700" cmpd="sng">
-                      <a:noFill/>
-                      <a:prstDash val="solid"/>
-                    </a:lnR>
-                    <a:lnT w="12700" cmpd="sng">
-                      <a:noFill/>
-                      <a:prstDash val="solid"/>
-                    </a:lnT>
-                    <a:lnB w="12700" cmpd="sng">
-                      <a:noFill/>
-                      <a:prstDash val="solid"/>
-                    </a:lnB>
-                    <a:solidFill>
-                      <a:srgbClr val="000000">
-                        <a:alpha val="7843"/>
-                      </a:srgbClr>
-                    </a:solidFill>
-                  </a:tcPr>
-                </a:tc>
-                <a:tc>
-                  <a:txBody>
-                    <a:bodyPr/>
-                    <a:lstStyle/>
-                    <a:p>
-                      <a:pPr marL="0" marR="0" lvl="0" indent="0" algn="l" defTabSz="914400" rtl="0" eaLnBrk="1" fontAlgn="auto" latinLnBrk="0" hangingPunct="1">
-                        <a:lnSpc>
-                          <a:spcPct val="100000"/>
-                        </a:lnSpc>
-                        <a:spcBef>
-                          <a:spcPts val="0"/>
-                        </a:spcBef>
-                        <a:spcAft>
-                          <a:spcPts val="0"/>
-                        </a:spcAft>
-                        <a:buClrTx/>
-                        <a:buSzTx/>
-                        <a:buFontTx/>
-                        <a:buNone/>
-                        <a:tabLst/>
-                        <a:defRPr/>
-                      </a:pPr>
-                      <a:r>
-                        <a:rPr lang="en-US" sz="1400" cap="none" spc="0" dirty="0">
-                          <a:solidFill>
-                            <a:schemeClr val="tx1"/>
-                          </a:solidFill>
-                        </a:rPr>
-                        <a:t>Lorem ipsum et tula lorem ipsum et lorem ipsum </a:t>
-                      </a:r>
-                    </a:p>
-                    <a:p>
-                      <a:endParaRPr lang="en-US" sz="1400" cap="none" spc="0" dirty="0">
-                        <a:solidFill>
-                          <a:schemeClr val="tx1"/>
-                        </a:solidFill>
-                      </a:endParaRPr>
-                    </a:p>
-                  </a:txBody>
-                  <a:tcPr marL="151061" marR="151061" marT="151061" marB="151061">
-                    <a:lnL w="12700" cmpd="sng">
-                      <a:noFill/>
-                      <a:prstDash val="solid"/>
-                    </a:lnL>
-                    <a:lnR w="12700" cmpd="sng">
-                      <a:noFill/>
-                      <a:prstDash val="solid"/>
-                    </a:lnR>
-                    <a:lnT w="12700" cmpd="sng">
-                      <a:noFill/>
-                      <a:prstDash val="solid"/>
-                    </a:lnT>
-                    <a:lnB w="12700" cmpd="sng">
-                      <a:noFill/>
-                      <a:prstDash val="solid"/>
-                    </a:lnB>
-                    <a:solidFill>
-                      <a:srgbClr val="000000">
-                        <a:alpha val="7843"/>
-                      </a:srgbClr>
-                    </a:solidFill>
-                  </a:tcPr>
-                </a:tc>
-                <a:tc>
-                  <a:txBody>
-                    <a:bodyPr/>
-                    <a:lstStyle/>
-                    <a:p>
-                      <a:pPr marL="0" marR="0" lvl="0" indent="0" algn="l" defTabSz="914400" rtl="0" eaLnBrk="1" fontAlgn="auto" latinLnBrk="0" hangingPunct="1">
-                        <a:lnSpc>
-                          <a:spcPct val="100000"/>
-                        </a:lnSpc>
-                        <a:spcBef>
-                          <a:spcPts val="0"/>
-                        </a:spcBef>
-                        <a:spcAft>
-                          <a:spcPts val="0"/>
-                        </a:spcAft>
-                        <a:buClrTx/>
-                        <a:buSzTx/>
-                        <a:buFontTx/>
-                        <a:buNone/>
-                        <a:tabLst/>
-                        <a:defRPr/>
-                      </a:pPr>
-                      <a:r>
-                        <a:rPr lang="en-US" sz="1400" cap="none" spc="0" dirty="0">
-                          <a:solidFill>
-                            <a:schemeClr val="tx1"/>
-                          </a:solidFill>
-                        </a:rPr>
-                        <a:t>Lorem ipsum et tula lorem ipsum et lorem ipsum </a:t>
-                      </a:r>
-                    </a:p>
-                    <a:p>
-                      <a:endParaRPr lang="en-US" sz="1400" cap="none" spc="0" dirty="0">
-                        <a:solidFill>
-                          <a:schemeClr val="tx1"/>
-                        </a:solidFill>
-                      </a:endParaRPr>
-                    </a:p>
-                  </a:txBody>
-                  <a:tcPr marL="151061" marR="151061" marT="151061" marB="151061">
-                    <a:lnL w="12700" cmpd="sng">
-                      <a:noFill/>
-                      <a:prstDash val="solid"/>
-                    </a:lnL>
-                    <a:lnR w="12700" cmpd="sng">
-                      <a:noFill/>
-                      <a:prstDash val="solid"/>
-                    </a:lnR>
-                    <a:lnT w="12700" cmpd="sng">
-                      <a:noFill/>
-                      <a:prstDash val="solid"/>
-                    </a:lnT>
-                    <a:lnB w="12700" cmpd="sng">
-                      <a:noFill/>
-                      <a:prstDash val="solid"/>
-                    </a:lnB>
-                    <a:solidFill>
-                      <a:srgbClr val="000000">
-                        <a:alpha val="7843"/>
-                      </a:srgbClr>
-                    </a:solidFill>
-                  </a:tcPr>
-                </a:tc>
-                <a:tc>
-                  <a:txBody>
-                    <a:bodyPr/>
-                    <a:lstStyle/>
-                    <a:p>
-                      <a:pPr marL="0" marR="0" lvl="0" indent="0" algn="l" defTabSz="914400" rtl="0" eaLnBrk="1" fontAlgn="auto" latinLnBrk="0" hangingPunct="1">
-                        <a:lnSpc>
-                          <a:spcPct val="100000"/>
-                        </a:lnSpc>
-                        <a:spcBef>
-                          <a:spcPts val="0"/>
-                        </a:spcBef>
-                        <a:spcAft>
-                          <a:spcPts val="0"/>
-                        </a:spcAft>
-                        <a:buClrTx/>
-                        <a:buSzTx/>
-                        <a:buFontTx/>
-                        <a:buNone/>
-                        <a:tabLst/>
-                        <a:defRPr/>
-                      </a:pPr>
-                      <a:r>
-                        <a:rPr lang="en-US" sz="1400" cap="none" spc="0" dirty="0">
-                          <a:solidFill>
-                            <a:schemeClr val="tx1"/>
-                          </a:solidFill>
-                        </a:rPr>
-                        <a:t>Lorem ipsum et tula lorem ipsum et lorem ipsum </a:t>
-                      </a:r>
-                    </a:p>
-                    <a:p>
-                      <a:endParaRPr lang="en-US" sz="1400" cap="none" spc="0" dirty="0">
-                        <a:solidFill>
-                          <a:schemeClr val="tx1"/>
-                        </a:solidFill>
-                      </a:endParaRPr>
-                    </a:p>
-                  </a:txBody>
-                  <a:tcPr marL="151061" marR="151061" marT="151061" marB="151061">
-                    <a:lnL w="12700" cmpd="sng">
-                      <a:noFill/>
-                      <a:prstDash val="solid"/>
-                    </a:lnL>
-                    <a:lnR w="12700" cmpd="sng">
-                      <a:noFill/>
-                      <a:prstDash val="solid"/>
-                    </a:lnR>
-                    <a:lnT w="12700" cmpd="sng">
-                      <a:noFill/>
-                      <a:prstDash val="solid"/>
-                    </a:lnT>
-                    <a:lnB w="12700" cmpd="sng">
-                      <a:noFill/>
-                      <a:prstDash val="solid"/>
-                    </a:lnB>
-                    <a:solidFill>
-                      <a:srgbClr val="000000">
-                        <a:alpha val="7843"/>
-                      </a:srgbClr>
-                    </a:solidFill>
-                  </a:tcPr>
-                </a:tc>
-                <a:extLst>
-                  <a:ext uri="{0D108BD9-81ED-4DB2-BD59-A6C34878D82A}">
-                    <a16:rowId xmlns:a16="http://schemas.microsoft.com/office/drawing/2014/main" val="4252228359"/>
-                  </a:ext>
-                </a:extLst>
-              </a:tr>
-              <a:tr h="978778">
-                <a:tc>
-                  <a:txBody>
-                    <a:bodyPr/>
-                    <a:lstStyle/>
-                    <a:p>
-                      <a:pPr marL="0" marR="0" lvl="0" indent="0" algn="l" defTabSz="914400" rtl="0" eaLnBrk="1" fontAlgn="auto" latinLnBrk="0" hangingPunct="1">
-                        <a:lnSpc>
-                          <a:spcPct val="100000"/>
-                        </a:lnSpc>
-                        <a:spcBef>
-                          <a:spcPts val="0"/>
-                        </a:spcBef>
-                        <a:spcAft>
-                          <a:spcPts val="0"/>
-                        </a:spcAft>
-                        <a:buClrTx/>
-                        <a:buSzTx/>
-                        <a:buFontTx/>
-                        <a:buNone/>
-                        <a:tabLst/>
-                        <a:defRPr/>
-                      </a:pPr>
-                      <a:r>
-                        <a:rPr lang="en-US" sz="1400" cap="none" spc="0" dirty="0">
-                          <a:solidFill>
-                            <a:schemeClr val="tx1"/>
-                          </a:solidFill>
-                        </a:rPr>
-                        <a:t>Lorem ipsum et tula lorem ipsum et lorem ipsum </a:t>
-                      </a:r>
-                    </a:p>
-                    <a:p>
-                      <a:endParaRPr lang="en-US" sz="1400" cap="none" spc="0" dirty="0">
-                        <a:solidFill>
-                          <a:schemeClr val="tx1"/>
-                        </a:solidFill>
-                      </a:endParaRPr>
-                    </a:p>
-                  </a:txBody>
-                  <a:tcPr marL="151061" marR="151061" marT="151061" marB="151061">
-                    <a:lnL w="12700" cmpd="sng">
-                      <a:noFill/>
-                      <a:prstDash val="solid"/>
-                    </a:lnL>
-                    <a:lnR w="12700" cmpd="sng">
-                      <a:noFill/>
-                      <a:prstDash val="solid"/>
-                    </a:lnR>
-                    <a:lnT w="12700" cmpd="sng">
-                      <a:noFill/>
-                      <a:prstDash val="solid"/>
-                    </a:lnT>
-                    <a:lnB w="12700" cmpd="sng">
-                      <a:noFill/>
-                      <a:prstDash val="solid"/>
-                    </a:lnB>
-                    <a:noFill/>
-                  </a:tcPr>
-                </a:tc>
-                <a:tc>
-                  <a:txBody>
-                    <a:bodyPr/>
-                    <a:lstStyle/>
-                    <a:p>
-                      <a:pPr marL="0" marR="0" lvl="0" indent="0" algn="l" defTabSz="914400" rtl="0" eaLnBrk="1" fontAlgn="auto" latinLnBrk="0" hangingPunct="1">
-                        <a:lnSpc>
-                          <a:spcPct val="100000"/>
-                        </a:lnSpc>
-                        <a:spcBef>
-                          <a:spcPts val="0"/>
-                        </a:spcBef>
-                        <a:spcAft>
-                          <a:spcPts val="0"/>
-                        </a:spcAft>
-                        <a:buClrTx/>
-                        <a:buSzTx/>
-                        <a:buFontTx/>
-                        <a:buNone/>
-                        <a:tabLst/>
-                        <a:defRPr/>
-                      </a:pPr>
-                      <a:r>
-                        <a:rPr lang="en-US" sz="1400" cap="none" spc="0" dirty="0">
-                          <a:solidFill>
-                            <a:schemeClr val="tx1"/>
-                          </a:solidFill>
-                        </a:rPr>
-                        <a:t>Lorem ipsum et tula lorem ipsum et lorem ipsum </a:t>
-                      </a:r>
-                    </a:p>
-                    <a:p>
-                      <a:endParaRPr lang="en-US" sz="1400" cap="none" spc="0" dirty="0">
-                        <a:solidFill>
-                          <a:schemeClr val="tx1"/>
-                        </a:solidFill>
-                      </a:endParaRPr>
-                    </a:p>
-                  </a:txBody>
-                  <a:tcPr marL="151061" marR="151061" marT="151061" marB="151061">
-                    <a:lnL w="12700" cmpd="sng">
-                      <a:noFill/>
-                      <a:prstDash val="solid"/>
-                    </a:lnL>
-                    <a:lnR w="12700" cmpd="sng">
-                      <a:noFill/>
-                      <a:prstDash val="solid"/>
-                    </a:lnR>
-                    <a:lnT w="12700" cmpd="sng">
-                      <a:noFill/>
-                      <a:prstDash val="solid"/>
-                    </a:lnT>
-                    <a:lnB w="12700" cmpd="sng">
-                      <a:noFill/>
-                      <a:prstDash val="solid"/>
-                    </a:lnB>
-                    <a:noFill/>
-                  </a:tcPr>
-                </a:tc>
-                <a:tc>
-                  <a:txBody>
-                    <a:bodyPr/>
-                    <a:lstStyle/>
-                    <a:p>
-                      <a:pPr marL="0" marR="0" lvl="0" indent="0" algn="l" defTabSz="914400" rtl="0" eaLnBrk="1" fontAlgn="auto" latinLnBrk="0" hangingPunct="1">
-                        <a:lnSpc>
-                          <a:spcPct val="100000"/>
-                        </a:lnSpc>
-                        <a:spcBef>
-                          <a:spcPts val="0"/>
-                        </a:spcBef>
-                        <a:spcAft>
-                          <a:spcPts val="0"/>
-                        </a:spcAft>
-                        <a:buClrTx/>
-                        <a:buSzTx/>
-                        <a:buFontTx/>
-                        <a:buNone/>
-                        <a:tabLst/>
-                        <a:defRPr/>
-                      </a:pPr>
-                      <a:r>
-                        <a:rPr lang="en-US" sz="1400" cap="none" spc="0" dirty="0">
-                          <a:solidFill>
-                            <a:schemeClr val="tx1"/>
-                          </a:solidFill>
-                        </a:rPr>
-                        <a:t>Lorem ipsum et tula lorem ipsum et lorem ipsum </a:t>
-                      </a:r>
-                    </a:p>
-                    <a:p>
-                      <a:endParaRPr lang="en-US" sz="1400" cap="none" spc="0" dirty="0">
-                        <a:solidFill>
-                          <a:schemeClr val="tx1"/>
-                        </a:solidFill>
-                      </a:endParaRPr>
-                    </a:p>
-                  </a:txBody>
-                  <a:tcPr marL="151061" marR="151061" marT="151061" marB="151061">
-                    <a:lnL w="12700" cmpd="sng">
-                      <a:noFill/>
-                      <a:prstDash val="solid"/>
-                    </a:lnL>
-                    <a:lnR w="12700" cmpd="sng">
-                      <a:noFill/>
-                      <a:prstDash val="solid"/>
-                    </a:lnR>
-                    <a:lnT w="12700" cmpd="sng">
-                      <a:noFill/>
-                      <a:prstDash val="solid"/>
-                    </a:lnT>
-                    <a:lnB w="12700" cmpd="sng">
-                      <a:noFill/>
-                      <a:prstDash val="solid"/>
-                    </a:lnB>
-                    <a:noFill/>
-                  </a:tcPr>
-                </a:tc>
-                <a:tc>
-                  <a:txBody>
-                    <a:bodyPr/>
-                    <a:lstStyle/>
-                    <a:p>
-                      <a:pPr marL="0" marR="0" lvl="0" indent="0" algn="l" defTabSz="914400" rtl="0" eaLnBrk="1" fontAlgn="auto" latinLnBrk="0" hangingPunct="1">
-                        <a:lnSpc>
-                          <a:spcPct val="100000"/>
-                        </a:lnSpc>
-                        <a:spcBef>
-                          <a:spcPts val="0"/>
-                        </a:spcBef>
-                        <a:spcAft>
-                          <a:spcPts val="0"/>
-                        </a:spcAft>
-                        <a:buClrTx/>
-                        <a:buSzTx/>
-                        <a:buFontTx/>
-                        <a:buNone/>
-                        <a:tabLst/>
-                        <a:defRPr/>
-                      </a:pPr>
-                      <a:r>
-                        <a:rPr lang="en-US" sz="1400" cap="none" spc="0" dirty="0">
-                          <a:solidFill>
-                            <a:schemeClr val="tx1"/>
-                          </a:solidFill>
-                        </a:rPr>
-                        <a:t>Lorem ipsum et tula lorem ipsum et lorem ipsum </a:t>
-                      </a:r>
-                    </a:p>
-                    <a:p>
-                      <a:endParaRPr lang="en-US" sz="1400" cap="none" spc="0" dirty="0">
-                        <a:solidFill>
-                          <a:schemeClr val="tx1"/>
-                        </a:solidFill>
-                      </a:endParaRPr>
-                    </a:p>
-                  </a:txBody>
-                  <a:tcPr marL="151061" marR="151061" marT="151061" marB="151061">
-                    <a:lnL w="12700" cmpd="sng">
-                      <a:noFill/>
-                      <a:prstDash val="solid"/>
-                    </a:lnL>
-                    <a:lnR w="12700" cmpd="sng">
-                      <a:noFill/>
-                      <a:prstDash val="solid"/>
-                    </a:lnR>
-                    <a:lnT w="12700" cmpd="sng">
-                      <a:noFill/>
-                      <a:prstDash val="solid"/>
-                    </a:lnT>
-                    <a:lnB w="12700" cmpd="sng">
-                      <a:noFill/>
-                      <a:prstDash val="solid"/>
-                    </a:lnB>
-                    <a:noFill/>
-                  </a:tcPr>
-                </a:tc>
-                <a:extLst>
-                  <a:ext uri="{0D108BD9-81ED-4DB2-BD59-A6C34878D82A}">
-                    <a16:rowId xmlns:a16="http://schemas.microsoft.com/office/drawing/2014/main" val="2578144993"/>
-                  </a:ext>
-                </a:extLst>
-              </a:tr>
-            </a:tbl>
-          </a:graphicData>
-        </a:graphic>
-      </p:graphicFrame>
+        </p:nvPicPr>
+        <p:blipFill>
+          <a:blip r:embed="rId3"/>
+          <a:srcRect/>
+          <a:stretch/>
+        </p:blipFill>
+        <p:spPr>
+          <a:xfrm>
+            <a:off x="1" y="0"/>
+            <a:ext cx="12192000" cy="6048375"/>
+          </a:xfrm>
+        </p:spPr>
+      </p:pic>
     </p:spTree>
     <p:extLst>
       <p:ext uri="{BB962C8B-B14F-4D97-AF65-F5344CB8AC3E}">
-        <p14:creationId xmlns:p14="http://schemas.microsoft.com/office/powerpoint/2010/main" val="1530986471"/>
+        <p14:creationId xmlns:p14="http://schemas.microsoft.com/office/powerpoint/2010/main" val="1883979417"/>
       </p:ext>
     </p:extLst>
   </p:cSld>
@@ -6501,245 +9166,38 @@
           <a:chExt cx="0" cy="0"/>
         </a:xfrm>
       </p:grpSpPr>
-      <p:sp>
-        <p:nvSpPr>
-          <p:cNvPr id="2" name="Title 1">
+      <p:pic>
+        <p:nvPicPr>
+          <p:cNvPr id="9" name="Content Placeholder 8">
             <a:extLst>
               <a:ext uri="{FF2B5EF4-FFF2-40B4-BE49-F238E27FC236}">
-                <a16:creationId xmlns:a16="http://schemas.microsoft.com/office/drawing/2014/main" id="{75AC86D3-8FD1-4F47-A319-7D0542E48B2F}"/>
+                <a16:creationId xmlns:a16="http://schemas.microsoft.com/office/drawing/2014/main" id="{69FDDE4D-2C79-38F8-077F-4660A7584DE1}"/>
               </a:ext>
             </a:extLst>
           </p:cNvPr>
-          <p:cNvSpPr>
-            <a:spLocks noGrp="1"/>
-          </p:cNvSpPr>
+          <p:cNvPicPr>
+            <a:picLocks noGrp="1" noChangeAspect="1"/>
+          </p:cNvPicPr>
           <p:nvPr>
-            <p:ph type="title"/>
+            <p:ph idx="1"/>
           </p:nvPr>
-        </p:nvSpPr>
+        </p:nvPicPr>
+        <p:blipFill>
+          <a:blip r:embed="rId3"/>
+          <a:srcRect/>
+          <a:stretch/>
+        </p:blipFill>
         <p:spPr>
           <a:xfrm>
-            <a:off x="1097280" y="286603"/>
-            <a:ext cx="10058400" cy="1450757"/>
+            <a:off x="1" y="0"/>
+            <a:ext cx="12192000" cy="6048375"/>
           </a:xfrm>
         </p:spPr>
-        <p:txBody>
-          <a:bodyPr vert="horz" lIns="91440" tIns="45720" rIns="91440" bIns="45720" rtlCol="0">
-            <a:normAutofit/>
-          </a:bodyPr>
-          <a:lstStyle/>
-          <a:p>
-            <a:r>
-              <a:rPr lang="en-US" dirty="0"/>
-              <a:t>Type of Test Used </a:t>
-            </a:r>
-          </a:p>
-        </p:txBody>
-      </p:sp>
-      <p:graphicFrame>
-        <p:nvGraphicFramePr>
-          <p:cNvPr id="4" name="Table 4">
-            <a:extLst>
-              <a:ext uri="{FF2B5EF4-FFF2-40B4-BE49-F238E27FC236}">
-                <a16:creationId xmlns:a16="http://schemas.microsoft.com/office/drawing/2014/main" id="{C266CDD0-3E96-40BD-8324-62D1DD86152D}"/>
-              </a:ext>
-            </a:extLst>
-          </p:cNvPr>
-          <p:cNvGraphicFramePr>
-            <a:graphicFrameLocks noGrp="1"/>
-          </p:cNvGraphicFramePr>
-          <p:nvPr>
-            <p:ph idx="1"/>
-            <p:extLst>
-              <p:ext uri="{D42A27DB-BD31-4B8C-83A1-F6EECF244321}">
-                <p14:modId xmlns:p14="http://schemas.microsoft.com/office/powerpoint/2010/main" val="900888067"/>
-              </p:ext>
-            </p:extLst>
-          </p:nvPr>
-        </p:nvGraphicFramePr>
-        <p:xfrm>
-          <a:off x="1096962" y="2216879"/>
-          <a:ext cx="10389022" cy="2036804"/>
-        </p:xfrm>
-        <a:graphic>
-          <a:graphicData uri="http://schemas.openxmlformats.org/drawingml/2006/table">
-            <a:tbl>
-              <a:tblPr firstRow="1" bandRow="1">
-                <a:noFill/>
-                <a:tableStyleId>{3B4B98B0-60AC-42C2-AFA5-B58CD77FA1E5}</a:tableStyleId>
-              </a:tblPr>
-              <a:tblGrid>
-                <a:gridCol w="5194511">
-                  <a:extLst>
-                    <a:ext uri="{9D8B030D-6E8A-4147-A177-3AD203B41FA5}">
-                      <a16:colId xmlns:a16="http://schemas.microsoft.com/office/drawing/2014/main" val="2981917977"/>
-                    </a:ext>
-                  </a:extLst>
-                </a:gridCol>
-                <a:gridCol w="5194511">
-                  <a:extLst>
-                    <a:ext uri="{9D8B030D-6E8A-4147-A177-3AD203B41FA5}">
-                      <a16:colId xmlns:a16="http://schemas.microsoft.com/office/drawing/2014/main" val="945233394"/>
-                    </a:ext>
-                  </a:extLst>
-                </a:gridCol>
-              </a:tblGrid>
-              <a:tr h="613018">
-                <a:tc>
-                  <a:txBody>
-                    <a:bodyPr/>
-                    <a:lstStyle/>
-                    <a:p>
-                      <a:r>
-                        <a:rPr lang="en-US" sz="2400" b="0" cap="all" spc="150" dirty="0">
-                          <a:solidFill>
-                            <a:schemeClr val="lt1"/>
-                          </a:solidFill>
-                        </a:rPr>
-                        <a:t>T-Test</a:t>
-                      </a:r>
-                    </a:p>
-                  </a:txBody>
-                  <a:tcPr marL="151061" marR="151061" marT="151061" marB="151061">
-                    <a:lnL w="12700" cmpd="sng">
-                      <a:noFill/>
-                    </a:lnL>
-                    <a:lnR w="12700" cmpd="sng">
-                      <a:noFill/>
-                    </a:lnR>
-                    <a:lnT w="12700" cmpd="sng">
-                      <a:noFill/>
-                    </a:lnT>
-                    <a:lnB w="38100" cmpd="sng">
-                      <a:noFill/>
-                    </a:lnB>
-                    <a:solidFill>
-                      <a:schemeClr val="accent1"/>
-                    </a:solidFill>
-                  </a:tcPr>
-                </a:tc>
-                <a:tc>
-                  <a:txBody>
-                    <a:bodyPr/>
-                    <a:lstStyle/>
-                    <a:p>
-                      <a:r>
-                        <a:rPr lang="en-US" sz="2400" b="0" cap="all" spc="150" dirty="0">
-                          <a:solidFill>
-                            <a:schemeClr val="lt1"/>
-                          </a:solidFill>
-                        </a:rPr>
-                        <a:t>Mann-Whitney-U</a:t>
-                      </a:r>
-                    </a:p>
-                  </a:txBody>
-                  <a:tcPr marL="151061" marR="151061" marT="151061" marB="151061">
-                    <a:lnL w="12700" cmpd="sng">
-                      <a:noFill/>
-                    </a:lnL>
-                    <a:lnR w="12700" cmpd="sng">
-                      <a:noFill/>
-                    </a:lnR>
-                    <a:lnT w="12700" cmpd="sng">
-                      <a:noFill/>
-                    </a:lnT>
-                    <a:lnB w="38100" cmpd="sng">
-                      <a:noFill/>
-                    </a:lnB>
-                    <a:solidFill>
-                      <a:schemeClr val="accent1"/>
-                    </a:solidFill>
-                  </a:tcPr>
-                </a:tc>
-                <a:extLst>
-                  <a:ext uri="{0D108BD9-81ED-4DB2-BD59-A6C34878D82A}">
-                    <a16:rowId xmlns:a16="http://schemas.microsoft.com/office/drawing/2014/main" val="2580512675"/>
-                  </a:ext>
-                </a:extLst>
-              </a:tr>
-              <a:tr h="978778">
-                <a:tc>
-                  <a:txBody>
-                    <a:bodyPr/>
-                    <a:lstStyle/>
-                    <a:p>
-                      <a:r>
-                        <a:rPr lang="en-US" sz="1400" cap="none" spc="0" dirty="0">
-                          <a:solidFill>
-                            <a:schemeClr val="tx1"/>
-                          </a:solidFill>
-                        </a:rPr>
-                        <a:t>T-Test</a:t>
-                      </a:r>
-                    </a:p>
-                  </a:txBody>
-                  <a:tcPr marL="151061" marR="151061" marT="151061" marB="151061">
-                    <a:lnL w="12700" cmpd="sng">
-                      <a:noFill/>
-                      <a:prstDash val="solid"/>
-                    </a:lnL>
-                    <a:lnR w="12700" cmpd="sng">
-                      <a:noFill/>
-                      <a:prstDash val="solid"/>
-                    </a:lnR>
-                    <a:lnT w="38100" cmpd="sng">
-                      <a:noFill/>
-                    </a:lnT>
-                    <a:lnB w="12700" cmpd="sng">
-                      <a:noFill/>
-                      <a:prstDash val="solid"/>
-                    </a:lnB>
-                    <a:noFill/>
-                  </a:tcPr>
-                </a:tc>
-                <a:tc>
-                  <a:txBody>
-                    <a:bodyPr/>
-                    <a:lstStyle/>
-                    <a:p>
-                      <a:r>
-                        <a:rPr lang="en-US" sz="1400" cap="none" spc="0" dirty="0">
-                          <a:solidFill>
-                            <a:schemeClr val="tx1"/>
-                          </a:solidFill>
-                        </a:rPr>
-                        <a:t>Categorical differences are well captured using Mann-Whitney-U tests as it sorts value ordinally and then compares the rank sums. This would better capture relative differences between any two vehicles from the same nation while also capturing each nations overall change relative to each other.</a:t>
-                      </a:r>
-                    </a:p>
-                  </a:txBody>
-                  <a:tcPr marL="151061" marR="151061" marT="151061" marB="151061">
-                    <a:lnL w="12700" cmpd="sng">
-                      <a:noFill/>
-                      <a:prstDash val="solid"/>
-                    </a:lnL>
-                    <a:lnR w="12700" cmpd="sng">
-                      <a:noFill/>
-                      <a:prstDash val="solid"/>
-                    </a:lnR>
-                    <a:lnT w="38100" cmpd="sng">
-                      <a:noFill/>
-                    </a:lnT>
-                    <a:lnB w="12700" cmpd="sng">
-                      <a:noFill/>
-                      <a:prstDash val="solid"/>
-                    </a:lnB>
-                    <a:noFill/>
-                  </a:tcPr>
-                </a:tc>
-                <a:extLst>
-                  <a:ext uri="{0D108BD9-81ED-4DB2-BD59-A6C34878D82A}">
-                    <a16:rowId xmlns:a16="http://schemas.microsoft.com/office/drawing/2014/main" val="2085369860"/>
-                  </a:ext>
-                </a:extLst>
-              </a:tr>
-            </a:tbl>
-          </a:graphicData>
-        </a:graphic>
-      </p:graphicFrame>
+      </p:pic>
     </p:spTree>
     <p:extLst>
       <p:ext uri="{BB962C8B-B14F-4D97-AF65-F5344CB8AC3E}">
-        <p14:creationId xmlns:p14="http://schemas.microsoft.com/office/powerpoint/2010/main" val="1200193980"/>
+        <p14:creationId xmlns:p14="http://schemas.microsoft.com/office/powerpoint/2010/main" val="1068126697"/>
       </p:ext>
     </p:extLst>
   </p:cSld>
@@ -6774,962 +9232,39 @@
           <a:chExt cx="0" cy="0"/>
         </a:xfrm>
       </p:grpSpPr>
-      <p:sp>
-        <p:nvSpPr>
-          <p:cNvPr id="2" name="Title 1">
+      <p:pic>
+        <p:nvPicPr>
+          <p:cNvPr id="9" name="Content Placeholder 8" descr="A graph of a number of people&#10;&#10;Description automatically generated with medium confidence">
             <a:extLst>
               <a:ext uri="{FF2B5EF4-FFF2-40B4-BE49-F238E27FC236}">
-                <a16:creationId xmlns:a16="http://schemas.microsoft.com/office/drawing/2014/main" id="{75AC86D3-8FD1-4F47-A319-7D0542E48B2F}"/>
+                <a16:creationId xmlns:a16="http://schemas.microsoft.com/office/drawing/2014/main" id="{69FDDE4D-2C79-38F8-077F-4660A7584DE1}"/>
               </a:ext>
             </a:extLst>
           </p:cNvPr>
-          <p:cNvSpPr>
-            <a:spLocks noGrp="1"/>
-          </p:cNvSpPr>
-          <p:nvPr>
-            <p:ph type="title"/>
-          </p:nvPr>
-        </p:nvSpPr>
-        <p:spPr>
-          <a:xfrm>
-            <a:off x="1097280" y="286603"/>
-            <a:ext cx="10058400" cy="1450757"/>
-          </a:xfrm>
-        </p:spPr>
-        <p:txBody>
-          <a:bodyPr vert="horz" lIns="91440" tIns="45720" rIns="91440" bIns="45720" rtlCol="0">
-            <a:normAutofit/>
-          </a:bodyPr>
-          <a:lstStyle/>
-          <a:p>
-            <a:r>
-              <a:rPr lang="en-US" dirty="0"/>
-              <a:t>Test validity (CI, P-Value) </a:t>
-            </a:r>
-          </a:p>
-        </p:txBody>
-      </p:sp>
-      <p:graphicFrame>
-        <p:nvGraphicFramePr>
-          <p:cNvPr id="4" name="Table 4">
-            <a:extLst>
-              <a:ext uri="{FF2B5EF4-FFF2-40B4-BE49-F238E27FC236}">
-                <a16:creationId xmlns:a16="http://schemas.microsoft.com/office/drawing/2014/main" id="{C266CDD0-3E96-40BD-8324-62D1DD86152D}"/>
-              </a:ext>
-            </a:extLst>
-          </p:cNvPr>
-          <p:cNvGraphicFramePr>
-            <a:graphicFrameLocks noGrp="1"/>
-          </p:cNvGraphicFramePr>
+          <p:cNvPicPr>
+            <a:picLocks noGrp="1" noChangeAspect="1"/>
+          </p:cNvPicPr>
           <p:nvPr>
             <p:ph idx="1"/>
           </p:nvPr>
-        </p:nvGraphicFramePr>
-        <p:xfrm>
-          <a:off x="1096963" y="2216879"/>
-          <a:ext cx="10058400" cy="3604216"/>
-        </p:xfrm>
-        <a:graphic>
-          <a:graphicData uri="http://schemas.openxmlformats.org/drawingml/2006/table">
-            <a:tbl>
-              <a:tblPr firstRow="1" bandRow="1">
-                <a:noFill/>
-                <a:tableStyleId>{3B4B98B0-60AC-42C2-AFA5-B58CD77FA1E5}</a:tableStyleId>
-              </a:tblPr>
-              <a:tblGrid>
-                <a:gridCol w="2514600">
-                  <a:extLst>
-                    <a:ext uri="{9D8B030D-6E8A-4147-A177-3AD203B41FA5}">
-                      <a16:colId xmlns:a16="http://schemas.microsoft.com/office/drawing/2014/main" val="2981917977"/>
-                    </a:ext>
-                  </a:extLst>
-                </a:gridCol>
-                <a:gridCol w="2514600">
-                  <a:extLst>
-                    <a:ext uri="{9D8B030D-6E8A-4147-A177-3AD203B41FA5}">
-                      <a16:colId xmlns:a16="http://schemas.microsoft.com/office/drawing/2014/main" val="945233394"/>
-                    </a:ext>
-                  </a:extLst>
-                </a:gridCol>
-                <a:gridCol w="2514600">
-                  <a:extLst>
-                    <a:ext uri="{9D8B030D-6E8A-4147-A177-3AD203B41FA5}">
-                      <a16:colId xmlns:a16="http://schemas.microsoft.com/office/drawing/2014/main" val="2572263168"/>
-                    </a:ext>
-                  </a:extLst>
-                </a:gridCol>
-                <a:gridCol w="2514600">
-                  <a:extLst>
-                    <a:ext uri="{9D8B030D-6E8A-4147-A177-3AD203B41FA5}">
-                      <a16:colId xmlns:a16="http://schemas.microsoft.com/office/drawing/2014/main" val="1765783061"/>
-                    </a:ext>
-                  </a:extLst>
-                </a:gridCol>
-              </a:tblGrid>
-              <a:tr h="613018">
-                <a:tc>
-                  <a:txBody>
-                    <a:bodyPr/>
-                    <a:lstStyle/>
-                    <a:p>
-                      <a:r>
-                        <a:rPr lang="en-US" sz="2400" b="0" cap="all" spc="150" dirty="0">
-                          <a:solidFill>
-                            <a:schemeClr val="lt1"/>
-                          </a:solidFill>
-                        </a:rPr>
-                        <a:t>Q1</a:t>
-                      </a:r>
-                    </a:p>
-                  </a:txBody>
-                  <a:tcPr marL="151061" marR="151061" marT="151061" marB="151061">
-                    <a:lnL w="12700" cmpd="sng">
-                      <a:noFill/>
-                    </a:lnL>
-                    <a:lnR w="12700" cmpd="sng">
-                      <a:noFill/>
-                    </a:lnR>
-                    <a:lnT w="12700" cmpd="sng">
-                      <a:noFill/>
-                    </a:lnT>
-                    <a:lnB w="38100" cmpd="sng">
-                      <a:noFill/>
-                    </a:lnB>
-                    <a:solidFill>
-                      <a:schemeClr val="accent1"/>
-                    </a:solidFill>
-                  </a:tcPr>
-                </a:tc>
-                <a:tc>
-                  <a:txBody>
-                    <a:bodyPr/>
-                    <a:lstStyle/>
-                    <a:p>
-                      <a:r>
-                        <a:rPr lang="en-US" sz="2400" b="0" cap="all" spc="150" dirty="0">
-                          <a:solidFill>
-                            <a:schemeClr val="lt1"/>
-                          </a:solidFill>
-                        </a:rPr>
-                        <a:t>Q2</a:t>
-                      </a:r>
-                    </a:p>
-                  </a:txBody>
-                  <a:tcPr marL="151061" marR="151061" marT="151061" marB="151061">
-                    <a:lnL w="12700" cmpd="sng">
-                      <a:noFill/>
-                    </a:lnL>
-                    <a:lnR w="12700" cmpd="sng">
-                      <a:noFill/>
-                    </a:lnR>
-                    <a:lnT w="12700" cmpd="sng">
-                      <a:noFill/>
-                    </a:lnT>
-                    <a:lnB w="38100" cmpd="sng">
-                      <a:noFill/>
-                    </a:lnB>
-                    <a:solidFill>
-                      <a:schemeClr val="accent1"/>
-                    </a:solidFill>
-                  </a:tcPr>
-                </a:tc>
-                <a:tc>
-                  <a:txBody>
-                    <a:bodyPr/>
-                    <a:lstStyle/>
-                    <a:p>
-                      <a:r>
-                        <a:rPr lang="en-US" sz="2400" b="0" cap="all" spc="150" dirty="0">
-                          <a:solidFill>
-                            <a:schemeClr val="lt1"/>
-                          </a:solidFill>
-                        </a:rPr>
-                        <a:t>Q3</a:t>
-                      </a:r>
-                    </a:p>
-                  </a:txBody>
-                  <a:tcPr marL="151061" marR="151061" marT="151061" marB="151061">
-                    <a:lnL w="12700" cmpd="sng">
-                      <a:noFill/>
-                    </a:lnL>
-                    <a:lnR w="12700" cmpd="sng">
-                      <a:noFill/>
-                    </a:lnR>
-                    <a:lnT w="12700" cmpd="sng">
-                      <a:noFill/>
-                    </a:lnT>
-                    <a:lnB w="38100" cmpd="sng">
-                      <a:noFill/>
-                    </a:lnB>
-                    <a:solidFill>
-                      <a:schemeClr val="accent1"/>
-                    </a:solidFill>
-                  </a:tcPr>
-                </a:tc>
-                <a:tc>
-                  <a:txBody>
-                    <a:bodyPr/>
-                    <a:lstStyle/>
-                    <a:p>
-                      <a:r>
-                        <a:rPr lang="en-US" sz="2400" b="0" cap="all" spc="150" dirty="0">
-                          <a:solidFill>
-                            <a:schemeClr val="lt1"/>
-                          </a:solidFill>
-                        </a:rPr>
-                        <a:t>Q4</a:t>
-                      </a:r>
-                    </a:p>
-                  </a:txBody>
-                  <a:tcPr marL="151061" marR="151061" marT="151061" marB="151061">
-                    <a:lnL w="12700" cmpd="sng">
-                      <a:noFill/>
-                    </a:lnL>
-                    <a:lnR w="12700" cmpd="sng">
-                      <a:noFill/>
-                    </a:lnR>
-                    <a:lnT w="12700" cmpd="sng">
-                      <a:noFill/>
-                    </a:lnT>
-                    <a:lnB w="38100" cmpd="sng">
-                      <a:noFill/>
-                    </a:lnB>
-                    <a:solidFill>
-                      <a:schemeClr val="accent1"/>
-                    </a:solidFill>
-                  </a:tcPr>
-                </a:tc>
-                <a:extLst>
-                  <a:ext uri="{0D108BD9-81ED-4DB2-BD59-A6C34878D82A}">
-                    <a16:rowId xmlns:a16="http://schemas.microsoft.com/office/drawing/2014/main" val="2580512675"/>
-                  </a:ext>
-                </a:extLst>
-              </a:tr>
-              <a:tr h="978778">
-                <a:tc>
-                  <a:txBody>
-                    <a:bodyPr/>
-                    <a:lstStyle/>
-                    <a:p>
-                      <a:r>
-                        <a:rPr lang="en-US" sz="1400" cap="none" spc="0" dirty="0">
-                          <a:solidFill>
-                            <a:schemeClr val="tx1"/>
-                          </a:solidFill>
-                        </a:rPr>
-                        <a:t>Lorem ipsum et tula lorem ipsum et lorem ipsum </a:t>
-                      </a:r>
-                    </a:p>
-                  </a:txBody>
-                  <a:tcPr marL="151061" marR="151061" marT="151061" marB="151061">
-                    <a:lnL w="12700" cmpd="sng">
-                      <a:noFill/>
-                      <a:prstDash val="solid"/>
-                    </a:lnL>
-                    <a:lnR w="12700" cmpd="sng">
-                      <a:noFill/>
-                      <a:prstDash val="solid"/>
-                    </a:lnR>
-                    <a:lnT w="38100" cmpd="sng">
-                      <a:noFill/>
-                    </a:lnT>
-                    <a:lnB w="12700" cmpd="sng">
-                      <a:noFill/>
-                      <a:prstDash val="solid"/>
-                    </a:lnB>
-                    <a:noFill/>
-                  </a:tcPr>
-                </a:tc>
-                <a:tc>
-                  <a:txBody>
-                    <a:bodyPr/>
-                    <a:lstStyle/>
-                    <a:p>
-                      <a:pPr marL="0" marR="0" lvl="0" indent="0" algn="l" defTabSz="914400" rtl="0" eaLnBrk="1" fontAlgn="auto" latinLnBrk="0" hangingPunct="1">
-                        <a:lnSpc>
-                          <a:spcPct val="100000"/>
-                        </a:lnSpc>
-                        <a:spcBef>
-                          <a:spcPts val="0"/>
-                        </a:spcBef>
-                        <a:spcAft>
-                          <a:spcPts val="0"/>
-                        </a:spcAft>
-                        <a:buClrTx/>
-                        <a:buSzTx/>
-                        <a:buFontTx/>
-                        <a:buNone/>
-                        <a:tabLst/>
-                        <a:defRPr/>
-                      </a:pPr>
-                      <a:r>
-                        <a:rPr lang="en-US" sz="1400" cap="none" spc="0" dirty="0">
-                          <a:solidFill>
-                            <a:schemeClr val="tx1"/>
-                          </a:solidFill>
-                        </a:rPr>
-                        <a:t>Lorem ipsum et tula lorem ipsum et lorem ipsum </a:t>
-                      </a:r>
-                    </a:p>
-                    <a:p>
-                      <a:endParaRPr lang="en-US" sz="1400" cap="none" spc="0" dirty="0">
-                        <a:solidFill>
-                          <a:schemeClr val="tx1"/>
-                        </a:solidFill>
-                      </a:endParaRPr>
-                    </a:p>
-                  </a:txBody>
-                  <a:tcPr marL="151061" marR="151061" marT="151061" marB="151061">
-                    <a:lnL w="12700" cmpd="sng">
-                      <a:noFill/>
-                      <a:prstDash val="solid"/>
-                    </a:lnL>
-                    <a:lnR w="12700" cmpd="sng">
-                      <a:noFill/>
-                      <a:prstDash val="solid"/>
-                    </a:lnR>
-                    <a:lnT w="38100" cmpd="sng">
-                      <a:noFill/>
-                    </a:lnT>
-                    <a:lnB w="12700" cmpd="sng">
-                      <a:noFill/>
-                      <a:prstDash val="solid"/>
-                    </a:lnB>
-                    <a:noFill/>
-                  </a:tcPr>
-                </a:tc>
-                <a:tc>
-                  <a:txBody>
-                    <a:bodyPr/>
-                    <a:lstStyle/>
-                    <a:p>
-                      <a:pPr marL="0" marR="0" lvl="0" indent="0" algn="l" defTabSz="914400" rtl="0" eaLnBrk="1" fontAlgn="auto" latinLnBrk="0" hangingPunct="1">
-                        <a:lnSpc>
-                          <a:spcPct val="100000"/>
-                        </a:lnSpc>
-                        <a:spcBef>
-                          <a:spcPts val="0"/>
-                        </a:spcBef>
-                        <a:spcAft>
-                          <a:spcPts val="0"/>
-                        </a:spcAft>
-                        <a:buClrTx/>
-                        <a:buSzTx/>
-                        <a:buFontTx/>
-                        <a:buNone/>
-                        <a:tabLst/>
-                        <a:defRPr/>
-                      </a:pPr>
-                      <a:r>
-                        <a:rPr lang="en-US" sz="1400" cap="none" spc="0" dirty="0">
-                          <a:solidFill>
-                            <a:schemeClr val="tx1"/>
-                          </a:solidFill>
-                        </a:rPr>
-                        <a:t>Lorem ipsum et tula lorem ipsum et lorem ipsum </a:t>
-                      </a:r>
-                    </a:p>
-                    <a:p>
-                      <a:endParaRPr lang="en-US" sz="1400" cap="none" spc="0" dirty="0">
-                        <a:solidFill>
-                          <a:schemeClr val="tx1"/>
-                        </a:solidFill>
-                      </a:endParaRPr>
-                    </a:p>
-                  </a:txBody>
-                  <a:tcPr marL="151061" marR="151061" marT="151061" marB="151061">
-                    <a:lnL w="12700" cmpd="sng">
-                      <a:noFill/>
-                      <a:prstDash val="solid"/>
-                    </a:lnL>
-                    <a:lnR w="12700" cmpd="sng">
-                      <a:noFill/>
-                      <a:prstDash val="solid"/>
-                    </a:lnR>
-                    <a:lnT w="38100" cmpd="sng">
-                      <a:noFill/>
-                    </a:lnT>
-                    <a:lnB w="12700" cmpd="sng">
-                      <a:noFill/>
-                      <a:prstDash val="solid"/>
-                    </a:lnB>
-                    <a:noFill/>
-                  </a:tcPr>
-                </a:tc>
-                <a:tc>
-                  <a:txBody>
-                    <a:bodyPr/>
-                    <a:lstStyle/>
-                    <a:p>
-                      <a:pPr marL="0" marR="0" lvl="0" indent="0" algn="l" defTabSz="914400" rtl="0" eaLnBrk="1" fontAlgn="auto" latinLnBrk="0" hangingPunct="1">
-                        <a:lnSpc>
-                          <a:spcPct val="100000"/>
-                        </a:lnSpc>
-                        <a:spcBef>
-                          <a:spcPts val="0"/>
-                        </a:spcBef>
-                        <a:spcAft>
-                          <a:spcPts val="0"/>
-                        </a:spcAft>
-                        <a:buClrTx/>
-                        <a:buSzTx/>
-                        <a:buFontTx/>
-                        <a:buNone/>
-                        <a:tabLst/>
-                        <a:defRPr/>
-                      </a:pPr>
-                      <a:r>
-                        <a:rPr lang="en-US" sz="1400" cap="none" spc="0" dirty="0">
-                          <a:solidFill>
-                            <a:schemeClr val="tx1"/>
-                          </a:solidFill>
-                        </a:rPr>
-                        <a:t>Lorem ipsum et tula lorem ipsum et lorem ipsum </a:t>
-                      </a:r>
-                    </a:p>
-                    <a:p>
-                      <a:endParaRPr lang="en-US" sz="1400" cap="none" spc="0" dirty="0">
-                        <a:solidFill>
-                          <a:schemeClr val="tx1"/>
-                        </a:solidFill>
-                      </a:endParaRPr>
-                    </a:p>
-                  </a:txBody>
-                  <a:tcPr marL="151061" marR="151061" marT="151061" marB="151061">
-                    <a:lnL w="12700" cmpd="sng">
-                      <a:noFill/>
-                      <a:prstDash val="solid"/>
-                    </a:lnL>
-                    <a:lnR w="12700" cmpd="sng">
-                      <a:noFill/>
-                      <a:prstDash val="solid"/>
-                    </a:lnR>
-                    <a:lnT w="38100" cmpd="sng">
-                      <a:noFill/>
-                    </a:lnT>
-                    <a:lnB w="12700" cmpd="sng">
-                      <a:noFill/>
-                      <a:prstDash val="solid"/>
-                    </a:lnB>
-                    <a:noFill/>
-                  </a:tcPr>
-                </a:tc>
-                <a:extLst>
-                  <a:ext uri="{0D108BD9-81ED-4DB2-BD59-A6C34878D82A}">
-                    <a16:rowId xmlns:a16="http://schemas.microsoft.com/office/drawing/2014/main" val="2085369860"/>
-                  </a:ext>
-                </a:extLst>
-              </a:tr>
-              <a:tr h="978778">
-                <a:tc>
-                  <a:txBody>
-                    <a:bodyPr/>
-                    <a:lstStyle/>
-                    <a:p>
-                      <a:pPr marL="0" marR="0" lvl="0" indent="0" algn="l" defTabSz="914400" rtl="0" eaLnBrk="1" fontAlgn="auto" latinLnBrk="0" hangingPunct="1">
-                        <a:lnSpc>
-                          <a:spcPct val="100000"/>
-                        </a:lnSpc>
-                        <a:spcBef>
-                          <a:spcPts val="0"/>
-                        </a:spcBef>
-                        <a:spcAft>
-                          <a:spcPts val="0"/>
-                        </a:spcAft>
-                        <a:buClrTx/>
-                        <a:buSzTx/>
-                        <a:buFontTx/>
-                        <a:buNone/>
-                        <a:tabLst/>
-                        <a:defRPr/>
-                      </a:pPr>
-                      <a:r>
-                        <a:rPr lang="en-US" sz="1400" cap="none" spc="0" dirty="0">
-                          <a:solidFill>
-                            <a:schemeClr val="tx1"/>
-                          </a:solidFill>
-                        </a:rPr>
-                        <a:t>Lorem ipsum et tula lorem ipsum et lorem ipsum </a:t>
-                      </a:r>
-                    </a:p>
-                    <a:p>
-                      <a:endParaRPr lang="en-US" sz="1400" cap="none" spc="0" dirty="0">
-                        <a:solidFill>
-                          <a:schemeClr val="tx1"/>
-                        </a:solidFill>
-                      </a:endParaRPr>
-                    </a:p>
-                  </a:txBody>
-                  <a:tcPr marL="151061" marR="151061" marT="151061" marB="151061">
-                    <a:lnL w="12700" cmpd="sng">
-                      <a:noFill/>
-                      <a:prstDash val="solid"/>
-                    </a:lnL>
-                    <a:lnR w="12700" cmpd="sng">
-                      <a:noFill/>
-                      <a:prstDash val="solid"/>
-                    </a:lnR>
-                    <a:lnT w="12700" cmpd="sng">
-                      <a:noFill/>
-                      <a:prstDash val="solid"/>
-                    </a:lnT>
-                    <a:lnB w="12700" cmpd="sng">
-                      <a:noFill/>
-                      <a:prstDash val="solid"/>
-                    </a:lnB>
-                    <a:solidFill>
-                      <a:srgbClr val="000000">
-                        <a:alpha val="7843"/>
-                      </a:srgbClr>
-                    </a:solidFill>
-                  </a:tcPr>
-                </a:tc>
-                <a:tc>
-                  <a:txBody>
-                    <a:bodyPr/>
-                    <a:lstStyle/>
-                    <a:p>
-                      <a:pPr marL="0" marR="0" lvl="0" indent="0" algn="l" defTabSz="914400" rtl="0" eaLnBrk="1" fontAlgn="auto" latinLnBrk="0" hangingPunct="1">
-                        <a:lnSpc>
-                          <a:spcPct val="100000"/>
-                        </a:lnSpc>
-                        <a:spcBef>
-                          <a:spcPts val="0"/>
-                        </a:spcBef>
-                        <a:spcAft>
-                          <a:spcPts val="0"/>
-                        </a:spcAft>
-                        <a:buClrTx/>
-                        <a:buSzTx/>
-                        <a:buFontTx/>
-                        <a:buNone/>
-                        <a:tabLst/>
-                        <a:defRPr/>
-                      </a:pPr>
-                      <a:r>
-                        <a:rPr lang="en-US" sz="1400" cap="none" spc="0" dirty="0">
-                          <a:solidFill>
-                            <a:schemeClr val="tx1"/>
-                          </a:solidFill>
-                        </a:rPr>
-                        <a:t>Lorem ipsum et tula lorem ipsum et lorem ipsum </a:t>
-                      </a:r>
-                    </a:p>
-                    <a:p>
-                      <a:endParaRPr lang="en-US" sz="1400" cap="none" spc="0" dirty="0">
-                        <a:solidFill>
-                          <a:schemeClr val="tx1"/>
-                        </a:solidFill>
-                      </a:endParaRPr>
-                    </a:p>
-                  </a:txBody>
-                  <a:tcPr marL="151061" marR="151061" marT="151061" marB="151061">
-                    <a:lnL w="12700" cmpd="sng">
-                      <a:noFill/>
-                      <a:prstDash val="solid"/>
-                    </a:lnL>
-                    <a:lnR w="12700" cmpd="sng">
-                      <a:noFill/>
-                      <a:prstDash val="solid"/>
-                    </a:lnR>
-                    <a:lnT w="12700" cmpd="sng">
-                      <a:noFill/>
-                      <a:prstDash val="solid"/>
-                    </a:lnT>
-                    <a:lnB w="12700" cmpd="sng">
-                      <a:noFill/>
-                      <a:prstDash val="solid"/>
-                    </a:lnB>
-                    <a:solidFill>
-                      <a:srgbClr val="000000">
-                        <a:alpha val="7843"/>
-                      </a:srgbClr>
-                    </a:solidFill>
-                  </a:tcPr>
-                </a:tc>
-                <a:tc>
-                  <a:txBody>
-                    <a:bodyPr/>
-                    <a:lstStyle/>
-                    <a:p>
-                      <a:pPr marL="0" marR="0" lvl="0" indent="0" algn="l" defTabSz="914400" rtl="0" eaLnBrk="1" fontAlgn="auto" latinLnBrk="0" hangingPunct="1">
-                        <a:lnSpc>
-                          <a:spcPct val="100000"/>
-                        </a:lnSpc>
-                        <a:spcBef>
-                          <a:spcPts val="0"/>
-                        </a:spcBef>
-                        <a:spcAft>
-                          <a:spcPts val="0"/>
-                        </a:spcAft>
-                        <a:buClrTx/>
-                        <a:buSzTx/>
-                        <a:buFontTx/>
-                        <a:buNone/>
-                        <a:tabLst/>
-                        <a:defRPr/>
-                      </a:pPr>
-                      <a:r>
-                        <a:rPr lang="en-US" sz="1400" cap="none" spc="0" dirty="0">
-                          <a:solidFill>
-                            <a:schemeClr val="tx1"/>
-                          </a:solidFill>
-                        </a:rPr>
-                        <a:t>Lorem ipsum et tula lorem ipsum et lorem ipsum </a:t>
-                      </a:r>
-                    </a:p>
-                    <a:p>
-                      <a:endParaRPr lang="en-US" sz="1400" cap="none" spc="0" dirty="0">
-                        <a:solidFill>
-                          <a:schemeClr val="tx1"/>
-                        </a:solidFill>
-                      </a:endParaRPr>
-                    </a:p>
-                  </a:txBody>
-                  <a:tcPr marL="151061" marR="151061" marT="151061" marB="151061">
-                    <a:lnL w="12700" cmpd="sng">
-                      <a:noFill/>
-                      <a:prstDash val="solid"/>
-                    </a:lnL>
-                    <a:lnR w="12700" cmpd="sng">
-                      <a:noFill/>
-                      <a:prstDash val="solid"/>
-                    </a:lnR>
-                    <a:lnT w="12700" cmpd="sng">
-                      <a:noFill/>
-                      <a:prstDash val="solid"/>
-                    </a:lnT>
-                    <a:lnB w="12700" cmpd="sng">
-                      <a:noFill/>
-                      <a:prstDash val="solid"/>
-                    </a:lnB>
-                    <a:solidFill>
-                      <a:srgbClr val="000000">
-                        <a:alpha val="7843"/>
-                      </a:srgbClr>
-                    </a:solidFill>
-                  </a:tcPr>
-                </a:tc>
-                <a:tc>
-                  <a:txBody>
-                    <a:bodyPr/>
-                    <a:lstStyle/>
-                    <a:p>
-                      <a:pPr marL="0" marR="0" lvl="0" indent="0" algn="l" defTabSz="914400" rtl="0" eaLnBrk="1" fontAlgn="auto" latinLnBrk="0" hangingPunct="1">
-                        <a:lnSpc>
-                          <a:spcPct val="100000"/>
-                        </a:lnSpc>
-                        <a:spcBef>
-                          <a:spcPts val="0"/>
-                        </a:spcBef>
-                        <a:spcAft>
-                          <a:spcPts val="0"/>
-                        </a:spcAft>
-                        <a:buClrTx/>
-                        <a:buSzTx/>
-                        <a:buFontTx/>
-                        <a:buNone/>
-                        <a:tabLst/>
-                        <a:defRPr/>
-                      </a:pPr>
-                      <a:r>
-                        <a:rPr lang="en-US" sz="1400" cap="none" spc="0" dirty="0">
-                          <a:solidFill>
-                            <a:schemeClr val="tx1"/>
-                          </a:solidFill>
-                        </a:rPr>
-                        <a:t>Lorem ipsum et tula lorem ipsum et lorem ipsum </a:t>
-                      </a:r>
-                    </a:p>
-                    <a:p>
-                      <a:endParaRPr lang="en-US" sz="1400" cap="none" spc="0" dirty="0">
-                        <a:solidFill>
-                          <a:schemeClr val="tx1"/>
-                        </a:solidFill>
-                      </a:endParaRPr>
-                    </a:p>
-                  </a:txBody>
-                  <a:tcPr marL="151061" marR="151061" marT="151061" marB="151061">
-                    <a:lnL w="12700" cmpd="sng">
-                      <a:noFill/>
-                      <a:prstDash val="solid"/>
-                    </a:lnL>
-                    <a:lnR w="12700" cmpd="sng">
-                      <a:noFill/>
-                      <a:prstDash val="solid"/>
-                    </a:lnR>
-                    <a:lnT w="12700" cmpd="sng">
-                      <a:noFill/>
-                      <a:prstDash val="solid"/>
-                    </a:lnT>
-                    <a:lnB w="12700" cmpd="sng">
-                      <a:noFill/>
-                      <a:prstDash val="solid"/>
-                    </a:lnB>
-                    <a:solidFill>
-                      <a:srgbClr val="000000">
-                        <a:alpha val="7843"/>
-                      </a:srgbClr>
-                    </a:solidFill>
-                  </a:tcPr>
-                </a:tc>
-                <a:extLst>
-                  <a:ext uri="{0D108BD9-81ED-4DB2-BD59-A6C34878D82A}">
-                    <a16:rowId xmlns:a16="http://schemas.microsoft.com/office/drawing/2014/main" val="4252228359"/>
-                  </a:ext>
-                </a:extLst>
-              </a:tr>
-              <a:tr h="978778">
-                <a:tc>
-                  <a:txBody>
-                    <a:bodyPr/>
-                    <a:lstStyle/>
-                    <a:p>
-                      <a:pPr marL="0" marR="0" lvl="0" indent="0" algn="l" defTabSz="914400" rtl="0" eaLnBrk="1" fontAlgn="auto" latinLnBrk="0" hangingPunct="1">
-                        <a:lnSpc>
-                          <a:spcPct val="100000"/>
-                        </a:lnSpc>
-                        <a:spcBef>
-                          <a:spcPts val="0"/>
-                        </a:spcBef>
-                        <a:spcAft>
-                          <a:spcPts val="0"/>
-                        </a:spcAft>
-                        <a:buClrTx/>
-                        <a:buSzTx/>
-                        <a:buFontTx/>
-                        <a:buNone/>
-                        <a:tabLst/>
-                        <a:defRPr/>
-                      </a:pPr>
-                      <a:r>
-                        <a:rPr lang="en-US" sz="1400" cap="none" spc="0" dirty="0">
-                          <a:solidFill>
-                            <a:schemeClr val="tx1"/>
-                          </a:solidFill>
-                        </a:rPr>
-                        <a:t>Lorem ipsum et tula lorem ipsum et lorem ipsum </a:t>
-                      </a:r>
-                    </a:p>
-                    <a:p>
-                      <a:endParaRPr lang="en-US" sz="1400" cap="none" spc="0" dirty="0">
-                        <a:solidFill>
-                          <a:schemeClr val="tx1"/>
-                        </a:solidFill>
-                      </a:endParaRPr>
-                    </a:p>
-                  </a:txBody>
-                  <a:tcPr marL="151061" marR="151061" marT="151061" marB="151061">
-                    <a:lnL w="12700" cmpd="sng">
-                      <a:noFill/>
-                      <a:prstDash val="solid"/>
-                    </a:lnL>
-                    <a:lnR w="12700" cmpd="sng">
-                      <a:noFill/>
-                      <a:prstDash val="solid"/>
-                    </a:lnR>
-                    <a:lnT w="12700" cmpd="sng">
-                      <a:noFill/>
-                      <a:prstDash val="solid"/>
-                    </a:lnT>
-                    <a:lnB w="12700" cmpd="sng">
-                      <a:noFill/>
-                      <a:prstDash val="solid"/>
-                    </a:lnB>
-                    <a:noFill/>
-                  </a:tcPr>
-                </a:tc>
-                <a:tc>
-                  <a:txBody>
-                    <a:bodyPr/>
-                    <a:lstStyle/>
-                    <a:p>
-                      <a:pPr marL="0" marR="0" lvl="0" indent="0" algn="l" defTabSz="914400" rtl="0" eaLnBrk="1" fontAlgn="auto" latinLnBrk="0" hangingPunct="1">
-                        <a:lnSpc>
-                          <a:spcPct val="100000"/>
-                        </a:lnSpc>
-                        <a:spcBef>
-                          <a:spcPts val="0"/>
-                        </a:spcBef>
-                        <a:spcAft>
-                          <a:spcPts val="0"/>
-                        </a:spcAft>
-                        <a:buClrTx/>
-                        <a:buSzTx/>
-                        <a:buFontTx/>
-                        <a:buNone/>
-                        <a:tabLst/>
-                        <a:defRPr/>
-                      </a:pPr>
-                      <a:r>
-                        <a:rPr lang="en-US" sz="1400" cap="none" spc="0" dirty="0">
-                          <a:solidFill>
-                            <a:schemeClr val="tx1"/>
-                          </a:solidFill>
-                        </a:rPr>
-                        <a:t>Lorem ipsum et tula lorem ipsum et lorem ipsum </a:t>
-                      </a:r>
-                    </a:p>
-                    <a:p>
-                      <a:endParaRPr lang="en-US" sz="1400" cap="none" spc="0" dirty="0">
-                        <a:solidFill>
-                          <a:schemeClr val="tx1"/>
-                        </a:solidFill>
-                      </a:endParaRPr>
-                    </a:p>
-                  </a:txBody>
-                  <a:tcPr marL="151061" marR="151061" marT="151061" marB="151061">
-                    <a:lnL w="12700" cmpd="sng">
-                      <a:noFill/>
-                      <a:prstDash val="solid"/>
-                    </a:lnL>
-                    <a:lnR w="12700" cmpd="sng">
-                      <a:noFill/>
-                      <a:prstDash val="solid"/>
-                    </a:lnR>
-                    <a:lnT w="12700" cmpd="sng">
-                      <a:noFill/>
-                      <a:prstDash val="solid"/>
-                    </a:lnT>
-                    <a:lnB w="12700" cmpd="sng">
-                      <a:noFill/>
-                      <a:prstDash val="solid"/>
-                    </a:lnB>
-                    <a:noFill/>
-                  </a:tcPr>
-                </a:tc>
-                <a:tc>
-                  <a:txBody>
-                    <a:bodyPr/>
-                    <a:lstStyle/>
-                    <a:p>
-                      <a:pPr marL="0" marR="0" lvl="0" indent="0" algn="l" defTabSz="914400" rtl="0" eaLnBrk="1" fontAlgn="auto" latinLnBrk="0" hangingPunct="1">
-                        <a:lnSpc>
-                          <a:spcPct val="100000"/>
-                        </a:lnSpc>
-                        <a:spcBef>
-                          <a:spcPts val="0"/>
-                        </a:spcBef>
-                        <a:spcAft>
-                          <a:spcPts val="0"/>
-                        </a:spcAft>
-                        <a:buClrTx/>
-                        <a:buSzTx/>
-                        <a:buFontTx/>
-                        <a:buNone/>
-                        <a:tabLst/>
-                        <a:defRPr/>
-                      </a:pPr>
-                      <a:r>
-                        <a:rPr lang="en-US" sz="1400" cap="none" spc="0" dirty="0">
-                          <a:solidFill>
-                            <a:schemeClr val="tx1"/>
-                          </a:solidFill>
-                        </a:rPr>
-                        <a:t>Lorem ipsum et tula lorem ipsum et lorem ipsum </a:t>
-                      </a:r>
-                    </a:p>
-                    <a:p>
-                      <a:endParaRPr lang="en-US" sz="1400" cap="none" spc="0" dirty="0">
-                        <a:solidFill>
-                          <a:schemeClr val="tx1"/>
-                        </a:solidFill>
-                      </a:endParaRPr>
-                    </a:p>
-                  </a:txBody>
-                  <a:tcPr marL="151061" marR="151061" marT="151061" marB="151061">
-                    <a:lnL w="12700" cmpd="sng">
-                      <a:noFill/>
-                      <a:prstDash val="solid"/>
-                    </a:lnL>
-                    <a:lnR w="12700" cmpd="sng">
-                      <a:noFill/>
-                      <a:prstDash val="solid"/>
-                    </a:lnR>
-                    <a:lnT w="12700" cmpd="sng">
-                      <a:noFill/>
-                      <a:prstDash val="solid"/>
-                    </a:lnT>
-                    <a:lnB w="12700" cmpd="sng">
-                      <a:noFill/>
-                      <a:prstDash val="solid"/>
-                    </a:lnB>
-                    <a:noFill/>
-                  </a:tcPr>
-                </a:tc>
-                <a:tc>
-                  <a:txBody>
-                    <a:bodyPr/>
-                    <a:lstStyle/>
-                    <a:p>
-                      <a:pPr marL="0" marR="0" lvl="0" indent="0" algn="l" defTabSz="914400" rtl="0" eaLnBrk="1" fontAlgn="auto" latinLnBrk="0" hangingPunct="1">
-                        <a:lnSpc>
-                          <a:spcPct val="100000"/>
-                        </a:lnSpc>
-                        <a:spcBef>
-                          <a:spcPts val="0"/>
-                        </a:spcBef>
-                        <a:spcAft>
-                          <a:spcPts val="0"/>
-                        </a:spcAft>
-                        <a:buClrTx/>
-                        <a:buSzTx/>
-                        <a:buFontTx/>
-                        <a:buNone/>
-                        <a:tabLst/>
-                        <a:defRPr/>
-                      </a:pPr>
-                      <a:r>
-                        <a:rPr lang="en-US" sz="1400" cap="none" spc="0" dirty="0">
-                          <a:solidFill>
-                            <a:schemeClr val="tx1"/>
-                          </a:solidFill>
-                        </a:rPr>
-                        <a:t>Lorem ipsum et tula lorem ipsum et lorem ipsum </a:t>
-                      </a:r>
-                    </a:p>
-                    <a:p>
-                      <a:endParaRPr lang="en-US" sz="1400" cap="none" spc="0" dirty="0">
-                        <a:solidFill>
-                          <a:schemeClr val="tx1"/>
-                        </a:solidFill>
-                      </a:endParaRPr>
-                    </a:p>
-                  </a:txBody>
-                  <a:tcPr marL="151061" marR="151061" marT="151061" marB="151061">
-                    <a:lnL w="12700" cmpd="sng">
-                      <a:noFill/>
-                      <a:prstDash val="solid"/>
-                    </a:lnL>
-                    <a:lnR w="12700" cmpd="sng">
-                      <a:noFill/>
-                      <a:prstDash val="solid"/>
-                    </a:lnR>
-                    <a:lnT w="12700" cmpd="sng">
-                      <a:noFill/>
-                      <a:prstDash val="solid"/>
-                    </a:lnT>
-                    <a:lnB w="12700" cmpd="sng">
-                      <a:noFill/>
-                      <a:prstDash val="solid"/>
-                    </a:lnB>
-                    <a:noFill/>
-                  </a:tcPr>
-                </a:tc>
-                <a:extLst>
-                  <a:ext uri="{0D108BD9-81ED-4DB2-BD59-A6C34878D82A}">
-                    <a16:rowId xmlns:a16="http://schemas.microsoft.com/office/drawing/2014/main" val="2578144993"/>
-                  </a:ext>
-                </a:extLst>
-              </a:tr>
-            </a:tbl>
-          </a:graphicData>
-        </a:graphic>
-      </p:graphicFrame>
+        </p:nvPicPr>
+        <p:blipFill>
+          <a:blip r:embed="rId3"/>
+          <a:stretch>
+            <a:fillRect/>
+          </a:stretch>
+        </p:blipFill>
+        <p:spPr>
+          <a:xfrm>
+            <a:off x="1" y="0"/>
+            <a:ext cx="12192000" cy="6048375"/>
+          </a:xfrm>
+        </p:spPr>
+      </p:pic>
     </p:spTree>
     <p:extLst>
       <p:ext uri="{BB962C8B-B14F-4D97-AF65-F5344CB8AC3E}">
-        <p14:creationId xmlns:p14="http://schemas.microsoft.com/office/powerpoint/2010/main" val="210925591"/>
+        <p14:creationId xmlns:p14="http://schemas.microsoft.com/office/powerpoint/2010/main" val="3873677788"/>
       </p:ext>
     </p:extLst>
   </p:cSld>
@@ -7764,962 +9299,38 @@
           <a:chExt cx="0" cy="0"/>
         </a:xfrm>
       </p:grpSpPr>
-      <p:sp>
-        <p:nvSpPr>
-          <p:cNvPr id="2" name="Title 1">
+      <p:pic>
+        <p:nvPicPr>
+          <p:cNvPr id="9" name="Content Placeholder 8">
             <a:extLst>
               <a:ext uri="{FF2B5EF4-FFF2-40B4-BE49-F238E27FC236}">
-                <a16:creationId xmlns:a16="http://schemas.microsoft.com/office/drawing/2014/main" id="{75AC86D3-8FD1-4F47-A319-7D0542E48B2F}"/>
+                <a16:creationId xmlns:a16="http://schemas.microsoft.com/office/drawing/2014/main" id="{69FDDE4D-2C79-38F8-077F-4660A7584DE1}"/>
               </a:ext>
             </a:extLst>
           </p:cNvPr>
-          <p:cNvSpPr>
-            <a:spLocks noGrp="1"/>
-          </p:cNvSpPr>
-          <p:nvPr>
-            <p:ph type="title"/>
-          </p:nvPr>
-        </p:nvSpPr>
-        <p:spPr>
-          <a:xfrm>
-            <a:off x="1097280" y="286603"/>
-            <a:ext cx="10058400" cy="1450757"/>
-          </a:xfrm>
-        </p:spPr>
-        <p:txBody>
-          <a:bodyPr vert="horz" lIns="91440" tIns="45720" rIns="91440" bIns="45720" rtlCol="0">
-            <a:normAutofit/>
-          </a:bodyPr>
-          <a:lstStyle/>
-          <a:p>
-            <a:r>
-              <a:rPr lang="en-US" dirty="0"/>
-              <a:t>Title Lorem Ipsum </a:t>
-            </a:r>
-          </a:p>
-        </p:txBody>
-      </p:sp>
-      <p:graphicFrame>
-        <p:nvGraphicFramePr>
-          <p:cNvPr id="4" name="Table 4">
-            <a:extLst>
-              <a:ext uri="{FF2B5EF4-FFF2-40B4-BE49-F238E27FC236}">
-                <a16:creationId xmlns:a16="http://schemas.microsoft.com/office/drawing/2014/main" id="{C266CDD0-3E96-40BD-8324-62D1DD86152D}"/>
-              </a:ext>
-            </a:extLst>
-          </p:cNvPr>
-          <p:cNvGraphicFramePr>
-            <a:graphicFrameLocks noGrp="1"/>
-          </p:cNvGraphicFramePr>
+          <p:cNvPicPr>
+            <a:picLocks noGrp="1" noChangeAspect="1"/>
+          </p:cNvPicPr>
           <p:nvPr>
             <p:ph idx="1"/>
           </p:nvPr>
-        </p:nvGraphicFramePr>
-        <p:xfrm>
-          <a:off x="1096963" y="2216879"/>
-          <a:ext cx="10058400" cy="3604216"/>
-        </p:xfrm>
-        <a:graphic>
-          <a:graphicData uri="http://schemas.openxmlformats.org/drawingml/2006/table">
-            <a:tbl>
-              <a:tblPr firstRow="1" bandRow="1">
-                <a:noFill/>
-                <a:tableStyleId>{3B4B98B0-60AC-42C2-AFA5-B58CD77FA1E5}</a:tableStyleId>
-              </a:tblPr>
-              <a:tblGrid>
-                <a:gridCol w="2514600">
-                  <a:extLst>
-                    <a:ext uri="{9D8B030D-6E8A-4147-A177-3AD203B41FA5}">
-                      <a16:colId xmlns:a16="http://schemas.microsoft.com/office/drawing/2014/main" val="2981917977"/>
-                    </a:ext>
-                  </a:extLst>
-                </a:gridCol>
-                <a:gridCol w="2514600">
-                  <a:extLst>
-                    <a:ext uri="{9D8B030D-6E8A-4147-A177-3AD203B41FA5}">
-                      <a16:colId xmlns:a16="http://schemas.microsoft.com/office/drawing/2014/main" val="945233394"/>
-                    </a:ext>
-                  </a:extLst>
-                </a:gridCol>
-                <a:gridCol w="2514600">
-                  <a:extLst>
-                    <a:ext uri="{9D8B030D-6E8A-4147-A177-3AD203B41FA5}">
-                      <a16:colId xmlns:a16="http://schemas.microsoft.com/office/drawing/2014/main" val="2572263168"/>
-                    </a:ext>
-                  </a:extLst>
-                </a:gridCol>
-                <a:gridCol w="2514600">
-                  <a:extLst>
-                    <a:ext uri="{9D8B030D-6E8A-4147-A177-3AD203B41FA5}">
-                      <a16:colId xmlns:a16="http://schemas.microsoft.com/office/drawing/2014/main" val="1765783061"/>
-                    </a:ext>
-                  </a:extLst>
-                </a:gridCol>
-              </a:tblGrid>
-              <a:tr h="613018">
-                <a:tc>
-                  <a:txBody>
-                    <a:bodyPr/>
-                    <a:lstStyle/>
-                    <a:p>
-                      <a:r>
-                        <a:rPr lang="en-US" sz="2400" b="0" cap="all" spc="150" dirty="0">
-                          <a:solidFill>
-                            <a:schemeClr val="lt1"/>
-                          </a:solidFill>
-                        </a:rPr>
-                        <a:t>Q1</a:t>
-                      </a:r>
-                    </a:p>
-                  </a:txBody>
-                  <a:tcPr marL="151061" marR="151061" marT="151061" marB="151061">
-                    <a:lnL w="12700" cmpd="sng">
-                      <a:noFill/>
-                    </a:lnL>
-                    <a:lnR w="12700" cmpd="sng">
-                      <a:noFill/>
-                    </a:lnR>
-                    <a:lnT w="12700" cmpd="sng">
-                      <a:noFill/>
-                    </a:lnT>
-                    <a:lnB w="38100" cmpd="sng">
-                      <a:noFill/>
-                    </a:lnB>
-                    <a:solidFill>
-                      <a:schemeClr val="accent1"/>
-                    </a:solidFill>
-                  </a:tcPr>
-                </a:tc>
-                <a:tc>
-                  <a:txBody>
-                    <a:bodyPr/>
-                    <a:lstStyle/>
-                    <a:p>
-                      <a:r>
-                        <a:rPr lang="en-US" sz="2400" b="0" cap="all" spc="150" dirty="0">
-                          <a:solidFill>
-                            <a:schemeClr val="lt1"/>
-                          </a:solidFill>
-                        </a:rPr>
-                        <a:t>Q2</a:t>
-                      </a:r>
-                    </a:p>
-                  </a:txBody>
-                  <a:tcPr marL="151061" marR="151061" marT="151061" marB="151061">
-                    <a:lnL w="12700" cmpd="sng">
-                      <a:noFill/>
-                    </a:lnL>
-                    <a:lnR w="12700" cmpd="sng">
-                      <a:noFill/>
-                    </a:lnR>
-                    <a:lnT w="12700" cmpd="sng">
-                      <a:noFill/>
-                    </a:lnT>
-                    <a:lnB w="38100" cmpd="sng">
-                      <a:noFill/>
-                    </a:lnB>
-                    <a:solidFill>
-                      <a:schemeClr val="accent1"/>
-                    </a:solidFill>
-                  </a:tcPr>
-                </a:tc>
-                <a:tc>
-                  <a:txBody>
-                    <a:bodyPr/>
-                    <a:lstStyle/>
-                    <a:p>
-                      <a:r>
-                        <a:rPr lang="en-US" sz="2400" b="0" cap="all" spc="150" dirty="0">
-                          <a:solidFill>
-                            <a:schemeClr val="lt1"/>
-                          </a:solidFill>
-                        </a:rPr>
-                        <a:t>Q3</a:t>
-                      </a:r>
-                    </a:p>
-                  </a:txBody>
-                  <a:tcPr marL="151061" marR="151061" marT="151061" marB="151061">
-                    <a:lnL w="12700" cmpd="sng">
-                      <a:noFill/>
-                    </a:lnL>
-                    <a:lnR w="12700" cmpd="sng">
-                      <a:noFill/>
-                    </a:lnR>
-                    <a:lnT w="12700" cmpd="sng">
-                      <a:noFill/>
-                    </a:lnT>
-                    <a:lnB w="38100" cmpd="sng">
-                      <a:noFill/>
-                    </a:lnB>
-                    <a:solidFill>
-                      <a:schemeClr val="accent1"/>
-                    </a:solidFill>
-                  </a:tcPr>
-                </a:tc>
-                <a:tc>
-                  <a:txBody>
-                    <a:bodyPr/>
-                    <a:lstStyle/>
-                    <a:p>
-                      <a:r>
-                        <a:rPr lang="en-US" sz="2400" b="0" cap="all" spc="150" dirty="0">
-                          <a:solidFill>
-                            <a:schemeClr val="lt1"/>
-                          </a:solidFill>
-                        </a:rPr>
-                        <a:t>Q4</a:t>
-                      </a:r>
-                    </a:p>
-                  </a:txBody>
-                  <a:tcPr marL="151061" marR="151061" marT="151061" marB="151061">
-                    <a:lnL w="12700" cmpd="sng">
-                      <a:noFill/>
-                    </a:lnL>
-                    <a:lnR w="12700" cmpd="sng">
-                      <a:noFill/>
-                    </a:lnR>
-                    <a:lnT w="12700" cmpd="sng">
-                      <a:noFill/>
-                    </a:lnT>
-                    <a:lnB w="38100" cmpd="sng">
-                      <a:noFill/>
-                    </a:lnB>
-                    <a:solidFill>
-                      <a:schemeClr val="accent1"/>
-                    </a:solidFill>
-                  </a:tcPr>
-                </a:tc>
-                <a:extLst>
-                  <a:ext uri="{0D108BD9-81ED-4DB2-BD59-A6C34878D82A}">
-                    <a16:rowId xmlns:a16="http://schemas.microsoft.com/office/drawing/2014/main" val="2580512675"/>
-                  </a:ext>
-                </a:extLst>
-              </a:tr>
-              <a:tr h="978778">
-                <a:tc>
-                  <a:txBody>
-                    <a:bodyPr/>
-                    <a:lstStyle/>
-                    <a:p>
-                      <a:r>
-                        <a:rPr lang="en-US" sz="1400" cap="none" spc="0" dirty="0">
-                          <a:solidFill>
-                            <a:schemeClr val="tx1"/>
-                          </a:solidFill>
-                        </a:rPr>
-                        <a:t>Lorem ipsum et tula lorem ipsum et lorem ipsum </a:t>
-                      </a:r>
-                    </a:p>
-                  </a:txBody>
-                  <a:tcPr marL="151061" marR="151061" marT="151061" marB="151061">
-                    <a:lnL w="12700" cmpd="sng">
-                      <a:noFill/>
-                      <a:prstDash val="solid"/>
-                    </a:lnL>
-                    <a:lnR w="12700" cmpd="sng">
-                      <a:noFill/>
-                      <a:prstDash val="solid"/>
-                    </a:lnR>
-                    <a:lnT w="38100" cmpd="sng">
-                      <a:noFill/>
-                    </a:lnT>
-                    <a:lnB w="12700" cmpd="sng">
-                      <a:noFill/>
-                      <a:prstDash val="solid"/>
-                    </a:lnB>
-                    <a:noFill/>
-                  </a:tcPr>
-                </a:tc>
-                <a:tc>
-                  <a:txBody>
-                    <a:bodyPr/>
-                    <a:lstStyle/>
-                    <a:p>
-                      <a:pPr marL="0" marR="0" lvl="0" indent="0" algn="l" defTabSz="914400" rtl="0" eaLnBrk="1" fontAlgn="auto" latinLnBrk="0" hangingPunct="1">
-                        <a:lnSpc>
-                          <a:spcPct val="100000"/>
-                        </a:lnSpc>
-                        <a:spcBef>
-                          <a:spcPts val="0"/>
-                        </a:spcBef>
-                        <a:spcAft>
-                          <a:spcPts val="0"/>
-                        </a:spcAft>
-                        <a:buClrTx/>
-                        <a:buSzTx/>
-                        <a:buFontTx/>
-                        <a:buNone/>
-                        <a:tabLst/>
-                        <a:defRPr/>
-                      </a:pPr>
-                      <a:r>
-                        <a:rPr lang="en-US" sz="1400" cap="none" spc="0" dirty="0">
-                          <a:solidFill>
-                            <a:schemeClr val="tx1"/>
-                          </a:solidFill>
-                        </a:rPr>
-                        <a:t>Lorem ipsum et tula lorem ipsum et lorem ipsum </a:t>
-                      </a:r>
-                    </a:p>
-                    <a:p>
-                      <a:endParaRPr lang="en-US" sz="1400" cap="none" spc="0" dirty="0">
-                        <a:solidFill>
-                          <a:schemeClr val="tx1"/>
-                        </a:solidFill>
-                      </a:endParaRPr>
-                    </a:p>
-                  </a:txBody>
-                  <a:tcPr marL="151061" marR="151061" marT="151061" marB="151061">
-                    <a:lnL w="12700" cmpd="sng">
-                      <a:noFill/>
-                      <a:prstDash val="solid"/>
-                    </a:lnL>
-                    <a:lnR w="12700" cmpd="sng">
-                      <a:noFill/>
-                      <a:prstDash val="solid"/>
-                    </a:lnR>
-                    <a:lnT w="38100" cmpd="sng">
-                      <a:noFill/>
-                    </a:lnT>
-                    <a:lnB w="12700" cmpd="sng">
-                      <a:noFill/>
-                      <a:prstDash val="solid"/>
-                    </a:lnB>
-                    <a:noFill/>
-                  </a:tcPr>
-                </a:tc>
-                <a:tc>
-                  <a:txBody>
-                    <a:bodyPr/>
-                    <a:lstStyle/>
-                    <a:p>
-                      <a:pPr marL="0" marR="0" lvl="0" indent="0" algn="l" defTabSz="914400" rtl="0" eaLnBrk="1" fontAlgn="auto" latinLnBrk="0" hangingPunct="1">
-                        <a:lnSpc>
-                          <a:spcPct val="100000"/>
-                        </a:lnSpc>
-                        <a:spcBef>
-                          <a:spcPts val="0"/>
-                        </a:spcBef>
-                        <a:spcAft>
-                          <a:spcPts val="0"/>
-                        </a:spcAft>
-                        <a:buClrTx/>
-                        <a:buSzTx/>
-                        <a:buFontTx/>
-                        <a:buNone/>
-                        <a:tabLst/>
-                        <a:defRPr/>
-                      </a:pPr>
-                      <a:r>
-                        <a:rPr lang="en-US" sz="1400" cap="none" spc="0" dirty="0">
-                          <a:solidFill>
-                            <a:schemeClr val="tx1"/>
-                          </a:solidFill>
-                        </a:rPr>
-                        <a:t>Lorem ipsum et tula lorem ipsum et lorem ipsum </a:t>
-                      </a:r>
-                    </a:p>
-                    <a:p>
-                      <a:endParaRPr lang="en-US" sz="1400" cap="none" spc="0" dirty="0">
-                        <a:solidFill>
-                          <a:schemeClr val="tx1"/>
-                        </a:solidFill>
-                      </a:endParaRPr>
-                    </a:p>
-                  </a:txBody>
-                  <a:tcPr marL="151061" marR="151061" marT="151061" marB="151061">
-                    <a:lnL w="12700" cmpd="sng">
-                      <a:noFill/>
-                      <a:prstDash val="solid"/>
-                    </a:lnL>
-                    <a:lnR w="12700" cmpd="sng">
-                      <a:noFill/>
-                      <a:prstDash val="solid"/>
-                    </a:lnR>
-                    <a:lnT w="38100" cmpd="sng">
-                      <a:noFill/>
-                    </a:lnT>
-                    <a:lnB w="12700" cmpd="sng">
-                      <a:noFill/>
-                      <a:prstDash val="solid"/>
-                    </a:lnB>
-                    <a:noFill/>
-                  </a:tcPr>
-                </a:tc>
-                <a:tc>
-                  <a:txBody>
-                    <a:bodyPr/>
-                    <a:lstStyle/>
-                    <a:p>
-                      <a:pPr marL="0" marR="0" lvl="0" indent="0" algn="l" defTabSz="914400" rtl="0" eaLnBrk="1" fontAlgn="auto" latinLnBrk="0" hangingPunct="1">
-                        <a:lnSpc>
-                          <a:spcPct val="100000"/>
-                        </a:lnSpc>
-                        <a:spcBef>
-                          <a:spcPts val="0"/>
-                        </a:spcBef>
-                        <a:spcAft>
-                          <a:spcPts val="0"/>
-                        </a:spcAft>
-                        <a:buClrTx/>
-                        <a:buSzTx/>
-                        <a:buFontTx/>
-                        <a:buNone/>
-                        <a:tabLst/>
-                        <a:defRPr/>
-                      </a:pPr>
-                      <a:r>
-                        <a:rPr lang="en-US" sz="1400" cap="none" spc="0" dirty="0">
-                          <a:solidFill>
-                            <a:schemeClr val="tx1"/>
-                          </a:solidFill>
-                        </a:rPr>
-                        <a:t>Lorem ipsum et tula lorem ipsum et lorem ipsum </a:t>
-                      </a:r>
-                    </a:p>
-                    <a:p>
-                      <a:endParaRPr lang="en-US" sz="1400" cap="none" spc="0" dirty="0">
-                        <a:solidFill>
-                          <a:schemeClr val="tx1"/>
-                        </a:solidFill>
-                      </a:endParaRPr>
-                    </a:p>
-                  </a:txBody>
-                  <a:tcPr marL="151061" marR="151061" marT="151061" marB="151061">
-                    <a:lnL w="12700" cmpd="sng">
-                      <a:noFill/>
-                      <a:prstDash val="solid"/>
-                    </a:lnL>
-                    <a:lnR w="12700" cmpd="sng">
-                      <a:noFill/>
-                      <a:prstDash val="solid"/>
-                    </a:lnR>
-                    <a:lnT w="38100" cmpd="sng">
-                      <a:noFill/>
-                    </a:lnT>
-                    <a:lnB w="12700" cmpd="sng">
-                      <a:noFill/>
-                      <a:prstDash val="solid"/>
-                    </a:lnB>
-                    <a:noFill/>
-                  </a:tcPr>
-                </a:tc>
-                <a:extLst>
-                  <a:ext uri="{0D108BD9-81ED-4DB2-BD59-A6C34878D82A}">
-                    <a16:rowId xmlns:a16="http://schemas.microsoft.com/office/drawing/2014/main" val="2085369860"/>
-                  </a:ext>
-                </a:extLst>
-              </a:tr>
-              <a:tr h="978778">
-                <a:tc>
-                  <a:txBody>
-                    <a:bodyPr/>
-                    <a:lstStyle/>
-                    <a:p>
-                      <a:pPr marL="0" marR="0" lvl="0" indent="0" algn="l" defTabSz="914400" rtl="0" eaLnBrk="1" fontAlgn="auto" latinLnBrk="0" hangingPunct="1">
-                        <a:lnSpc>
-                          <a:spcPct val="100000"/>
-                        </a:lnSpc>
-                        <a:spcBef>
-                          <a:spcPts val="0"/>
-                        </a:spcBef>
-                        <a:spcAft>
-                          <a:spcPts val="0"/>
-                        </a:spcAft>
-                        <a:buClrTx/>
-                        <a:buSzTx/>
-                        <a:buFontTx/>
-                        <a:buNone/>
-                        <a:tabLst/>
-                        <a:defRPr/>
-                      </a:pPr>
-                      <a:r>
-                        <a:rPr lang="en-US" sz="1400" cap="none" spc="0" dirty="0">
-                          <a:solidFill>
-                            <a:schemeClr val="tx1"/>
-                          </a:solidFill>
-                        </a:rPr>
-                        <a:t>Lorem ipsum et tula lorem ipsum et lorem ipsum </a:t>
-                      </a:r>
-                    </a:p>
-                    <a:p>
-                      <a:endParaRPr lang="en-US" sz="1400" cap="none" spc="0" dirty="0">
-                        <a:solidFill>
-                          <a:schemeClr val="tx1"/>
-                        </a:solidFill>
-                      </a:endParaRPr>
-                    </a:p>
-                  </a:txBody>
-                  <a:tcPr marL="151061" marR="151061" marT="151061" marB="151061">
-                    <a:lnL w="12700" cmpd="sng">
-                      <a:noFill/>
-                      <a:prstDash val="solid"/>
-                    </a:lnL>
-                    <a:lnR w="12700" cmpd="sng">
-                      <a:noFill/>
-                      <a:prstDash val="solid"/>
-                    </a:lnR>
-                    <a:lnT w="12700" cmpd="sng">
-                      <a:noFill/>
-                      <a:prstDash val="solid"/>
-                    </a:lnT>
-                    <a:lnB w="12700" cmpd="sng">
-                      <a:noFill/>
-                      <a:prstDash val="solid"/>
-                    </a:lnB>
-                    <a:solidFill>
-                      <a:srgbClr val="000000">
-                        <a:alpha val="7843"/>
-                      </a:srgbClr>
-                    </a:solidFill>
-                  </a:tcPr>
-                </a:tc>
-                <a:tc>
-                  <a:txBody>
-                    <a:bodyPr/>
-                    <a:lstStyle/>
-                    <a:p>
-                      <a:pPr marL="0" marR="0" lvl="0" indent="0" algn="l" defTabSz="914400" rtl="0" eaLnBrk="1" fontAlgn="auto" latinLnBrk="0" hangingPunct="1">
-                        <a:lnSpc>
-                          <a:spcPct val="100000"/>
-                        </a:lnSpc>
-                        <a:spcBef>
-                          <a:spcPts val="0"/>
-                        </a:spcBef>
-                        <a:spcAft>
-                          <a:spcPts val="0"/>
-                        </a:spcAft>
-                        <a:buClrTx/>
-                        <a:buSzTx/>
-                        <a:buFontTx/>
-                        <a:buNone/>
-                        <a:tabLst/>
-                        <a:defRPr/>
-                      </a:pPr>
-                      <a:r>
-                        <a:rPr lang="en-US" sz="1400" cap="none" spc="0" dirty="0">
-                          <a:solidFill>
-                            <a:schemeClr val="tx1"/>
-                          </a:solidFill>
-                        </a:rPr>
-                        <a:t>Lorem ipsum et tula lorem ipsum et lorem ipsum </a:t>
-                      </a:r>
-                    </a:p>
-                    <a:p>
-                      <a:endParaRPr lang="en-US" sz="1400" cap="none" spc="0" dirty="0">
-                        <a:solidFill>
-                          <a:schemeClr val="tx1"/>
-                        </a:solidFill>
-                      </a:endParaRPr>
-                    </a:p>
-                  </a:txBody>
-                  <a:tcPr marL="151061" marR="151061" marT="151061" marB="151061">
-                    <a:lnL w="12700" cmpd="sng">
-                      <a:noFill/>
-                      <a:prstDash val="solid"/>
-                    </a:lnL>
-                    <a:lnR w="12700" cmpd="sng">
-                      <a:noFill/>
-                      <a:prstDash val="solid"/>
-                    </a:lnR>
-                    <a:lnT w="12700" cmpd="sng">
-                      <a:noFill/>
-                      <a:prstDash val="solid"/>
-                    </a:lnT>
-                    <a:lnB w="12700" cmpd="sng">
-                      <a:noFill/>
-                      <a:prstDash val="solid"/>
-                    </a:lnB>
-                    <a:solidFill>
-                      <a:srgbClr val="000000">
-                        <a:alpha val="7843"/>
-                      </a:srgbClr>
-                    </a:solidFill>
-                  </a:tcPr>
-                </a:tc>
-                <a:tc>
-                  <a:txBody>
-                    <a:bodyPr/>
-                    <a:lstStyle/>
-                    <a:p>
-                      <a:pPr marL="0" marR="0" lvl="0" indent="0" algn="l" defTabSz="914400" rtl="0" eaLnBrk="1" fontAlgn="auto" latinLnBrk="0" hangingPunct="1">
-                        <a:lnSpc>
-                          <a:spcPct val="100000"/>
-                        </a:lnSpc>
-                        <a:spcBef>
-                          <a:spcPts val="0"/>
-                        </a:spcBef>
-                        <a:spcAft>
-                          <a:spcPts val="0"/>
-                        </a:spcAft>
-                        <a:buClrTx/>
-                        <a:buSzTx/>
-                        <a:buFontTx/>
-                        <a:buNone/>
-                        <a:tabLst/>
-                        <a:defRPr/>
-                      </a:pPr>
-                      <a:r>
-                        <a:rPr lang="en-US" sz="1400" cap="none" spc="0" dirty="0">
-                          <a:solidFill>
-                            <a:schemeClr val="tx1"/>
-                          </a:solidFill>
-                        </a:rPr>
-                        <a:t>Lorem ipsum et tula lorem ipsum et lorem ipsum </a:t>
-                      </a:r>
-                    </a:p>
-                    <a:p>
-                      <a:endParaRPr lang="en-US" sz="1400" cap="none" spc="0" dirty="0">
-                        <a:solidFill>
-                          <a:schemeClr val="tx1"/>
-                        </a:solidFill>
-                      </a:endParaRPr>
-                    </a:p>
-                  </a:txBody>
-                  <a:tcPr marL="151061" marR="151061" marT="151061" marB="151061">
-                    <a:lnL w="12700" cmpd="sng">
-                      <a:noFill/>
-                      <a:prstDash val="solid"/>
-                    </a:lnL>
-                    <a:lnR w="12700" cmpd="sng">
-                      <a:noFill/>
-                      <a:prstDash val="solid"/>
-                    </a:lnR>
-                    <a:lnT w="12700" cmpd="sng">
-                      <a:noFill/>
-                      <a:prstDash val="solid"/>
-                    </a:lnT>
-                    <a:lnB w="12700" cmpd="sng">
-                      <a:noFill/>
-                      <a:prstDash val="solid"/>
-                    </a:lnB>
-                    <a:solidFill>
-                      <a:srgbClr val="000000">
-                        <a:alpha val="7843"/>
-                      </a:srgbClr>
-                    </a:solidFill>
-                  </a:tcPr>
-                </a:tc>
-                <a:tc>
-                  <a:txBody>
-                    <a:bodyPr/>
-                    <a:lstStyle/>
-                    <a:p>
-                      <a:pPr marL="0" marR="0" lvl="0" indent="0" algn="l" defTabSz="914400" rtl="0" eaLnBrk="1" fontAlgn="auto" latinLnBrk="0" hangingPunct="1">
-                        <a:lnSpc>
-                          <a:spcPct val="100000"/>
-                        </a:lnSpc>
-                        <a:spcBef>
-                          <a:spcPts val="0"/>
-                        </a:spcBef>
-                        <a:spcAft>
-                          <a:spcPts val="0"/>
-                        </a:spcAft>
-                        <a:buClrTx/>
-                        <a:buSzTx/>
-                        <a:buFontTx/>
-                        <a:buNone/>
-                        <a:tabLst/>
-                        <a:defRPr/>
-                      </a:pPr>
-                      <a:r>
-                        <a:rPr lang="en-US" sz="1400" cap="none" spc="0" dirty="0">
-                          <a:solidFill>
-                            <a:schemeClr val="tx1"/>
-                          </a:solidFill>
-                        </a:rPr>
-                        <a:t>Lorem ipsum et tula lorem ipsum et lorem ipsum </a:t>
-                      </a:r>
-                    </a:p>
-                    <a:p>
-                      <a:endParaRPr lang="en-US" sz="1400" cap="none" spc="0" dirty="0">
-                        <a:solidFill>
-                          <a:schemeClr val="tx1"/>
-                        </a:solidFill>
-                      </a:endParaRPr>
-                    </a:p>
-                  </a:txBody>
-                  <a:tcPr marL="151061" marR="151061" marT="151061" marB="151061">
-                    <a:lnL w="12700" cmpd="sng">
-                      <a:noFill/>
-                      <a:prstDash val="solid"/>
-                    </a:lnL>
-                    <a:lnR w="12700" cmpd="sng">
-                      <a:noFill/>
-                      <a:prstDash val="solid"/>
-                    </a:lnR>
-                    <a:lnT w="12700" cmpd="sng">
-                      <a:noFill/>
-                      <a:prstDash val="solid"/>
-                    </a:lnT>
-                    <a:lnB w="12700" cmpd="sng">
-                      <a:noFill/>
-                      <a:prstDash val="solid"/>
-                    </a:lnB>
-                    <a:solidFill>
-                      <a:srgbClr val="000000">
-                        <a:alpha val="7843"/>
-                      </a:srgbClr>
-                    </a:solidFill>
-                  </a:tcPr>
-                </a:tc>
-                <a:extLst>
-                  <a:ext uri="{0D108BD9-81ED-4DB2-BD59-A6C34878D82A}">
-                    <a16:rowId xmlns:a16="http://schemas.microsoft.com/office/drawing/2014/main" val="4252228359"/>
-                  </a:ext>
-                </a:extLst>
-              </a:tr>
-              <a:tr h="978778">
-                <a:tc>
-                  <a:txBody>
-                    <a:bodyPr/>
-                    <a:lstStyle/>
-                    <a:p>
-                      <a:pPr marL="0" marR="0" lvl="0" indent="0" algn="l" defTabSz="914400" rtl="0" eaLnBrk="1" fontAlgn="auto" latinLnBrk="0" hangingPunct="1">
-                        <a:lnSpc>
-                          <a:spcPct val="100000"/>
-                        </a:lnSpc>
-                        <a:spcBef>
-                          <a:spcPts val="0"/>
-                        </a:spcBef>
-                        <a:spcAft>
-                          <a:spcPts val="0"/>
-                        </a:spcAft>
-                        <a:buClrTx/>
-                        <a:buSzTx/>
-                        <a:buFontTx/>
-                        <a:buNone/>
-                        <a:tabLst/>
-                        <a:defRPr/>
-                      </a:pPr>
-                      <a:r>
-                        <a:rPr lang="en-US" sz="1400" cap="none" spc="0" dirty="0">
-                          <a:solidFill>
-                            <a:schemeClr val="tx1"/>
-                          </a:solidFill>
-                        </a:rPr>
-                        <a:t>Lorem ipsum et tula lorem ipsum et lorem ipsum </a:t>
-                      </a:r>
-                    </a:p>
-                    <a:p>
-                      <a:endParaRPr lang="en-US" sz="1400" cap="none" spc="0" dirty="0">
-                        <a:solidFill>
-                          <a:schemeClr val="tx1"/>
-                        </a:solidFill>
-                      </a:endParaRPr>
-                    </a:p>
-                  </a:txBody>
-                  <a:tcPr marL="151061" marR="151061" marT="151061" marB="151061">
-                    <a:lnL w="12700" cmpd="sng">
-                      <a:noFill/>
-                      <a:prstDash val="solid"/>
-                    </a:lnL>
-                    <a:lnR w="12700" cmpd="sng">
-                      <a:noFill/>
-                      <a:prstDash val="solid"/>
-                    </a:lnR>
-                    <a:lnT w="12700" cmpd="sng">
-                      <a:noFill/>
-                      <a:prstDash val="solid"/>
-                    </a:lnT>
-                    <a:lnB w="12700" cmpd="sng">
-                      <a:noFill/>
-                      <a:prstDash val="solid"/>
-                    </a:lnB>
-                    <a:noFill/>
-                  </a:tcPr>
-                </a:tc>
-                <a:tc>
-                  <a:txBody>
-                    <a:bodyPr/>
-                    <a:lstStyle/>
-                    <a:p>
-                      <a:pPr marL="0" marR="0" lvl="0" indent="0" algn="l" defTabSz="914400" rtl="0" eaLnBrk="1" fontAlgn="auto" latinLnBrk="0" hangingPunct="1">
-                        <a:lnSpc>
-                          <a:spcPct val="100000"/>
-                        </a:lnSpc>
-                        <a:spcBef>
-                          <a:spcPts val="0"/>
-                        </a:spcBef>
-                        <a:spcAft>
-                          <a:spcPts val="0"/>
-                        </a:spcAft>
-                        <a:buClrTx/>
-                        <a:buSzTx/>
-                        <a:buFontTx/>
-                        <a:buNone/>
-                        <a:tabLst/>
-                        <a:defRPr/>
-                      </a:pPr>
-                      <a:r>
-                        <a:rPr lang="en-US" sz="1400" cap="none" spc="0" dirty="0">
-                          <a:solidFill>
-                            <a:schemeClr val="tx1"/>
-                          </a:solidFill>
-                        </a:rPr>
-                        <a:t>Lorem ipsum et tula lorem ipsum et lorem ipsum </a:t>
-                      </a:r>
-                    </a:p>
-                    <a:p>
-                      <a:endParaRPr lang="en-US" sz="1400" cap="none" spc="0" dirty="0">
-                        <a:solidFill>
-                          <a:schemeClr val="tx1"/>
-                        </a:solidFill>
-                      </a:endParaRPr>
-                    </a:p>
-                  </a:txBody>
-                  <a:tcPr marL="151061" marR="151061" marT="151061" marB="151061">
-                    <a:lnL w="12700" cmpd="sng">
-                      <a:noFill/>
-                      <a:prstDash val="solid"/>
-                    </a:lnL>
-                    <a:lnR w="12700" cmpd="sng">
-                      <a:noFill/>
-                      <a:prstDash val="solid"/>
-                    </a:lnR>
-                    <a:lnT w="12700" cmpd="sng">
-                      <a:noFill/>
-                      <a:prstDash val="solid"/>
-                    </a:lnT>
-                    <a:lnB w="12700" cmpd="sng">
-                      <a:noFill/>
-                      <a:prstDash val="solid"/>
-                    </a:lnB>
-                    <a:noFill/>
-                  </a:tcPr>
-                </a:tc>
-                <a:tc>
-                  <a:txBody>
-                    <a:bodyPr/>
-                    <a:lstStyle/>
-                    <a:p>
-                      <a:pPr marL="0" marR="0" lvl="0" indent="0" algn="l" defTabSz="914400" rtl="0" eaLnBrk="1" fontAlgn="auto" latinLnBrk="0" hangingPunct="1">
-                        <a:lnSpc>
-                          <a:spcPct val="100000"/>
-                        </a:lnSpc>
-                        <a:spcBef>
-                          <a:spcPts val="0"/>
-                        </a:spcBef>
-                        <a:spcAft>
-                          <a:spcPts val="0"/>
-                        </a:spcAft>
-                        <a:buClrTx/>
-                        <a:buSzTx/>
-                        <a:buFontTx/>
-                        <a:buNone/>
-                        <a:tabLst/>
-                        <a:defRPr/>
-                      </a:pPr>
-                      <a:r>
-                        <a:rPr lang="en-US" sz="1400" cap="none" spc="0" dirty="0">
-                          <a:solidFill>
-                            <a:schemeClr val="tx1"/>
-                          </a:solidFill>
-                        </a:rPr>
-                        <a:t>Lorem ipsum et tula lorem ipsum et lorem ipsum </a:t>
-                      </a:r>
-                    </a:p>
-                    <a:p>
-                      <a:endParaRPr lang="en-US" sz="1400" cap="none" spc="0" dirty="0">
-                        <a:solidFill>
-                          <a:schemeClr val="tx1"/>
-                        </a:solidFill>
-                      </a:endParaRPr>
-                    </a:p>
-                  </a:txBody>
-                  <a:tcPr marL="151061" marR="151061" marT="151061" marB="151061">
-                    <a:lnL w="12700" cmpd="sng">
-                      <a:noFill/>
-                      <a:prstDash val="solid"/>
-                    </a:lnL>
-                    <a:lnR w="12700" cmpd="sng">
-                      <a:noFill/>
-                      <a:prstDash val="solid"/>
-                    </a:lnR>
-                    <a:lnT w="12700" cmpd="sng">
-                      <a:noFill/>
-                      <a:prstDash val="solid"/>
-                    </a:lnT>
-                    <a:lnB w="12700" cmpd="sng">
-                      <a:noFill/>
-                      <a:prstDash val="solid"/>
-                    </a:lnB>
-                    <a:noFill/>
-                  </a:tcPr>
-                </a:tc>
-                <a:tc>
-                  <a:txBody>
-                    <a:bodyPr/>
-                    <a:lstStyle/>
-                    <a:p>
-                      <a:pPr marL="0" marR="0" lvl="0" indent="0" algn="l" defTabSz="914400" rtl="0" eaLnBrk="1" fontAlgn="auto" latinLnBrk="0" hangingPunct="1">
-                        <a:lnSpc>
-                          <a:spcPct val="100000"/>
-                        </a:lnSpc>
-                        <a:spcBef>
-                          <a:spcPts val="0"/>
-                        </a:spcBef>
-                        <a:spcAft>
-                          <a:spcPts val="0"/>
-                        </a:spcAft>
-                        <a:buClrTx/>
-                        <a:buSzTx/>
-                        <a:buFontTx/>
-                        <a:buNone/>
-                        <a:tabLst/>
-                        <a:defRPr/>
-                      </a:pPr>
-                      <a:r>
-                        <a:rPr lang="en-US" sz="1400" cap="none" spc="0" dirty="0">
-                          <a:solidFill>
-                            <a:schemeClr val="tx1"/>
-                          </a:solidFill>
-                        </a:rPr>
-                        <a:t>Lorem ipsum et tula lorem ipsum et lorem ipsum </a:t>
-                      </a:r>
-                    </a:p>
-                    <a:p>
-                      <a:endParaRPr lang="en-US" sz="1400" cap="none" spc="0" dirty="0">
-                        <a:solidFill>
-                          <a:schemeClr val="tx1"/>
-                        </a:solidFill>
-                      </a:endParaRPr>
-                    </a:p>
-                  </a:txBody>
-                  <a:tcPr marL="151061" marR="151061" marT="151061" marB="151061">
-                    <a:lnL w="12700" cmpd="sng">
-                      <a:noFill/>
-                      <a:prstDash val="solid"/>
-                    </a:lnL>
-                    <a:lnR w="12700" cmpd="sng">
-                      <a:noFill/>
-                      <a:prstDash val="solid"/>
-                    </a:lnR>
-                    <a:lnT w="12700" cmpd="sng">
-                      <a:noFill/>
-                      <a:prstDash val="solid"/>
-                    </a:lnT>
-                    <a:lnB w="12700" cmpd="sng">
-                      <a:noFill/>
-                      <a:prstDash val="solid"/>
-                    </a:lnB>
-                    <a:noFill/>
-                  </a:tcPr>
-                </a:tc>
-                <a:extLst>
-                  <a:ext uri="{0D108BD9-81ED-4DB2-BD59-A6C34878D82A}">
-                    <a16:rowId xmlns:a16="http://schemas.microsoft.com/office/drawing/2014/main" val="2578144993"/>
-                  </a:ext>
-                </a:extLst>
-              </a:tr>
-            </a:tbl>
-          </a:graphicData>
-        </a:graphic>
-      </p:graphicFrame>
+        </p:nvPicPr>
+        <p:blipFill>
+          <a:blip r:embed="rId3"/>
+          <a:srcRect/>
+          <a:stretch/>
+        </p:blipFill>
+        <p:spPr>
+          <a:xfrm>
+            <a:off x="1" y="0"/>
+            <a:ext cx="12192000" cy="6048375"/>
+          </a:xfrm>
+        </p:spPr>
+      </p:pic>
     </p:spTree>
     <p:extLst>
       <p:ext uri="{BB962C8B-B14F-4D97-AF65-F5344CB8AC3E}">
-        <p14:creationId xmlns:p14="http://schemas.microsoft.com/office/powerpoint/2010/main" val="956794769"/>
+        <p14:creationId xmlns:p14="http://schemas.microsoft.com/office/powerpoint/2010/main" val="1791422110"/>
       </p:ext>
     </p:extLst>
   </p:cSld>
@@ -9013,6 +9624,393 @@
 </file>
 
 <file path=ppt/theme/themeOverride1.xml><?xml version="1.0" encoding="utf-8"?>
+<a:themeOverride xmlns:a="http://schemas.openxmlformats.org/drawingml/2006/main">
+  <a:clrScheme name="Parcel">
+    <a:dk1>
+      <a:srgbClr val="000000"/>
+    </a:dk1>
+    <a:lt1>
+      <a:srgbClr val="FFFFFF"/>
+    </a:lt1>
+    <a:dk2>
+      <a:srgbClr val="4A5356"/>
+    </a:dk2>
+    <a:lt2>
+      <a:srgbClr val="E8E3CE"/>
+    </a:lt2>
+    <a:accent1>
+      <a:srgbClr val="F6A21D"/>
+    </a:accent1>
+    <a:accent2>
+      <a:srgbClr val="9BAFB5"/>
+    </a:accent2>
+    <a:accent3>
+      <a:srgbClr val="C96731"/>
+    </a:accent3>
+    <a:accent4>
+      <a:srgbClr val="9CA383"/>
+    </a:accent4>
+    <a:accent5>
+      <a:srgbClr val="87795D"/>
+    </a:accent5>
+    <a:accent6>
+      <a:srgbClr val="A0988C"/>
+    </a:accent6>
+    <a:hlink>
+      <a:srgbClr val="00B0F0"/>
+    </a:hlink>
+    <a:folHlink>
+      <a:srgbClr val="738F97"/>
+    </a:folHlink>
+  </a:clrScheme>
+</a:themeOverride>
+</file>
+
+<file path=ppt/theme/themeOverride10.xml><?xml version="1.0" encoding="utf-8"?>
+<a:themeOverride xmlns:a="http://schemas.openxmlformats.org/drawingml/2006/main">
+  <a:clrScheme name="Parcel">
+    <a:dk1>
+      <a:srgbClr val="000000"/>
+    </a:dk1>
+    <a:lt1>
+      <a:srgbClr val="FFFFFF"/>
+    </a:lt1>
+    <a:dk2>
+      <a:srgbClr val="4A5356"/>
+    </a:dk2>
+    <a:lt2>
+      <a:srgbClr val="E8E3CE"/>
+    </a:lt2>
+    <a:accent1>
+      <a:srgbClr val="F6A21D"/>
+    </a:accent1>
+    <a:accent2>
+      <a:srgbClr val="9BAFB5"/>
+    </a:accent2>
+    <a:accent3>
+      <a:srgbClr val="C96731"/>
+    </a:accent3>
+    <a:accent4>
+      <a:srgbClr val="9CA383"/>
+    </a:accent4>
+    <a:accent5>
+      <a:srgbClr val="87795D"/>
+    </a:accent5>
+    <a:accent6>
+      <a:srgbClr val="A0988C"/>
+    </a:accent6>
+    <a:hlink>
+      <a:srgbClr val="00B0F0"/>
+    </a:hlink>
+    <a:folHlink>
+      <a:srgbClr val="738F97"/>
+    </a:folHlink>
+  </a:clrScheme>
+</a:themeOverride>
+</file>
+
+<file path=ppt/theme/themeOverride11.xml><?xml version="1.0" encoding="utf-8"?>
+<a:themeOverride xmlns:a="http://schemas.openxmlformats.org/drawingml/2006/main">
+  <a:clrScheme name="Parcel">
+    <a:dk1>
+      <a:srgbClr val="000000"/>
+    </a:dk1>
+    <a:lt1>
+      <a:srgbClr val="FFFFFF"/>
+    </a:lt1>
+    <a:dk2>
+      <a:srgbClr val="4A5356"/>
+    </a:dk2>
+    <a:lt2>
+      <a:srgbClr val="E8E3CE"/>
+    </a:lt2>
+    <a:accent1>
+      <a:srgbClr val="F6A21D"/>
+    </a:accent1>
+    <a:accent2>
+      <a:srgbClr val="9BAFB5"/>
+    </a:accent2>
+    <a:accent3>
+      <a:srgbClr val="C96731"/>
+    </a:accent3>
+    <a:accent4>
+      <a:srgbClr val="9CA383"/>
+    </a:accent4>
+    <a:accent5>
+      <a:srgbClr val="87795D"/>
+    </a:accent5>
+    <a:accent6>
+      <a:srgbClr val="A0988C"/>
+    </a:accent6>
+    <a:hlink>
+      <a:srgbClr val="00B0F0"/>
+    </a:hlink>
+    <a:folHlink>
+      <a:srgbClr val="738F97"/>
+    </a:folHlink>
+  </a:clrScheme>
+</a:themeOverride>
+</file>
+
+<file path=ppt/theme/themeOverride12.xml><?xml version="1.0" encoding="utf-8"?>
+<a:themeOverride xmlns:a="http://schemas.openxmlformats.org/drawingml/2006/main">
+  <a:clrScheme name="Parcel">
+    <a:dk1>
+      <a:srgbClr val="000000"/>
+    </a:dk1>
+    <a:lt1>
+      <a:srgbClr val="FFFFFF"/>
+    </a:lt1>
+    <a:dk2>
+      <a:srgbClr val="4A5356"/>
+    </a:dk2>
+    <a:lt2>
+      <a:srgbClr val="E8E3CE"/>
+    </a:lt2>
+    <a:accent1>
+      <a:srgbClr val="F6A21D"/>
+    </a:accent1>
+    <a:accent2>
+      <a:srgbClr val="9BAFB5"/>
+    </a:accent2>
+    <a:accent3>
+      <a:srgbClr val="C96731"/>
+    </a:accent3>
+    <a:accent4>
+      <a:srgbClr val="9CA383"/>
+    </a:accent4>
+    <a:accent5>
+      <a:srgbClr val="87795D"/>
+    </a:accent5>
+    <a:accent6>
+      <a:srgbClr val="A0988C"/>
+    </a:accent6>
+    <a:hlink>
+      <a:srgbClr val="00B0F0"/>
+    </a:hlink>
+    <a:folHlink>
+      <a:srgbClr val="738F97"/>
+    </a:folHlink>
+  </a:clrScheme>
+</a:themeOverride>
+</file>
+
+<file path=ppt/theme/themeOverride13.xml><?xml version="1.0" encoding="utf-8"?>
+<a:themeOverride xmlns:a="http://schemas.openxmlformats.org/drawingml/2006/main">
+  <a:clrScheme name="Parcel">
+    <a:dk1>
+      <a:srgbClr val="000000"/>
+    </a:dk1>
+    <a:lt1>
+      <a:srgbClr val="FFFFFF"/>
+    </a:lt1>
+    <a:dk2>
+      <a:srgbClr val="4A5356"/>
+    </a:dk2>
+    <a:lt2>
+      <a:srgbClr val="E8E3CE"/>
+    </a:lt2>
+    <a:accent1>
+      <a:srgbClr val="F6A21D"/>
+    </a:accent1>
+    <a:accent2>
+      <a:srgbClr val="9BAFB5"/>
+    </a:accent2>
+    <a:accent3>
+      <a:srgbClr val="C96731"/>
+    </a:accent3>
+    <a:accent4>
+      <a:srgbClr val="9CA383"/>
+    </a:accent4>
+    <a:accent5>
+      <a:srgbClr val="87795D"/>
+    </a:accent5>
+    <a:accent6>
+      <a:srgbClr val="A0988C"/>
+    </a:accent6>
+    <a:hlink>
+      <a:srgbClr val="00B0F0"/>
+    </a:hlink>
+    <a:folHlink>
+      <a:srgbClr val="738F97"/>
+    </a:folHlink>
+  </a:clrScheme>
+</a:themeOverride>
+</file>
+
+<file path=ppt/theme/themeOverride14.xml><?xml version="1.0" encoding="utf-8"?>
+<a:themeOverride xmlns:a="http://schemas.openxmlformats.org/drawingml/2006/main">
+  <a:clrScheme name="Parcel">
+    <a:dk1>
+      <a:srgbClr val="000000"/>
+    </a:dk1>
+    <a:lt1>
+      <a:srgbClr val="FFFFFF"/>
+    </a:lt1>
+    <a:dk2>
+      <a:srgbClr val="4A5356"/>
+    </a:dk2>
+    <a:lt2>
+      <a:srgbClr val="E8E3CE"/>
+    </a:lt2>
+    <a:accent1>
+      <a:srgbClr val="F6A21D"/>
+    </a:accent1>
+    <a:accent2>
+      <a:srgbClr val="9BAFB5"/>
+    </a:accent2>
+    <a:accent3>
+      <a:srgbClr val="C96731"/>
+    </a:accent3>
+    <a:accent4>
+      <a:srgbClr val="9CA383"/>
+    </a:accent4>
+    <a:accent5>
+      <a:srgbClr val="87795D"/>
+    </a:accent5>
+    <a:accent6>
+      <a:srgbClr val="A0988C"/>
+    </a:accent6>
+    <a:hlink>
+      <a:srgbClr val="00B0F0"/>
+    </a:hlink>
+    <a:folHlink>
+      <a:srgbClr val="738F97"/>
+    </a:folHlink>
+  </a:clrScheme>
+</a:themeOverride>
+</file>
+
+<file path=ppt/theme/themeOverride15.xml><?xml version="1.0" encoding="utf-8"?>
+<a:themeOverride xmlns:a="http://schemas.openxmlformats.org/drawingml/2006/main">
+  <a:clrScheme name="Parcel">
+    <a:dk1>
+      <a:srgbClr val="000000"/>
+    </a:dk1>
+    <a:lt1>
+      <a:srgbClr val="FFFFFF"/>
+    </a:lt1>
+    <a:dk2>
+      <a:srgbClr val="4A5356"/>
+    </a:dk2>
+    <a:lt2>
+      <a:srgbClr val="E8E3CE"/>
+    </a:lt2>
+    <a:accent1>
+      <a:srgbClr val="F6A21D"/>
+    </a:accent1>
+    <a:accent2>
+      <a:srgbClr val="9BAFB5"/>
+    </a:accent2>
+    <a:accent3>
+      <a:srgbClr val="C96731"/>
+    </a:accent3>
+    <a:accent4>
+      <a:srgbClr val="9CA383"/>
+    </a:accent4>
+    <a:accent5>
+      <a:srgbClr val="87795D"/>
+    </a:accent5>
+    <a:accent6>
+      <a:srgbClr val="A0988C"/>
+    </a:accent6>
+    <a:hlink>
+      <a:srgbClr val="00B0F0"/>
+    </a:hlink>
+    <a:folHlink>
+      <a:srgbClr val="738F97"/>
+    </a:folHlink>
+  </a:clrScheme>
+</a:themeOverride>
+</file>
+
+<file path=ppt/theme/themeOverride16.xml><?xml version="1.0" encoding="utf-8"?>
+<a:themeOverride xmlns:a="http://schemas.openxmlformats.org/drawingml/2006/main">
+  <a:clrScheme name="Parcel">
+    <a:dk1>
+      <a:srgbClr val="000000"/>
+    </a:dk1>
+    <a:lt1>
+      <a:srgbClr val="FFFFFF"/>
+    </a:lt1>
+    <a:dk2>
+      <a:srgbClr val="4A5356"/>
+    </a:dk2>
+    <a:lt2>
+      <a:srgbClr val="E8E3CE"/>
+    </a:lt2>
+    <a:accent1>
+      <a:srgbClr val="F6A21D"/>
+    </a:accent1>
+    <a:accent2>
+      <a:srgbClr val="9BAFB5"/>
+    </a:accent2>
+    <a:accent3>
+      <a:srgbClr val="C96731"/>
+    </a:accent3>
+    <a:accent4>
+      <a:srgbClr val="9CA383"/>
+    </a:accent4>
+    <a:accent5>
+      <a:srgbClr val="87795D"/>
+    </a:accent5>
+    <a:accent6>
+      <a:srgbClr val="A0988C"/>
+    </a:accent6>
+    <a:hlink>
+      <a:srgbClr val="00B0F0"/>
+    </a:hlink>
+    <a:folHlink>
+      <a:srgbClr val="738F97"/>
+    </a:folHlink>
+  </a:clrScheme>
+</a:themeOverride>
+</file>
+
+<file path=ppt/theme/themeOverride17.xml><?xml version="1.0" encoding="utf-8"?>
+<a:themeOverride xmlns:a="http://schemas.openxmlformats.org/drawingml/2006/main">
+  <a:clrScheme name="Parcel">
+    <a:dk1>
+      <a:srgbClr val="000000"/>
+    </a:dk1>
+    <a:lt1>
+      <a:srgbClr val="FFFFFF"/>
+    </a:lt1>
+    <a:dk2>
+      <a:srgbClr val="4A5356"/>
+    </a:dk2>
+    <a:lt2>
+      <a:srgbClr val="E8E3CE"/>
+    </a:lt2>
+    <a:accent1>
+      <a:srgbClr val="F6A21D"/>
+    </a:accent1>
+    <a:accent2>
+      <a:srgbClr val="9BAFB5"/>
+    </a:accent2>
+    <a:accent3>
+      <a:srgbClr val="C96731"/>
+    </a:accent3>
+    <a:accent4>
+      <a:srgbClr val="9CA383"/>
+    </a:accent4>
+    <a:accent5>
+      <a:srgbClr val="87795D"/>
+    </a:accent5>
+    <a:accent6>
+      <a:srgbClr val="A0988C"/>
+    </a:accent6>
+    <a:hlink>
+      <a:srgbClr val="00B0F0"/>
+    </a:hlink>
+    <a:folHlink>
+      <a:srgbClr val="738F97"/>
+    </a:folHlink>
+  </a:clrScheme>
+</a:themeOverride>
+</file>
+
+<file path=ppt/theme/themeOverride18.xml><?xml version="1.0" encoding="utf-8"?>
 <a:themeOverride xmlns:a="http://schemas.openxmlformats.org/drawingml/2006/main">
   <a:clrScheme name="Parcel">
     <a:dk1>
@@ -9400,35 +10398,6 @@
 </file>
 
 <file path=customXml/item1.xml><?xml version="1.0" encoding="utf-8"?>
-<p:properties xmlns:p="http://schemas.microsoft.com/office/2006/metadata/properties" xmlns:xsi="http://www.w3.org/2001/XMLSchema-instance" xmlns:pc="http://schemas.microsoft.com/office/infopath/2007/PartnerControls">
-  <documentManagement>
-    <Status xmlns="71af3243-3dd4-4a8d-8c0d-dd76da1f02a5">Not started</Status>
-    <MediaServiceKeyPoints xmlns="71af3243-3dd4-4a8d-8c0d-dd76da1f02a5" xsi:nil="true"/>
-    <_ip_UnifiedCompliancePolicyUIAction xmlns="http://schemas.microsoft.com/sharepoint/v3" xsi:nil="true"/>
-    <Image xmlns="71af3243-3dd4-4a8d-8c0d-dd76da1f02a5">
-      <Url xsi:nil="true"/>
-      <Description xsi:nil="true"/>
-    </Image>
-    <Background xmlns="71af3243-3dd4-4a8d-8c0d-dd76da1f02a5">false</Background>
-    <_ip_UnifiedCompliancePolicyProperties xmlns="http://schemas.microsoft.com/sharepoint/v3" xsi:nil="true"/>
-    <ImageTagsTaxHTField xmlns="71af3243-3dd4-4a8d-8c0d-dd76da1f02a5">
-      <Terms xmlns="http://schemas.microsoft.com/office/infopath/2007/PartnerControls"/>
-    </ImageTagsTaxHTField>
-    <TaxCatchAll xmlns="230e9df3-be65-4c73-a93b-d1236ebd677e" xsi:nil="true"/>
-  </documentManagement>
-</p:properties>
-</file>
-
-<file path=customXml/item2.xml><?xml version="1.0" encoding="utf-8"?>
-<?mso-contentType ?>
-<FormTemplates xmlns="http://schemas.microsoft.com/sharepoint/v3/contenttype/forms">
-  <Display>DocumentLibraryForm</Display>
-  <Edit>DocumentLibraryForm</Edit>
-  <New>DocumentLibraryForm</New>
-</FormTemplates>
-</file>
-
-<file path=customXml/item3.xml><?xml version="1.0" encoding="utf-8"?>
 <ct:contentTypeSchema xmlns:ct="http://schemas.microsoft.com/office/2006/metadata/contentType" xmlns:ma="http://schemas.microsoft.com/office/2006/metadata/properties/metaAttributes" ct:_="" ma:_="" ma:contentTypeName="Document" ma:contentTypeID="0x01010079F111ED35F8CC479449609E8A0923A6" ma:contentTypeVersion="27" ma:contentTypeDescription="Create a new document." ma:contentTypeScope="" ma:versionID="c6f9a84f66a9c8b9a21755b9ffafb945">
   <xsd:schema xmlns:xsd="http://www.w3.org/2001/XMLSchema" xmlns:xs="http://www.w3.org/2001/XMLSchema" xmlns:p="http://schemas.microsoft.com/office/2006/metadata/properties" xmlns:ns1="http://schemas.microsoft.com/sharepoint/v3" xmlns:ns2="71af3243-3dd4-4a8d-8c0d-dd76da1f02a5" xmlns:ns3="16c05727-aa75-4e4a-9b5f-8a80a1165891" xmlns:ns4="230e9df3-be65-4c73-a93b-d1236ebd677e" targetNamespace="http://schemas.microsoft.com/office/2006/metadata/properties" ma:root="true" ma:fieldsID="27df39e3e7036dff54f89ddd5805ce72" ns1:_="" ns2:_="" ns3:_="" ns4:_="">
     <xsd:import namespace="http://schemas.microsoft.com/sharepoint/v3"/>
@@ -9734,27 +10703,36 @@
 </ct:contentTypeSchema>
 </file>
 
-<file path=customXml/itemProps1.xml><?xml version="1.0" encoding="utf-8"?>
-<ds:datastoreItem xmlns:ds="http://schemas.openxmlformats.org/officeDocument/2006/customXml" ds:itemID="{A03EEFF0-FB57-4CB4-8BFC-DF397689E2ED}">
-  <ds:schemaRefs>
-    <ds:schemaRef ds:uri="http://schemas.microsoft.com/office/2006/metadata/properties"/>
-    <ds:schemaRef ds:uri="http://schemas.microsoft.com/office/infopath/2007/PartnerControls"/>
-    <ds:schemaRef ds:uri="71af3243-3dd4-4a8d-8c0d-dd76da1f02a5"/>
-    <ds:schemaRef ds:uri="http://schemas.microsoft.com/sharepoint/v3"/>
-    <ds:schemaRef ds:uri="230e9df3-be65-4c73-a93b-d1236ebd677e"/>
-  </ds:schemaRefs>
-</ds:datastoreItem>
+<file path=customXml/item2.xml><?xml version="1.0" encoding="utf-8"?>
+<?mso-contentType ?>
+<FormTemplates xmlns="http://schemas.microsoft.com/sharepoint/v3/contenttype/forms">
+  <Display>DocumentLibraryForm</Display>
+  <Edit>DocumentLibraryForm</Edit>
+  <New>DocumentLibraryForm</New>
+</FormTemplates>
 </file>
 
-<file path=customXml/itemProps2.xml><?xml version="1.0" encoding="utf-8"?>
-<ds:datastoreItem xmlns:ds="http://schemas.openxmlformats.org/officeDocument/2006/customXml" ds:itemID="{AA3F7EDC-E5B4-4BBC-9D2A-CBE6D46C37AD}">
-  <ds:schemaRefs>
-    <ds:schemaRef ds:uri="http://schemas.microsoft.com/sharepoint/v3/contenttype/forms"/>
-  </ds:schemaRefs>
-</ds:datastoreItem>
+<file path=customXml/item3.xml><?xml version="1.0" encoding="utf-8"?>
+<p:properties xmlns:p="http://schemas.microsoft.com/office/2006/metadata/properties" xmlns:xsi="http://www.w3.org/2001/XMLSchema-instance" xmlns:pc="http://schemas.microsoft.com/office/infopath/2007/PartnerControls">
+  <documentManagement>
+    <Status xmlns="71af3243-3dd4-4a8d-8c0d-dd76da1f02a5">Not started</Status>
+    <MediaServiceKeyPoints xmlns="71af3243-3dd4-4a8d-8c0d-dd76da1f02a5" xsi:nil="true"/>
+    <_ip_UnifiedCompliancePolicyUIAction xmlns="http://schemas.microsoft.com/sharepoint/v3" xsi:nil="true"/>
+    <Image xmlns="71af3243-3dd4-4a8d-8c0d-dd76da1f02a5">
+      <Url xsi:nil="true"/>
+      <Description xsi:nil="true"/>
+    </Image>
+    <Background xmlns="71af3243-3dd4-4a8d-8c0d-dd76da1f02a5">false</Background>
+    <_ip_UnifiedCompliancePolicyProperties xmlns="http://schemas.microsoft.com/sharepoint/v3" xsi:nil="true"/>
+    <ImageTagsTaxHTField xmlns="71af3243-3dd4-4a8d-8c0d-dd76da1f02a5">
+      <Terms xmlns="http://schemas.microsoft.com/office/infopath/2007/PartnerControls"/>
+    </ImageTagsTaxHTField>
+    <TaxCatchAll xmlns="230e9df3-be65-4c73-a93b-d1236ebd677e" xsi:nil="true"/>
+  </documentManagement>
+</p:properties>
 </file>
 
-<file path=customXml/itemProps3.xml><?xml version="1.0" encoding="utf-8"?>
+<file path=customXml/itemProps1.xml><?xml version="1.0" encoding="utf-8"?>
 <ds:datastoreItem xmlns:ds="http://schemas.openxmlformats.org/officeDocument/2006/customXml" ds:itemID="{D2957789-34B8-480C-AF9B-3EB54B9E5C96}">
   <ds:schemaRefs>
     <ds:schemaRef ds:uri="http://schemas.microsoft.com/office/2006/metadata/contentType"/>
@@ -9773,4 +10751,24 @@
     <ds:schemaRef ds:uri="http://schemas.microsoft.com/internal/obd"/>
   </ds:schemaRefs>
 </ds:datastoreItem>
+</file>
+
+<file path=customXml/itemProps2.xml><?xml version="1.0" encoding="utf-8"?>
+<ds:datastoreItem xmlns:ds="http://schemas.openxmlformats.org/officeDocument/2006/customXml" ds:itemID="{AA3F7EDC-E5B4-4BBC-9D2A-CBE6D46C37AD}">
+  <ds:schemaRefs>
+    <ds:schemaRef ds:uri="http://schemas.microsoft.com/sharepoint/v3/contenttype/forms"/>
+  </ds:schemaRefs>
+</ds:datastoreItem>
+</file>
+
+<file path=customXml/itemProps3.xml><?xml version="1.0" encoding="utf-8"?>
+<ds:datastoreItem xmlns:ds="http://schemas.openxmlformats.org/officeDocument/2006/customXml" ds:itemID="{A03EEFF0-FB57-4CB4-8BFC-DF397689E2ED}">
+  <ds:schemaRefs>
+    <ds:schemaRef ds:uri="http://schemas.microsoft.com/office/2006/metadata/properties"/>
+    <ds:schemaRef ds:uri="http://schemas.microsoft.com/office/infopath/2007/PartnerControls"/>
+    <ds:schemaRef ds:uri="71af3243-3dd4-4a8d-8c0d-dd76da1f02a5"/>
+    <ds:schemaRef ds:uri="http://schemas.microsoft.com/sharepoint/v3"/>
+    <ds:schemaRef ds:uri="230e9df3-be65-4c73-a93b-d1236ebd677e"/>
+  </ds:schemaRefs>
+</ds:datastoreItem>
 </file>